--- a/PPTX_RESULT/Part1_Session1_StrategicInventory.pptx
+++ b/PPTX_RESULT/Part1_Session1_StrategicInventory.pptx
@@ -7041,8 +7041,8 @@
         </p:nvSpPr>
         <p:spPr>
           <a:xfrm>
-            <a:off x="457200" y="3840480"/>
-            <a:ext cx="731520" cy="3749039"/>
+            <a:off x="457200" y="3611880"/>
+            <a:ext cx="731520" cy="3200400"/>
           </a:xfrm>
           <a:prstGeom prst="rect">
             <a:avLst/>
@@ -7085,8 +7085,8 @@
         </p:nvSpPr>
         <p:spPr>
           <a:xfrm>
-            <a:off x="1371600" y="5943600"/>
-            <a:ext cx="7040879" cy="365760"/>
+            <a:off x="1371600" y="5577840"/>
+            <a:ext cx="6858000" cy="365760"/>
           </a:xfrm>
           <a:prstGeom prst="rect">
             <a:avLst/>
@@ -7121,8 +7121,8 @@
         </p:nvSpPr>
         <p:spPr>
           <a:xfrm>
-            <a:off x="4937759" y="2011680"/>
-            <a:ext cx="3474720" cy="1828800"/>
+            <a:off x="4846320" y="1920240"/>
+            <a:ext cx="3383280" cy="1691640"/>
           </a:xfrm>
           <a:prstGeom prst="rect">
             <a:avLst/>
@@ -7166,8 +7166,8 @@
         </p:nvSpPr>
         <p:spPr>
           <a:xfrm>
-            <a:off x="5029199" y="2084832"/>
-            <a:ext cx="3291839" cy="256032"/>
+            <a:off x="4937759" y="1993392"/>
+            <a:ext cx="3200400" cy="256032"/>
           </a:xfrm>
           <a:prstGeom prst="rect">
             <a:avLst/>
@@ -7202,8 +7202,8 @@
         </p:nvSpPr>
         <p:spPr>
           <a:xfrm>
-            <a:off x="5047488" y="2395728"/>
-            <a:ext cx="91440" cy="91440"/>
+            <a:off x="4956048" y="2286000"/>
+            <a:ext cx="91440" cy="82296"/>
           </a:xfrm>
           <a:prstGeom prst="rect">
             <a:avLst/>
@@ -7238,8 +7238,8 @@
         </p:nvSpPr>
         <p:spPr>
           <a:xfrm>
-            <a:off x="5157216" y="2395728"/>
-            <a:ext cx="3145536" cy="91440"/>
+            <a:off x="5065776" y="2286000"/>
+            <a:ext cx="3054096" cy="82296"/>
           </a:xfrm>
           <a:prstGeom prst="rect">
             <a:avLst/>
@@ -7274,8 +7274,8 @@
         </p:nvSpPr>
         <p:spPr>
           <a:xfrm>
-            <a:off x="5047488" y="2496312"/>
-            <a:ext cx="91440" cy="91440"/>
+            <a:off x="4956048" y="2354580"/>
+            <a:ext cx="91440" cy="82296"/>
           </a:xfrm>
           <a:prstGeom prst="rect">
             <a:avLst/>
@@ -7310,8 +7310,8 @@
         </p:nvSpPr>
         <p:spPr>
           <a:xfrm>
-            <a:off x="5157216" y="2496312"/>
-            <a:ext cx="3145536" cy="91440"/>
+            <a:off x="5065776" y="2354580"/>
+            <a:ext cx="3054096" cy="82296"/>
           </a:xfrm>
           <a:prstGeom prst="rect">
             <a:avLst/>
@@ -7346,8 +7346,8 @@
         </p:nvSpPr>
         <p:spPr>
           <a:xfrm>
-            <a:off x="5047488" y="2596896"/>
-            <a:ext cx="91440" cy="91440"/>
+            <a:off x="4956048" y="2423160"/>
+            <a:ext cx="91440" cy="82296"/>
           </a:xfrm>
           <a:prstGeom prst="rect">
             <a:avLst/>
@@ -7382,8 +7382,8 @@
         </p:nvSpPr>
         <p:spPr>
           <a:xfrm>
-            <a:off x="5157216" y="2596896"/>
-            <a:ext cx="3145536" cy="91440"/>
+            <a:off x="5065776" y="2423160"/>
+            <a:ext cx="3054096" cy="82296"/>
           </a:xfrm>
           <a:prstGeom prst="rect">
             <a:avLst/>
@@ -7418,8 +7418,8 @@
         </p:nvSpPr>
         <p:spPr>
           <a:xfrm>
-            <a:off x="5047488" y="2697479"/>
-            <a:ext cx="91440" cy="91440"/>
+            <a:off x="4956048" y="2491740"/>
+            <a:ext cx="91440" cy="82296"/>
           </a:xfrm>
           <a:prstGeom prst="rect">
             <a:avLst/>
@@ -7454,8 +7454,8 @@
         </p:nvSpPr>
         <p:spPr>
           <a:xfrm>
-            <a:off x="5157216" y="2697479"/>
-            <a:ext cx="3145536" cy="91440"/>
+            <a:off x="5065776" y="2491740"/>
+            <a:ext cx="3054096" cy="82296"/>
           </a:xfrm>
           <a:prstGeom prst="rect">
             <a:avLst/>
@@ -7490,8 +7490,8 @@
         </p:nvSpPr>
         <p:spPr>
           <a:xfrm>
-            <a:off x="5047488" y="2798063"/>
-            <a:ext cx="3255263" cy="109728"/>
+            <a:off x="4956048" y="2560320"/>
+            <a:ext cx="3163824" cy="91440"/>
           </a:xfrm>
           <a:prstGeom prst="rect">
             <a:avLst/>
@@ -7526,8 +7526,8 @@
         </p:nvSpPr>
         <p:spPr>
           <a:xfrm>
-            <a:off x="5047488" y="2926079"/>
-            <a:ext cx="91440" cy="91440"/>
+            <a:off x="4956048" y="2651760"/>
+            <a:ext cx="91440" cy="82296"/>
           </a:xfrm>
           <a:prstGeom prst="rect">
             <a:avLst/>
@@ -7562,8 +7562,8 @@
         </p:nvSpPr>
         <p:spPr>
           <a:xfrm>
-            <a:off x="5157216" y="2926079"/>
-            <a:ext cx="3145536" cy="91440"/>
+            <a:off x="5065776" y="2651760"/>
+            <a:ext cx="3054096" cy="82296"/>
           </a:xfrm>
           <a:prstGeom prst="rect">
             <a:avLst/>
@@ -7598,8 +7598,8 @@
         </p:nvSpPr>
         <p:spPr>
           <a:xfrm>
-            <a:off x="5047488" y="3026663"/>
-            <a:ext cx="91440" cy="91440"/>
+            <a:off x="4956048" y="2720340"/>
+            <a:ext cx="91440" cy="82296"/>
           </a:xfrm>
           <a:prstGeom prst="rect">
             <a:avLst/>
@@ -7634,8 +7634,8 @@
         </p:nvSpPr>
         <p:spPr>
           <a:xfrm>
-            <a:off x="5157216" y="3026663"/>
-            <a:ext cx="3145536" cy="91440"/>
+            <a:off x="5065776" y="2720340"/>
+            <a:ext cx="3054096" cy="82296"/>
           </a:xfrm>
           <a:prstGeom prst="rect">
             <a:avLst/>
@@ -7670,8 +7670,8 @@
         </p:nvSpPr>
         <p:spPr>
           <a:xfrm>
-            <a:off x="5047488" y="3127247"/>
-            <a:ext cx="91440" cy="91440"/>
+            <a:off x="4956048" y="2788920"/>
+            <a:ext cx="91440" cy="82296"/>
           </a:xfrm>
           <a:prstGeom prst="rect">
             <a:avLst/>
@@ -7706,8 +7706,8 @@
         </p:nvSpPr>
         <p:spPr>
           <a:xfrm>
-            <a:off x="5157216" y="3127247"/>
-            <a:ext cx="3145536" cy="91440"/>
+            <a:off x="5065776" y="2788920"/>
+            <a:ext cx="3054096" cy="82296"/>
           </a:xfrm>
           <a:prstGeom prst="rect">
             <a:avLst/>
@@ -7742,8 +7742,8 @@
         </p:nvSpPr>
         <p:spPr>
           <a:xfrm>
-            <a:off x="5047488" y="3227831"/>
-            <a:ext cx="91440" cy="91440"/>
+            <a:off x="4956048" y="2857500"/>
+            <a:ext cx="91440" cy="82296"/>
           </a:xfrm>
           <a:prstGeom prst="rect">
             <a:avLst/>
@@ -7778,8 +7778,8 @@
         </p:nvSpPr>
         <p:spPr>
           <a:xfrm>
-            <a:off x="5157216" y="3227831"/>
-            <a:ext cx="3145536" cy="91440"/>
+            <a:off x="5065776" y="2857500"/>
+            <a:ext cx="3054096" cy="82296"/>
           </a:xfrm>
           <a:prstGeom prst="rect">
             <a:avLst/>
@@ -7814,8 +7814,8 @@
         </p:nvSpPr>
         <p:spPr>
           <a:xfrm>
-            <a:off x="5047488" y="3328415"/>
-            <a:ext cx="3255263" cy="109728"/>
+            <a:off x="4956048" y="2926080"/>
+            <a:ext cx="3163824" cy="91440"/>
           </a:xfrm>
           <a:prstGeom prst="rect">
             <a:avLst/>
@@ -7850,8 +7850,8 @@
         </p:nvSpPr>
         <p:spPr>
           <a:xfrm>
-            <a:off x="5047488" y="3456431"/>
-            <a:ext cx="91440" cy="91440"/>
+            <a:off x="4956048" y="3017520"/>
+            <a:ext cx="91440" cy="82296"/>
           </a:xfrm>
           <a:prstGeom prst="rect">
             <a:avLst/>
@@ -7886,8 +7886,8 @@
         </p:nvSpPr>
         <p:spPr>
           <a:xfrm>
-            <a:off x="5157216" y="3456431"/>
-            <a:ext cx="3145536" cy="91440"/>
+            <a:off x="5065776" y="3017520"/>
+            <a:ext cx="3054096" cy="82296"/>
           </a:xfrm>
           <a:prstGeom prst="rect">
             <a:avLst/>
@@ -7922,8 +7922,8 @@
         </p:nvSpPr>
         <p:spPr>
           <a:xfrm>
-            <a:off x="5047488" y="3557015"/>
-            <a:ext cx="91440" cy="91440"/>
+            <a:off x="4956048" y="3086100"/>
+            <a:ext cx="91440" cy="82296"/>
           </a:xfrm>
           <a:prstGeom prst="rect">
             <a:avLst/>
@@ -7958,8 +7958,8 @@
         </p:nvSpPr>
         <p:spPr>
           <a:xfrm>
-            <a:off x="5157216" y="3557015"/>
-            <a:ext cx="3145536" cy="91440"/>
+            <a:off x="5065776" y="3086100"/>
+            <a:ext cx="3054096" cy="82296"/>
           </a:xfrm>
           <a:prstGeom prst="rect">
             <a:avLst/>
@@ -7994,8 +7994,8 @@
         </p:nvSpPr>
         <p:spPr>
           <a:xfrm>
-            <a:off x="5047488" y="3657599"/>
-            <a:ext cx="91440" cy="91440"/>
+            <a:off x="4956048" y="3154680"/>
+            <a:ext cx="91440" cy="82296"/>
           </a:xfrm>
           <a:prstGeom prst="rect">
             <a:avLst/>
@@ -8030,8 +8030,8 @@
         </p:nvSpPr>
         <p:spPr>
           <a:xfrm>
-            <a:off x="5157216" y="3657599"/>
-            <a:ext cx="3145536" cy="91440"/>
+            <a:off x="5065776" y="3154680"/>
+            <a:ext cx="3054096" cy="82296"/>
           </a:xfrm>
           <a:prstGeom prst="rect">
             <a:avLst/>
@@ -8066,8 +8066,8 @@
         </p:nvSpPr>
         <p:spPr>
           <a:xfrm>
-            <a:off x="5047488" y="3758183"/>
-            <a:ext cx="3255263" cy="109728"/>
+            <a:off x="4956048" y="3223260"/>
+            <a:ext cx="3163824" cy="91440"/>
           </a:xfrm>
           <a:prstGeom prst="rect">
             <a:avLst/>
@@ -8102,8 +8102,8 @@
         </p:nvSpPr>
         <p:spPr>
           <a:xfrm>
-            <a:off x="5047488" y="3886199"/>
-            <a:ext cx="91440" cy="91440"/>
+            <a:off x="4956048" y="3314700"/>
+            <a:ext cx="91440" cy="82296"/>
           </a:xfrm>
           <a:prstGeom prst="rect">
             <a:avLst/>
@@ -8138,8 +8138,8 @@
         </p:nvSpPr>
         <p:spPr>
           <a:xfrm>
-            <a:off x="5157216" y="3886199"/>
-            <a:ext cx="3145536" cy="91440"/>
+            <a:off x="5065776" y="3314700"/>
+            <a:ext cx="3054096" cy="82296"/>
           </a:xfrm>
           <a:prstGeom prst="rect">
             <a:avLst/>
@@ -8174,8 +8174,8 @@
         </p:nvSpPr>
         <p:spPr>
           <a:xfrm>
-            <a:off x="5047488" y="3986783"/>
-            <a:ext cx="91440" cy="91440"/>
+            <a:off x="4956048" y="3383280"/>
+            <a:ext cx="91440" cy="82296"/>
           </a:xfrm>
           <a:prstGeom prst="rect">
             <a:avLst/>
@@ -8210,8 +8210,8 @@
         </p:nvSpPr>
         <p:spPr>
           <a:xfrm>
-            <a:off x="5157216" y="3986783"/>
-            <a:ext cx="3145536" cy="91440"/>
+            <a:off x="5065776" y="3383280"/>
+            <a:ext cx="3054096" cy="82296"/>
           </a:xfrm>
           <a:prstGeom prst="rect">
             <a:avLst/>
@@ -8246,8 +8246,8 @@
         </p:nvSpPr>
         <p:spPr>
           <a:xfrm>
-            <a:off x="5047488" y="4087368"/>
-            <a:ext cx="91440" cy="91440"/>
+            <a:off x="4956048" y="3451860"/>
+            <a:ext cx="91440" cy="82296"/>
           </a:xfrm>
           <a:prstGeom prst="rect">
             <a:avLst/>
@@ -8282,8 +8282,8 @@
         </p:nvSpPr>
         <p:spPr>
           <a:xfrm>
-            <a:off x="5157216" y="4087368"/>
-            <a:ext cx="3145536" cy="91440"/>
+            <a:off x="5065776" y="3451860"/>
+            <a:ext cx="3054096" cy="82296"/>
           </a:xfrm>
           <a:prstGeom prst="rect">
             <a:avLst/>
@@ -8318,8 +8318,8 @@
         </p:nvSpPr>
         <p:spPr>
           <a:xfrm>
-            <a:off x="5047488" y="4187952"/>
-            <a:ext cx="91440" cy="91440"/>
+            <a:off x="4956048" y="3520440"/>
+            <a:ext cx="91440" cy="82296"/>
           </a:xfrm>
           <a:prstGeom prst="rect">
             <a:avLst/>
@@ -8354,8 +8354,8 @@
         </p:nvSpPr>
         <p:spPr>
           <a:xfrm>
-            <a:off x="5157216" y="4187952"/>
-            <a:ext cx="3145536" cy="91440"/>
+            <a:off x="5065776" y="3520440"/>
+            <a:ext cx="3054096" cy="82296"/>
           </a:xfrm>
           <a:prstGeom prst="rect">
             <a:avLst/>
@@ -8390,8 +8390,8 @@
         </p:nvSpPr>
         <p:spPr>
           <a:xfrm>
-            <a:off x="1371600" y="2011680"/>
-            <a:ext cx="3474720" cy="1828800"/>
+            <a:off x="1371600" y="1920240"/>
+            <a:ext cx="3383280" cy="1691640"/>
           </a:xfrm>
           <a:prstGeom prst="rect">
             <a:avLst/>
@@ -8435,8 +8435,8 @@
         </p:nvSpPr>
         <p:spPr>
           <a:xfrm>
-            <a:off x="1463040" y="2084832"/>
-            <a:ext cx="3291839" cy="256032"/>
+            <a:off x="1463040" y="1993392"/>
+            <a:ext cx="3200400" cy="256032"/>
           </a:xfrm>
           <a:prstGeom prst="rect">
             <a:avLst/>
@@ -8471,8 +8471,8 @@
         </p:nvSpPr>
         <p:spPr>
           <a:xfrm>
-            <a:off x="1481328" y="2395728"/>
-            <a:ext cx="91440" cy="91440"/>
+            <a:off x="1481328" y="2286000"/>
+            <a:ext cx="91440" cy="82296"/>
           </a:xfrm>
           <a:prstGeom prst="rect">
             <a:avLst/>
@@ -8507,8 +8507,8 @@
         </p:nvSpPr>
         <p:spPr>
           <a:xfrm>
-            <a:off x="1591056" y="2395728"/>
-            <a:ext cx="3145536" cy="91440"/>
+            <a:off x="1591056" y="2286000"/>
+            <a:ext cx="3054096" cy="82296"/>
           </a:xfrm>
           <a:prstGeom prst="rect">
             <a:avLst/>
@@ -8543,8 +8543,8 @@
         </p:nvSpPr>
         <p:spPr>
           <a:xfrm>
-            <a:off x="1481328" y="2496312"/>
-            <a:ext cx="91440" cy="91440"/>
+            <a:off x="1481328" y="2354580"/>
+            <a:ext cx="91440" cy="82296"/>
           </a:xfrm>
           <a:prstGeom prst="rect">
             <a:avLst/>
@@ -8579,8 +8579,8 @@
         </p:nvSpPr>
         <p:spPr>
           <a:xfrm>
-            <a:off x="1591056" y="2496312"/>
-            <a:ext cx="3145536" cy="91440"/>
+            <a:off x="1591056" y="2354580"/>
+            <a:ext cx="3054096" cy="82296"/>
           </a:xfrm>
           <a:prstGeom prst="rect">
             <a:avLst/>
@@ -8615,8 +8615,8 @@
         </p:nvSpPr>
         <p:spPr>
           <a:xfrm>
-            <a:off x="1481328" y="2596896"/>
-            <a:ext cx="91440" cy="91440"/>
+            <a:off x="1481328" y="2423160"/>
+            <a:ext cx="91440" cy="82296"/>
           </a:xfrm>
           <a:prstGeom prst="rect">
             <a:avLst/>
@@ -8651,8 +8651,8 @@
         </p:nvSpPr>
         <p:spPr>
           <a:xfrm>
-            <a:off x="1591056" y="2596896"/>
-            <a:ext cx="3145536" cy="91440"/>
+            <a:off x="1591056" y="2423160"/>
+            <a:ext cx="3054096" cy="82296"/>
           </a:xfrm>
           <a:prstGeom prst="rect">
             <a:avLst/>
@@ -8687,8 +8687,8 @@
         </p:nvSpPr>
         <p:spPr>
           <a:xfrm>
-            <a:off x="1481328" y="2697479"/>
-            <a:ext cx="91440" cy="91440"/>
+            <a:off x="1481328" y="2491740"/>
+            <a:ext cx="91440" cy="82296"/>
           </a:xfrm>
           <a:prstGeom prst="rect">
             <a:avLst/>
@@ -8723,8 +8723,8 @@
         </p:nvSpPr>
         <p:spPr>
           <a:xfrm>
-            <a:off x="1591056" y="2697479"/>
-            <a:ext cx="3145536" cy="91440"/>
+            <a:off x="1591056" y="2491740"/>
+            <a:ext cx="3054096" cy="82296"/>
           </a:xfrm>
           <a:prstGeom prst="rect">
             <a:avLst/>
@@ -8759,8 +8759,8 @@
         </p:nvSpPr>
         <p:spPr>
           <a:xfrm>
-            <a:off x="1481328" y="2798063"/>
-            <a:ext cx="3255263" cy="109728"/>
+            <a:off x="1481328" y="2560320"/>
+            <a:ext cx="3163824" cy="91440"/>
           </a:xfrm>
           <a:prstGeom prst="rect">
             <a:avLst/>
@@ -8795,8 +8795,8 @@
         </p:nvSpPr>
         <p:spPr>
           <a:xfrm>
-            <a:off x="1481328" y="2926079"/>
-            <a:ext cx="91440" cy="91440"/>
+            <a:off x="1481328" y="2651760"/>
+            <a:ext cx="91440" cy="82296"/>
           </a:xfrm>
           <a:prstGeom prst="rect">
             <a:avLst/>
@@ -8831,8 +8831,8 @@
         </p:nvSpPr>
         <p:spPr>
           <a:xfrm>
-            <a:off x="1591056" y="2926079"/>
-            <a:ext cx="3145536" cy="91440"/>
+            <a:off x="1591056" y="2651760"/>
+            <a:ext cx="3054096" cy="82296"/>
           </a:xfrm>
           <a:prstGeom prst="rect">
             <a:avLst/>
@@ -8867,8 +8867,8 @@
         </p:nvSpPr>
         <p:spPr>
           <a:xfrm>
-            <a:off x="1481328" y="3026663"/>
-            <a:ext cx="91440" cy="91440"/>
+            <a:off x="1481328" y="2720340"/>
+            <a:ext cx="91440" cy="82296"/>
           </a:xfrm>
           <a:prstGeom prst="rect">
             <a:avLst/>
@@ -8903,8 +8903,8 @@
         </p:nvSpPr>
         <p:spPr>
           <a:xfrm>
-            <a:off x="1591056" y="3026663"/>
-            <a:ext cx="3145536" cy="91440"/>
+            <a:off x="1591056" y="2720340"/>
+            <a:ext cx="3054096" cy="82296"/>
           </a:xfrm>
           <a:prstGeom prst="rect">
             <a:avLst/>
@@ -8939,8 +8939,8 @@
         </p:nvSpPr>
         <p:spPr>
           <a:xfrm>
-            <a:off x="1481328" y="3127247"/>
-            <a:ext cx="91440" cy="91440"/>
+            <a:off x="1481328" y="2788920"/>
+            <a:ext cx="91440" cy="82296"/>
           </a:xfrm>
           <a:prstGeom prst="rect">
             <a:avLst/>
@@ -8975,8 +8975,8 @@
         </p:nvSpPr>
         <p:spPr>
           <a:xfrm>
-            <a:off x="1591056" y="3127247"/>
-            <a:ext cx="3145536" cy="91440"/>
+            <a:off x="1591056" y="2788920"/>
+            <a:ext cx="3054096" cy="82296"/>
           </a:xfrm>
           <a:prstGeom prst="rect">
             <a:avLst/>
@@ -9011,8 +9011,8 @@
         </p:nvSpPr>
         <p:spPr>
           <a:xfrm>
-            <a:off x="1481328" y="3227831"/>
-            <a:ext cx="91440" cy="91440"/>
+            <a:off x="1481328" y="2857500"/>
+            <a:ext cx="91440" cy="82296"/>
           </a:xfrm>
           <a:prstGeom prst="rect">
             <a:avLst/>
@@ -9047,8 +9047,8 @@
         </p:nvSpPr>
         <p:spPr>
           <a:xfrm>
-            <a:off x="1591056" y="3227831"/>
-            <a:ext cx="3145536" cy="91440"/>
+            <a:off x="1591056" y="2857500"/>
+            <a:ext cx="3054096" cy="82296"/>
           </a:xfrm>
           <a:prstGeom prst="rect">
             <a:avLst/>
@@ -9083,8 +9083,8 @@
         </p:nvSpPr>
         <p:spPr>
           <a:xfrm>
-            <a:off x="1481328" y="3328415"/>
-            <a:ext cx="3255263" cy="109728"/>
+            <a:off x="1481328" y="2926080"/>
+            <a:ext cx="3163824" cy="91440"/>
           </a:xfrm>
           <a:prstGeom prst="rect">
             <a:avLst/>
@@ -9119,8 +9119,8 @@
         </p:nvSpPr>
         <p:spPr>
           <a:xfrm>
-            <a:off x="1481328" y="3456431"/>
-            <a:ext cx="91440" cy="91440"/>
+            <a:off x="1481328" y="3017520"/>
+            <a:ext cx="91440" cy="82296"/>
           </a:xfrm>
           <a:prstGeom prst="rect">
             <a:avLst/>
@@ -9155,8 +9155,8 @@
         </p:nvSpPr>
         <p:spPr>
           <a:xfrm>
-            <a:off x="1591056" y="3456431"/>
-            <a:ext cx="3145536" cy="91440"/>
+            <a:off x="1591056" y="3017520"/>
+            <a:ext cx="3054096" cy="82296"/>
           </a:xfrm>
           <a:prstGeom prst="rect">
             <a:avLst/>
@@ -9191,8 +9191,8 @@
         </p:nvSpPr>
         <p:spPr>
           <a:xfrm>
-            <a:off x="1481328" y="3557015"/>
-            <a:ext cx="91440" cy="91440"/>
+            <a:off x="1481328" y="3086100"/>
+            <a:ext cx="91440" cy="82296"/>
           </a:xfrm>
           <a:prstGeom prst="rect">
             <a:avLst/>
@@ -9227,8 +9227,8 @@
         </p:nvSpPr>
         <p:spPr>
           <a:xfrm>
-            <a:off x="1591056" y="3557015"/>
-            <a:ext cx="3145536" cy="91440"/>
+            <a:off x="1591056" y="3086100"/>
+            <a:ext cx="3054096" cy="82296"/>
           </a:xfrm>
           <a:prstGeom prst="rect">
             <a:avLst/>
@@ -9263,8 +9263,8 @@
         </p:nvSpPr>
         <p:spPr>
           <a:xfrm>
-            <a:off x="1481328" y="3657599"/>
-            <a:ext cx="91440" cy="91440"/>
+            <a:off x="1481328" y="3154680"/>
+            <a:ext cx="91440" cy="82296"/>
           </a:xfrm>
           <a:prstGeom prst="rect">
             <a:avLst/>
@@ -9299,8 +9299,8 @@
         </p:nvSpPr>
         <p:spPr>
           <a:xfrm>
-            <a:off x="1591056" y="3657599"/>
-            <a:ext cx="3145536" cy="91440"/>
+            <a:off x="1591056" y="3154680"/>
+            <a:ext cx="3054096" cy="82296"/>
           </a:xfrm>
           <a:prstGeom prst="rect">
             <a:avLst/>
@@ -9335,8 +9335,8 @@
         </p:nvSpPr>
         <p:spPr>
           <a:xfrm>
-            <a:off x="1481328" y="3758183"/>
-            <a:ext cx="3255263" cy="109728"/>
+            <a:off x="1481328" y="3223260"/>
+            <a:ext cx="3163824" cy="91440"/>
           </a:xfrm>
           <a:prstGeom prst="rect">
             <a:avLst/>
@@ -9371,8 +9371,8 @@
         </p:nvSpPr>
         <p:spPr>
           <a:xfrm>
-            <a:off x="1481328" y="3886199"/>
-            <a:ext cx="91440" cy="91440"/>
+            <a:off x="1481328" y="3314700"/>
+            <a:ext cx="91440" cy="82296"/>
           </a:xfrm>
           <a:prstGeom prst="rect">
             <a:avLst/>
@@ -9407,8 +9407,8 @@
         </p:nvSpPr>
         <p:spPr>
           <a:xfrm>
-            <a:off x="1591056" y="3886199"/>
-            <a:ext cx="3145536" cy="91440"/>
+            <a:off x="1591056" y="3314700"/>
+            <a:ext cx="3054096" cy="82296"/>
           </a:xfrm>
           <a:prstGeom prst="rect">
             <a:avLst/>
@@ -9443,8 +9443,8 @@
         </p:nvSpPr>
         <p:spPr>
           <a:xfrm>
-            <a:off x="1481328" y="3986783"/>
-            <a:ext cx="91440" cy="91440"/>
+            <a:off x="1481328" y="3383280"/>
+            <a:ext cx="91440" cy="82296"/>
           </a:xfrm>
           <a:prstGeom prst="rect">
             <a:avLst/>
@@ -9479,8 +9479,8 @@
         </p:nvSpPr>
         <p:spPr>
           <a:xfrm>
-            <a:off x="1591056" y="3986783"/>
-            <a:ext cx="3145536" cy="91440"/>
+            <a:off x="1591056" y="3383280"/>
+            <a:ext cx="3054096" cy="82296"/>
           </a:xfrm>
           <a:prstGeom prst="rect">
             <a:avLst/>
@@ -9515,8 +9515,8 @@
         </p:nvSpPr>
         <p:spPr>
           <a:xfrm>
-            <a:off x="1481328" y="4087368"/>
-            <a:ext cx="91440" cy="91440"/>
+            <a:off x="1481328" y="3451860"/>
+            <a:ext cx="91440" cy="82296"/>
           </a:xfrm>
           <a:prstGeom prst="rect">
             <a:avLst/>
@@ -9551,8 +9551,8 @@
         </p:nvSpPr>
         <p:spPr>
           <a:xfrm>
-            <a:off x="1591056" y="4087368"/>
-            <a:ext cx="3145536" cy="91440"/>
+            <a:off x="1591056" y="3451860"/>
+            <a:ext cx="3054096" cy="82296"/>
           </a:xfrm>
           <a:prstGeom prst="rect">
             <a:avLst/>
@@ -9587,8 +9587,8 @@
         </p:nvSpPr>
         <p:spPr>
           <a:xfrm>
-            <a:off x="1481328" y="4187952"/>
-            <a:ext cx="91440" cy="91440"/>
+            <a:off x="1481328" y="3520440"/>
+            <a:ext cx="91440" cy="82296"/>
           </a:xfrm>
           <a:prstGeom prst="rect">
             <a:avLst/>
@@ -9623,8 +9623,8 @@
         </p:nvSpPr>
         <p:spPr>
           <a:xfrm>
-            <a:off x="1591056" y="4187952"/>
-            <a:ext cx="3145536" cy="91440"/>
+            <a:off x="1591056" y="3520440"/>
+            <a:ext cx="3054096" cy="82296"/>
           </a:xfrm>
           <a:prstGeom prst="rect">
             <a:avLst/>
@@ -9659,8 +9659,8 @@
         </p:nvSpPr>
         <p:spPr>
           <a:xfrm>
-            <a:off x="4937759" y="3931920"/>
-            <a:ext cx="3474720" cy="1828800"/>
+            <a:off x="4846320" y="3703320"/>
+            <a:ext cx="3383280" cy="1691640"/>
           </a:xfrm>
           <a:prstGeom prst="rect">
             <a:avLst/>
@@ -9704,8 +9704,8 @@
         </p:nvSpPr>
         <p:spPr>
           <a:xfrm>
-            <a:off x="5029199" y="4005072"/>
-            <a:ext cx="3291839" cy="256032"/>
+            <a:off x="4937759" y="3776472"/>
+            <a:ext cx="3200400" cy="256032"/>
           </a:xfrm>
           <a:prstGeom prst="rect">
             <a:avLst/>
@@ -9740,8 +9740,8 @@
         </p:nvSpPr>
         <p:spPr>
           <a:xfrm>
-            <a:off x="5047488" y="4315968"/>
-            <a:ext cx="91440" cy="91440"/>
+            <a:off x="4956048" y="4069080"/>
+            <a:ext cx="91440" cy="82296"/>
           </a:xfrm>
           <a:prstGeom prst="rect">
             <a:avLst/>
@@ -9776,8 +9776,8 @@
         </p:nvSpPr>
         <p:spPr>
           <a:xfrm>
-            <a:off x="5157216" y="4315968"/>
-            <a:ext cx="3145536" cy="91440"/>
+            <a:off x="5065776" y="4069080"/>
+            <a:ext cx="3054096" cy="82296"/>
           </a:xfrm>
           <a:prstGeom prst="rect">
             <a:avLst/>
@@ -9812,8 +9812,8 @@
         </p:nvSpPr>
         <p:spPr>
           <a:xfrm>
-            <a:off x="5047488" y="4416552"/>
-            <a:ext cx="91440" cy="91440"/>
+            <a:off x="4956048" y="4137660"/>
+            <a:ext cx="91440" cy="82296"/>
           </a:xfrm>
           <a:prstGeom prst="rect">
             <a:avLst/>
@@ -9848,8 +9848,8 @@
         </p:nvSpPr>
         <p:spPr>
           <a:xfrm>
-            <a:off x="5157216" y="4416552"/>
-            <a:ext cx="3145536" cy="91440"/>
+            <a:off x="5065776" y="4137660"/>
+            <a:ext cx="3054096" cy="82296"/>
           </a:xfrm>
           <a:prstGeom prst="rect">
             <a:avLst/>
@@ -9884,8 +9884,8 @@
         </p:nvSpPr>
         <p:spPr>
           <a:xfrm>
-            <a:off x="5047488" y="4517136"/>
-            <a:ext cx="91440" cy="91440"/>
+            <a:off x="4956048" y="4206240"/>
+            <a:ext cx="91440" cy="82296"/>
           </a:xfrm>
           <a:prstGeom prst="rect">
             <a:avLst/>
@@ -9920,8 +9920,8 @@
         </p:nvSpPr>
         <p:spPr>
           <a:xfrm>
-            <a:off x="5157216" y="4517136"/>
-            <a:ext cx="3145536" cy="91440"/>
+            <a:off x="5065776" y="4206240"/>
+            <a:ext cx="3054096" cy="82296"/>
           </a:xfrm>
           <a:prstGeom prst="rect">
             <a:avLst/>
@@ -9956,8 +9956,8 @@
         </p:nvSpPr>
         <p:spPr>
           <a:xfrm>
-            <a:off x="5047488" y="4617720"/>
-            <a:ext cx="91440" cy="91440"/>
+            <a:off x="4956048" y="4274820"/>
+            <a:ext cx="91440" cy="82296"/>
           </a:xfrm>
           <a:prstGeom prst="rect">
             <a:avLst/>
@@ -9992,8 +9992,8 @@
         </p:nvSpPr>
         <p:spPr>
           <a:xfrm>
-            <a:off x="5157216" y="4617720"/>
-            <a:ext cx="3145536" cy="91440"/>
+            <a:off x="5065776" y="4274820"/>
+            <a:ext cx="3054096" cy="82296"/>
           </a:xfrm>
           <a:prstGeom prst="rect">
             <a:avLst/>
@@ -10028,8 +10028,8 @@
         </p:nvSpPr>
         <p:spPr>
           <a:xfrm>
-            <a:off x="5047488" y="4718304"/>
-            <a:ext cx="3255263" cy="109728"/>
+            <a:off x="4956048" y="4343400"/>
+            <a:ext cx="3163824" cy="91440"/>
           </a:xfrm>
           <a:prstGeom prst="rect">
             <a:avLst/>
@@ -10064,8 +10064,8 @@
         </p:nvSpPr>
         <p:spPr>
           <a:xfrm>
-            <a:off x="5047488" y="4846320"/>
-            <a:ext cx="91440" cy="91440"/>
+            <a:off x="4956048" y="4434840"/>
+            <a:ext cx="91440" cy="82296"/>
           </a:xfrm>
           <a:prstGeom prst="rect">
             <a:avLst/>
@@ -10100,8 +10100,8 @@
         </p:nvSpPr>
         <p:spPr>
           <a:xfrm>
-            <a:off x="5157216" y="4846320"/>
-            <a:ext cx="3145536" cy="91440"/>
+            <a:off x="5065776" y="4434840"/>
+            <a:ext cx="3054096" cy="82296"/>
           </a:xfrm>
           <a:prstGeom prst="rect">
             <a:avLst/>
@@ -10136,8 +10136,8 @@
         </p:nvSpPr>
         <p:spPr>
           <a:xfrm>
-            <a:off x="5047488" y="4946904"/>
-            <a:ext cx="91440" cy="91440"/>
+            <a:off x="4956048" y="4503420"/>
+            <a:ext cx="91440" cy="82296"/>
           </a:xfrm>
           <a:prstGeom prst="rect">
             <a:avLst/>
@@ -10172,8 +10172,8 @@
         </p:nvSpPr>
         <p:spPr>
           <a:xfrm>
-            <a:off x="5157216" y="4946904"/>
-            <a:ext cx="3145536" cy="91440"/>
+            <a:off x="5065776" y="4503420"/>
+            <a:ext cx="3054096" cy="82296"/>
           </a:xfrm>
           <a:prstGeom prst="rect">
             <a:avLst/>
@@ -10208,8 +10208,8 @@
         </p:nvSpPr>
         <p:spPr>
           <a:xfrm>
-            <a:off x="5047488" y="5047488"/>
-            <a:ext cx="91440" cy="91440"/>
+            <a:off x="4956048" y="4572000"/>
+            <a:ext cx="91440" cy="82296"/>
           </a:xfrm>
           <a:prstGeom prst="rect">
             <a:avLst/>
@@ -10244,8 +10244,8 @@
         </p:nvSpPr>
         <p:spPr>
           <a:xfrm>
-            <a:off x="5157216" y="5047488"/>
-            <a:ext cx="3145536" cy="91440"/>
+            <a:off x="5065776" y="4572000"/>
+            <a:ext cx="3054096" cy="82296"/>
           </a:xfrm>
           <a:prstGeom prst="rect">
             <a:avLst/>
@@ -10280,8 +10280,8 @@
         </p:nvSpPr>
         <p:spPr>
           <a:xfrm>
-            <a:off x="5047488" y="5148072"/>
-            <a:ext cx="91440" cy="91440"/>
+            <a:off x="4956048" y="4640580"/>
+            <a:ext cx="91440" cy="82296"/>
           </a:xfrm>
           <a:prstGeom prst="rect">
             <a:avLst/>
@@ -10316,8 +10316,8 @@
         </p:nvSpPr>
         <p:spPr>
           <a:xfrm>
-            <a:off x="5157216" y="5148072"/>
-            <a:ext cx="3145536" cy="91440"/>
+            <a:off x="5065776" y="4640580"/>
+            <a:ext cx="3054096" cy="82296"/>
           </a:xfrm>
           <a:prstGeom prst="rect">
             <a:avLst/>
@@ -10352,8 +10352,8 @@
         </p:nvSpPr>
         <p:spPr>
           <a:xfrm>
-            <a:off x="5047488" y="5248656"/>
-            <a:ext cx="3255263" cy="109728"/>
+            <a:off x="4956048" y="4709160"/>
+            <a:ext cx="3163824" cy="91440"/>
           </a:xfrm>
           <a:prstGeom prst="rect">
             <a:avLst/>
@@ -10388,8 +10388,8 @@
         </p:nvSpPr>
         <p:spPr>
           <a:xfrm>
-            <a:off x="5047488" y="5376672"/>
-            <a:ext cx="91440" cy="91440"/>
+            <a:off x="4956048" y="4800600"/>
+            <a:ext cx="91440" cy="82296"/>
           </a:xfrm>
           <a:prstGeom prst="rect">
             <a:avLst/>
@@ -10424,8 +10424,8 @@
         </p:nvSpPr>
         <p:spPr>
           <a:xfrm>
-            <a:off x="5157216" y="5376672"/>
-            <a:ext cx="3145536" cy="91440"/>
+            <a:off x="5065776" y="4800600"/>
+            <a:ext cx="3054096" cy="82296"/>
           </a:xfrm>
           <a:prstGeom prst="rect">
             <a:avLst/>
@@ -10460,8 +10460,8 @@
         </p:nvSpPr>
         <p:spPr>
           <a:xfrm>
-            <a:off x="5047488" y="5477256"/>
-            <a:ext cx="91440" cy="91440"/>
+            <a:off x="4956048" y="4869180"/>
+            <a:ext cx="91440" cy="82296"/>
           </a:xfrm>
           <a:prstGeom prst="rect">
             <a:avLst/>
@@ -10496,8 +10496,8 @@
         </p:nvSpPr>
         <p:spPr>
           <a:xfrm>
-            <a:off x="5157216" y="5477256"/>
-            <a:ext cx="3145536" cy="91440"/>
+            <a:off x="5065776" y="4869180"/>
+            <a:ext cx="3054096" cy="82296"/>
           </a:xfrm>
           <a:prstGeom prst="rect">
             <a:avLst/>
@@ -10532,8 +10532,8 @@
         </p:nvSpPr>
         <p:spPr>
           <a:xfrm>
-            <a:off x="5047488" y="5577840"/>
-            <a:ext cx="91440" cy="91440"/>
+            <a:off x="4956048" y="4937760"/>
+            <a:ext cx="91440" cy="82296"/>
           </a:xfrm>
           <a:prstGeom prst="rect">
             <a:avLst/>
@@ -10568,8 +10568,8 @@
         </p:nvSpPr>
         <p:spPr>
           <a:xfrm>
-            <a:off x="5157216" y="5577840"/>
-            <a:ext cx="3145536" cy="91440"/>
+            <a:off x="5065776" y="4937760"/>
+            <a:ext cx="3054096" cy="82296"/>
           </a:xfrm>
           <a:prstGeom prst="rect">
             <a:avLst/>
@@ -10604,8 +10604,8 @@
         </p:nvSpPr>
         <p:spPr>
           <a:xfrm>
-            <a:off x="5047488" y="5678424"/>
-            <a:ext cx="3255263" cy="109728"/>
+            <a:off x="4956048" y="5006340"/>
+            <a:ext cx="3163824" cy="91440"/>
           </a:xfrm>
           <a:prstGeom prst="rect">
             <a:avLst/>
@@ -10640,8 +10640,8 @@
         </p:nvSpPr>
         <p:spPr>
           <a:xfrm>
-            <a:off x="5047488" y="5806440"/>
-            <a:ext cx="91440" cy="91440"/>
+            <a:off x="4956048" y="5097780"/>
+            <a:ext cx="91440" cy="82296"/>
           </a:xfrm>
           <a:prstGeom prst="rect">
             <a:avLst/>
@@ -10676,8 +10676,8 @@
         </p:nvSpPr>
         <p:spPr>
           <a:xfrm>
-            <a:off x="5157216" y="5806440"/>
-            <a:ext cx="3145536" cy="91440"/>
+            <a:off x="5065776" y="5097780"/>
+            <a:ext cx="3054096" cy="82296"/>
           </a:xfrm>
           <a:prstGeom prst="rect">
             <a:avLst/>
@@ -10712,8 +10712,8 @@
         </p:nvSpPr>
         <p:spPr>
           <a:xfrm>
-            <a:off x="5047488" y="5907024"/>
-            <a:ext cx="91440" cy="91440"/>
+            <a:off x="4956048" y="5166360"/>
+            <a:ext cx="91440" cy="82296"/>
           </a:xfrm>
           <a:prstGeom prst="rect">
             <a:avLst/>
@@ -10748,8 +10748,8 @@
         </p:nvSpPr>
         <p:spPr>
           <a:xfrm>
-            <a:off x="5157216" y="5907024"/>
-            <a:ext cx="3145536" cy="91440"/>
+            <a:off x="5065776" y="5166360"/>
+            <a:ext cx="3054096" cy="82296"/>
           </a:xfrm>
           <a:prstGeom prst="rect">
             <a:avLst/>
@@ -10784,8 +10784,8 @@
         </p:nvSpPr>
         <p:spPr>
           <a:xfrm>
-            <a:off x="5047488" y="6007608"/>
-            <a:ext cx="91440" cy="91440"/>
+            <a:off x="4956048" y="5234940"/>
+            <a:ext cx="91440" cy="82296"/>
           </a:xfrm>
           <a:prstGeom prst="rect">
             <a:avLst/>
@@ -10820,8 +10820,8 @@
         </p:nvSpPr>
         <p:spPr>
           <a:xfrm>
-            <a:off x="5157216" y="6007608"/>
-            <a:ext cx="3145536" cy="91440"/>
+            <a:off x="5065776" y="5234940"/>
+            <a:ext cx="3054096" cy="82296"/>
           </a:xfrm>
           <a:prstGeom prst="rect">
             <a:avLst/>
@@ -10856,8 +10856,8 @@
         </p:nvSpPr>
         <p:spPr>
           <a:xfrm>
-            <a:off x="5047488" y="6108192"/>
-            <a:ext cx="91440" cy="91440"/>
+            <a:off x="4956048" y="5303520"/>
+            <a:ext cx="91440" cy="82296"/>
           </a:xfrm>
           <a:prstGeom prst="rect">
             <a:avLst/>
@@ -10892,8 +10892,8 @@
         </p:nvSpPr>
         <p:spPr>
           <a:xfrm>
-            <a:off x="5157216" y="6108192"/>
-            <a:ext cx="3145536" cy="91440"/>
+            <a:off x="5065776" y="5303520"/>
+            <a:ext cx="3054096" cy="82296"/>
           </a:xfrm>
           <a:prstGeom prst="rect">
             <a:avLst/>
@@ -10928,8 +10928,8 @@
         </p:nvSpPr>
         <p:spPr>
           <a:xfrm>
-            <a:off x="1371600" y="3931920"/>
-            <a:ext cx="3474720" cy="1828800"/>
+            <a:off x="1371600" y="3703320"/>
+            <a:ext cx="3383280" cy="1691640"/>
           </a:xfrm>
           <a:prstGeom prst="rect">
             <a:avLst/>
@@ -10973,8 +10973,8 @@
         </p:nvSpPr>
         <p:spPr>
           <a:xfrm>
-            <a:off x="1463040" y="4005072"/>
-            <a:ext cx="3291839" cy="256032"/>
+            <a:off x="1463040" y="3776472"/>
+            <a:ext cx="3200400" cy="256032"/>
           </a:xfrm>
           <a:prstGeom prst="rect">
             <a:avLst/>
@@ -11009,8 +11009,8 @@
         </p:nvSpPr>
         <p:spPr>
           <a:xfrm>
-            <a:off x="1481328" y="4315968"/>
-            <a:ext cx="91440" cy="91440"/>
+            <a:off x="1481328" y="4069080"/>
+            <a:ext cx="91440" cy="82296"/>
           </a:xfrm>
           <a:prstGeom prst="rect">
             <a:avLst/>
@@ -11045,8 +11045,8 @@
         </p:nvSpPr>
         <p:spPr>
           <a:xfrm>
-            <a:off x="1591056" y="4315968"/>
-            <a:ext cx="3145536" cy="91440"/>
+            <a:off x="1591056" y="4069080"/>
+            <a:ext cx="3054096" cy="82296"/>
           </a:xfrm>
           <a:prstGeom prst="rect">
             <a:avLst/>
@@ -11081,8 +11081,8 @@
         </p:nvSpPr>
         <p:spPr>
           <a:xfrm>
-            <a:off x="1481328" y="4416552"/>
-            <a:ext cx="91440" cy="91440"/>
+            <a:off x="1481328" y="4137660"/>
+            <a:ext cx="91440" cy="82296"/>
           </a:xfrm>
           <a:prstGeom prst="rect">
             <a:avLst/>
@@ -11117,8 +11117,8 @@
         </p:nvSpPr>
         <p:spPr>
           <a:xfrm>
-            <a:off x="1591056" y="4416552"/>
-            <a:ext cx="3145536" cy="91440"/>
+            <a:off x="1591056" y="4137660"/>
+            <a:ext cx="3054096" cy="82296"/>
           </a:xfrm>
           <a:prstGeom prst="rect">
             <a:avLst/>
@@ -11153,8 +11153,8 @@
         </p:nvSpPr>
         <p:spPr>
           <a:xfrm>
-            <a:off x="1481328" y="4517136"/>
-            <a:ext cx="91440" cy="91440"/>
+            <a:off x="1481328" y="4206240"/>
+            <a:ext cx="91440" cy="82296"/>
           </a:xfrm>
           <a:prstGeom prst="rect">
             <a:avLst/>
@@ -11189,8 +11189,8 @@
         </p:nvSpPr>
         <p:spPr>
           <a:xfrm>
-            <a:off x="1591056" y="4517136"/>
-            <a:ext cx="3145536" cy="91440"/>
+            <a:off x="1591056" y="4206240"/>
+            <a:ext cx="3054096" cy="82296"/>
           </a:xfrm>
           <a:prstGeom prst="rect">
             <a:avLst/>
@@ -11225,8 +11225,8 @@
         </p:nvSpPr>
         <p:spPr>
           <a:xfrm>
-            <a:off x="1481328" y="4617720"/>
-            <a:ext cx="91440" cy="91440"/>
+            <a:off x="1481328" y="4274820"/>
+            <a:ext cx="91440" cy="82296"/>
           </a:xfrm>
           <a:prstGeom prst="rect">
             <a:avLst/>
@@ -11261,8 +11261,8 @@
         </p:nvSpPr>
         <p:spPr>
           <a:xfrm>
-            <a:off x="1591056" y="4617720"/>
-            <a:ext cx="3145536" cy="91440"/>
+            <a:off x="1591056" y="4274820"/>
+            <a:ext cx="3054096" cy="82296"/>
           </a:xfrm>
           <a:prstGeom prst="rect">
             <a:avLst/>
@@ -11297,8 +11297,8 @@
         </p:nvSpPr>
         <p:spPr>
           <a:xfrm>
-            <a:off x="1481328" y="4718304"/>
-            <a:ext cx="3255263" cy="109728"/>
+            <a:off x="1481328" y="4343400"/>
+            <a:ext cx="3163824" cy="91440"/>
           </a:xfrm>
           <a:prstGeom prst="rect">
             <a:avLst/>
@@ -11333,8 +11333,8 @@
         </p:nvSpPr>
         <p:spPr>
           <a:xfrm>
-            <a:off x="1481328" y="4846320"/>
-            <a:ext cx="91440" cy="91440"/>
+            <a:off x="1481328" y="4434840"/>
+            <a:ext cx="91440" cy="82296"/>
           </a:xfrm>
           <a:prstGeom prst="rect">
             <a:avLst/>
@@ -11369,8 +11369,8 @@
         </p:nvSpPr>
         <p:spPr>
           <a:xfrm>
-            <a:off x="1591056" y="4846320"/>
-            <a:ext cx="3145536" cy="91440"/>
+            <a:off x="1591056" y="4434840"/>
+            <a:ext cx="3054096" cy="82296"/>
           </a:xfrm>
           <a:prstGeom prst="rect">
             <a:avLst/>
@@ -11405,8 +11405,8 @@
         </p:nvSpPr>
         <p:spPr>
           <a:xfrm>
-            <a:off x="1481328" y="4946904"/>
-            <a:ext cx="91440" cy="91440"/>
+            <a:off x="1481328" y="4503420"/>
+            <a:ext cx="91440" cy="82296"/>
           </a:xfrm>
           <a:prstGeom prst="rect">
             <a:avLst/>
@@ -11441,8 +11441,8 @@
         </p:nvSpPr>
         <p:spPr>
           <a:xfrm>
-            <a:off x="1591056" y="4946904"/>
-            <a:ext cx="3145536" cy="91440"/>
+            <a:off x="1591056" y="4503420"/>
+            <a:ext cx="3054096" cy="82296"/>
           </a:xfrm>
           <a:prstGeom prst="rect">
             <a:avLst/>
@@ -11477,8 +11477,8 @@
         </p:nvSpPr>
         <p:spPr>
           <a:xfrm>
-            <a:off x="1481328" y="5047488"/>
-            <a:ext cx="91440" cy="91440"/>
+            <a:off x="1481328" y="4572000"/>
+            <a:ext cx="91440" cy="82296"/>
           </a:xfrm>
           <a:prstGeom prst="rect">
             <a:avLst/>
@@ -11513,8 +11513,8 @@
         </p:nvSpPr>
         <p:spPr>
           <a:xfrm>
-            <a:off x="1591056" y="5047488"/>
-            <a:ext cx="3145536" cy="91440"/>
+            <a:off x="1591056" y="4572000"/>
+            <a:ext cx="3054096" cy="82296"/>
           </a:xfrm>
           <a:prstGeom prst="rect">
             <a:avLst/>
@@ -11549,8 +11549,8 @@
         </p:nvSpPr>
         <p:spPr>
           <a:xfrm>
-            <a:off x="1481328" y="5148072"/>
-            <a:ext cx="91440" cy="91440"/>
+            <a:off x="1481328" y="4640580"/>
+            <a:ext cx="91440" cy="82296"/>
           </a:xfrm>
           <a:prstGeom prst="rect">
             <a:avLst/>
@@ -11585,8 +11585,8 @@
         </p:nvSpPr>
         <p:spPr>
           <a:xfrm>
-            <a:off x="1591056" y="5148072"/>
-            <a:ext cx="3145536" cy="91440"/>
+            <a:off x="1591056" y="4640580"/>
+            <a:ext cx="3054096" cy="82296"/>
           </a:xfrm>
           <a:prstGeom prst="rect">
             <a:avLst/>
@@ -11621,8 +11621,8 @@
         </p:nvSpPr>
         <p:spPr>
           <a:xfrm>
-            <a:off x="1481328" y="5248656"/>
-            <a:ext cx="3255263" cy="109728"/>
+            <a:off x="1481328" y="4709160"/>
+            <a:ext cx="3163824" cy="91440"/>
           </a:xfrm>
           <a:prstGeom prst="rect">
             <a:avLst/>
@@ -11657,8 +11657,8 @@
         </p:nvSpPr>
         <p:spPr>
           <a:xfrm>
-            <a:off x="1481328" y="5376672"/>
-            <a:ext cx="91440" cy="91440"/>
+            <a:off x="1481328" y="4800600"/>
+            <a:ext cx="91440" cy="82296"/>
           </a:xfrm>
           <a:prstGeom prst="rect">
             <a:avLst/>
@@ -11693,8 +11693,8 @@
         </p:nvSpPr>
         <p:spPr>
           <a:xfrm>
-            <a:off x="1591056" y="5376672"/>
-            <a:ext cx="3145536" cy="91440"/>
+            <a:off x="1591056" y="4800600"/>
+            <a:ext cx="3054096" cy="82296"/>
           </a:xfrm>
           <a:prstGeom prst="rect">
             <a:avLst/>
@@ -11729,8 +11729,8 @@
         </p:nvSpPr>
         <p:spPr>
           <a:xfrm>
-            <a:off x="1481328" y="5477256"/>
-            <a:ext cx="91440" cy="91440"/>
+            <a:off x="1481328" y="4869180"/>
+            <a:ext cx="91440" cy="82296"/>
           </a:xfrm>
           <a:prstGeom prst="rect">
             <a:avLst/>
@@ -11765,8 +11765,8 @@
         </p:nvSpPr>
         <p:spPr>
           <a:xfrm>
-            <a:off x="1591056" y="5477256"/>
-            <a:ext cx="3145536" cy="91440"/>
+            <a:off x="1591056" y="4869180"/>
+            <a:ext cx="3054096" cy="82296"/>
           </a:xfrm>
           <a:prstGeom prst="rect">
             <a:avLst/>
@@ -11801,8 +11801,8 @@
         </p:nvSpPr>
         <p:spPr>
           <a:xfrm>
-            <a:off x="1481328" y="5577840"/>
-            <a:ext cx="91440" cy="91440"/>
+            <a:off x="1481328" y="4937760"/>
+            <a:ext cx="91440" cy="82296"/>
           </a:xfrm>
           <a:prstGeom prst="rect">
             <a:avLst/>
@@ -11837,8 +11837,8 @@
         </p:nvSpPr>
         <p:spPr>
           <a:xfrm>
-            <a:off x="1591056" y="5577840"/>
-            <a:ext cx="3145536" cy="91440"/>
+            <a:off x="1591056" y="4937760"/>
+            <a:ext cx="3054096" cy="82296"/>
           </a:xfrm>
           <a:prstGeom prst="rect">
             <a:avLst/>
@@ -11873,8 +11873,8 @@
         </p:nvSpPr>
         <p:spPr>
           <a:xfrm>
-            <a:off x="1481328" y="5678424"/>
-            <a:ext cx="3255263" cy="109728"/>
+            <a:off x="1481328" y="5006340"/>
+            <a:ext cx="3163824" cy="91440"/>
           </a:xfrm>
           <a:prstGeom prst="rect">
             <a:avLst/>
@@ -11909,8 +11909,8 @@
         </p:nvSpPr>
         <p:spPr>
           <a:xfrm>
-            <a:off x="1481328" y="5806440"/>
-            <a:ext cx="91440" cy="91440"/>
+            <a:off x="1481328" y="5097780"/>
+            <a:ext cx="91440" cy="82296"/>
           </a:xfrm>
           <a:prstGeom prst="rect">
             <a:avLst/>
@@ -11945,8 +11945,8 @@
         </p:nvSpPr>
         <p:spPr>
           <a:xfrm>
-            <a:off x="1591056" y="5806440"/>
-            <a:ext cx="3145536" cy="91440"/>
+            <a:off x="1591056" y="5097780"/>
+            <a:ext cx="3054096" cy="82296"/>
           </a:xfrm>
           <a:prstGeom prst="rect">
             <a:avLst/>
@@ -11981,8 +11981,8 @@
         </p:nvSpPr>
         <p:spPr>
           <a:xfrm>
-            <a:off x="1481328" y="5907024"/>
-            <a:ext cx="91440" cy="91440"/>
+            <a:off x="1481328" y="5166360"/>
+            <a:ext cx="91440" cy="82296"/>
           </a:xfrm>
           <a:prstGeom prst="rect">
             <a:avLst/>
@@ -12017,8 +12017,8 @@
         </p:nvSpPr>
         <p:spPr>
           <a:xfrm>
-            <a:off x="1591056" y="5907024"/>
-            <a:ext cx="3145536" cy="91440"/>
+            <a:off x="1591056" y="5166360"/>
+            <a:ext cx="3054096" cy="82296"/>
           </a:xfrm>
           <a:prstGeom prst="rect">
             <a:avLst/>
@@ -12053,8 +12053,8 @@
         </p:nvSpPr>
         <p:spPr>
           <a:xfrm>
-            <a:off x="1481328" y="6007608"/>
-            <a:ext cx="91440" cy="91440"/>
+            <a:off x="1481328" y="5234940"/>
+            <a:ext cx="91440" cy="82296"/>
           </a:xfrm>
           <a:prstGeom prst="rect">
             <a:avLst/>
@@ -12089,8 +12089,8 @@
         </p:nvSpPr>
         <p:spPr>
           <a:xfrm>
-            <a:off x="1591056" y="6007608"/>
-            <a:ext cx="3145536" cy="91440"/>
+            <a:off x="1591056" y="5234940"/>
+            <a:ext cx="3054096" cy="82296"/>
           </a:xfrm>
           <a:prstGeom prst="rect">
             <a:avLst/>
@@ -12125,8 +12125,8 @@
         </p:nvSpPr>
         <p:spPr>
           <a:xfrm>
-            <a:off x="1481328" y="6108192"/>
-            <a:ext cx="91440" cy="91440"/>
+            <a:off x="1481328" y="5303520"/>
+            <a:ext cx="91440" cy="82296"/>
           </a:xfrm>
           <a:prstGeom prst="rect">
             <a:avLst/>
@@ -12161,8 +12161,8 @@
         </p:nvSpPr>
         <p:spPr>
           <a:xfrm>
-            <a:off x="1591056" y="6108192"/>
-            <a:ext cx="3145536" cy="91440"/>
+            <a:off x="1591056" y="5303520"/>
+            <a:ext cx="3054096" cy="82296"/>
           </a:xfrm>
           <a:prstGeom prst="rect">
             <a:avLst/>
@@ -12989,7 +12989,7 @@
         </p:nvSpPr>
         <p:spPr>
           <a:xfrm>
-            <a:off x="731520" y="2560320"/>
+            <a:off x="731520" y="2514600"/>
             <a:ext cx="4206240" cy="256032"/>
           </a:xfrm>
           <a:prstGeom prst="rect">
@@ -13034,7 +13034,7 @@
         </p:nvSpPr>
         <p:spPr>
           <a:xfrm>
-            <a:off x="822960" y="2587752"/>
+            <a:off x="822960" y="2542032"/>
             <a:ext cx="4023359" cy="201168"/>
           </a:xfrm>
           <a:prstGeom prst="rect">
@@ -13070,8 +13070,8 @@
         </p:nvSpPr>
         <p:spPr>
           <a:xfrm>
-            <a:off x="822960" y="2907792"/>
-            <a:ext cx="109728" cy="146304"/>
+            <a:off x="822960" y="2788920"/>
+            <a:ext cx="109728" cy="128016"/>
           </a:xfrm>
           <a:prstGeom prst="rect">
             <a:avLst/>
@@ -13106,8 +13106,8 @@
         </p:nvSpPr>
         <p:spPr>
           <a:xfrm>
-            <a:off x="960120" y="2907792"/>
-            <a:ext cx="3886200" cy="146304"/>
+            <a:off x="960120" y="2788920"/>
+            <a:ext cx="3886200" cy="128016"/>
           </a:xfrm>
           <a:prstGeom prst="rect">
             <a:avLst/>
@@ -13142,8 +13142,8 @@
         </p:nvSpPr>
         <p:spPr>
           <a:xfrm>
-            <a:off x="822960" y="3081528"/>
-            <a:ext cx="109728" cy="146304"/>
+            <a:off x="822960" y="2916936"/>
+            <a:ext cx="109728" cy="128016"/>
           </a:xfrm>
           <a:prstGeom prst="rect">
             <a:avLst/>
@@ -13178,8 +13178,8 @@
         </p:nvSpPr>
         <p:spPr>
           <a:xfrm>
-            <a:off x="960120" y="3081528"/>
-            <a:ext cx="3886200" cy="146304"/>
+            <a:off x="960120" y="2916936"/>
+            <a:ext cx="3886200" cy="128016"/>
           </a:xfrm>
           <a:prstGeom prst="rect">
             <a:avLst/>
@@ -13214,8 +13214,8 @@
         </p:nvSpPr>
         <p:spPr>
           <a:xfrm>
-            <a:off x="822960" y="3255264"/>
-            <a:ext cx="109728" cy="146304"/>
+            <a:off x="822960" y="3044952"/>
+            <a:ext cx="109728" cy="128016"/>
           </a:xfrm>
           <a:prstGeom prst="rect">
             <a:avLst/>
@@ -13250,8 +13250,8 @@
         </p:nvSpPr>
         <p:spPr>
           <a:xfrm>
-            <a:off x="960120" y="3255264"/>
-            <a:ext cx="3886200" cy="146304"/>
+            <a:off x="960120" y="3044952"/>
+            <a:ext cx="3886200" cy="128016"/>
           </a:xfrm>
           <a:prstGeom prst="rect">
             <a:avLst/>
@@ -13286,8 +13286,152 @@
         </p:nvSpPr>
         <p:spPr>
           <a:xfrm>
+            <a:off x="822960" y="3172968"/>
+            <a:ext cx="109728" cy="128016"/>
+          </a:xfrm>
+          <a:prstGeom prst="rect">
+            <a:avLst/>
+          </a:prstGeom>
+          <a:noFill/>
+        </p:spPr>
+        <p:txBody>
+          <a:bodyPr wrap="square">
+            <a:spAutoFit/>
+          </a:bodyPr>
+          <a:lstStyle/>
+          <a:p>
+            <a:pPr algn="l">
+              <a:defRPr sz="800" b="0">
+                <a:solidFill>
+                  <a:srgbClr val="333333"/>
+                </a:solidFill>
+                <a:latin typeface="맑은 고딕"/>
+              </a:defRPr>
+            </a:pPr>
+            <a:r>
+              <a:t>•</a:t>
+            </a:r>
+          </a:p>
+        </p:txBody>
+      </p:sp>
+      <p:sp>
+        <p:nvSpPr>
+          <p:cNvPr id="17" name="TextBox 16"/>
+          <p:cNvSpPr txBox="1"/>
+          <p:nvPr/>
+        </p:nvSpPr>
+        <p:spPr>
+          <a:xfrm>
+            <a:off x="960120" y="3172968"/>
+            <a:ext cx="3886200" cy="128016"/>
+          </a:xfrm>
+          <a:prstGeom prst="rect">
+            <a:avLst/>
+          </a:prstGeom>
+          <a:noFill/>
+        </p:spPr>
+        <p:txBody>
+          <a:bodyPr wrap="square">
+            <a:spAutoFit/>
+          </a:bodyPr>
+          <a:lstStyle/>
+          <a:p>
+            <a:pPr algn="l">
+              <a:defRPr sz="800" b="0">
+                <a:solidFill>
+                  <a:srgbClr val="333333"/>
+                </a:solidFill>
+                <a:latin typeface="맑은 고딕"/>
+              </a:defRPr>
+            </a:pPr>
+            <a:r>
+              <a:t>리드타임: 긴 편 (4-12주)</a:t>
+            </a:r>
+          </a:p>
+        </p:txBody>
+      </p:sp>
+      <p:sp>
+        <p:nvSpPr>
+          <p:cNvPr id="18" name="TextBox 17"/>
+          <p:cNvSpPr txBox="1"/>
+          <p:nvPr/>
+        </p:nvSpPr>
+        <p:spPr>
+          <a:xfrm>
+            <a:off x="822960" y="3300984"/>
+            <a:ext cx="109728" cy="128016"/>
+          </a:xfrm>
+          <a:prstGeom prst="rect">
+            <a:avLst/>
+          </a:prstGeom>
+          <a:noFill/>
+        </p:spPr>
+        <p:txBody>
+          <a:bodyPr wrap="square">
+            <a:spAutoFit/>
+          </a:bodyPr>
+          <a:lstStyle/>
+          <a:p>
+            <a:pPr algn="l">
+              <a:defRPr sz="800" b="0">
+                <a:solidFill>
+                  <a:srgbClr val="333333"/>
+                </a:solidFill>
+                <a:latin typeface="맑은 고딕"/>
+              </a:defRPr>
+            </a:pPr>
+            <a:r>
+              <a:t>•</a:t>
+            </a:r>
+          </a:p>
+        </p:txBody>
+      </p:sp>
+      <p:sp>
+        <p:nvSpPr>
+          <p:cNvPr id="19" name="TextBox 18"/>
+          <p:cNvSpPr txBox="1"/>
+          <p:nvPr/>
+        </p:nvSpPr>
+        <p:spPr>
+          <a:xfrm>
+            <a:off x="960120" y="3300984"/>
+            <a:ext cx="3886200" cy="128016"/>
+          </a:xfrm>
+          <a:prstGeom prst="rect">
+            <a:avLst/>
+          </a:prstGeom>
+          <a:noFill/>
+        </p:spPr>
+        <p:txBody>
+          <a:bodyPr wrap="square">
+            <a:spAutoFit/>
+          </a:bodyPr>
+          <a:lstStyle/>
+          <a:p>
+            <a:pPr algn="l">
+              <a:defRPr sz="800" b="0">
+                <a:solidFill>
+                  <a:srgbClr val="333333"/>
+                </a:solidFill>
+                <a:latin typeface="맑은 고딕"/>
+              </a:defRPr>
+            </a:pPr>
+            <a:r>
+              <a:t>시장 특성: 과점 또는 독점</a:t>
+            </a:r>
+          </a:p>
+        </p:txBody>
+      </p:sp>
+      <p:sp>
+        <p:nvSpPr>
+          <p:cNvPr id="20" name="TextBox 19"/>
+          <p:cNvSpPr txBox="1"/>
+          <p:nvPr/>
+        </p:nvSpPr>
+        <p:spPr>
+          <a:xfrm>
             <a:off x="822960" y="3429000"/>
-            <a:ext cx="109728" cy="146304"/>
+            <a:ext cx="109728" cy="128016"/>
           </a:xfrm>
           <a:prstGeom prst="rect">
             <a:avLst/>
@@ -13316,158 +13460,14 @@
       </p:sp>
       <p:sp>
         <p:nvSpPr>
-          <p:cNvPr id="17" name="TextBox 16"/>
+          <p:cNvPr id="21" name="TextBox 20"/>
           <p:cNvSpPr txBox="1"/>
           <p:nvPr/>
         </p:nvSpPr>
         <p:spPr>
           <a:xfrm>
             <a:off x="960120" y="3429000"/>
-            <a:ext cx="3886200" cy="146304"/>
-          </a:xfrm>
-          <a:prstGeom prst="rect">
-            <a:avLst/>
-          </a:prstGeom>
-          <a:noFill/>
-        </p:spPr>
-        <p:txBody>
-          <a:bodyPr wrap="square">
-            <a:spAutoFit/>
-          </a:bodyPr>
-          <a:lstStyle/>
-          <a:p>
-            <a:pPr algn="l">
-              <a:defRPr sz="800" b="0">
-                <a:solidFill>
-                  <a:srgbClr val="333333"/>
-                </a:solidFill>
-                <a:latin typeface="맑은 고딕"/>
-              </a:defRPr>
-            </a:pPr>
-            <a:r>
-              <a:t>리드타임: 긴 편 (4-12주)</a:t>
-            </a:r>
-          </a:p>
-        </p:txBody>
-      </p:sp>
-      <p:sp>
-        <p:nvSpPr>
-          <p:cNvPr id="18" name="TextBox 17"/>
-          <p:cNvSpPr txBox="1"/>
-          <p:nvPr/>
-        </p:nvSpPr>
-        <p:spPr>
-          <a:xfrm>
-            <a:off x="822960" y="3602736"/>
-            <a:ext cx="109728" cy="146304"/>
-          </a:xfrm>
-          <a:prstGeom prst="rect">
-            <a:avLst/>
-          </a:prstGeom>
-          <a:noFill/>
-        </p:spPr>
-        <p:txBody>
-          <a:bodyPr wrap="square">
-            <a:spAutoFit/>
-          </a:bodyPr>
-          <a:lstStyle/>
-          <a:p>
-            <a:pPr algn="l">
-              <a:defRPr sz="800" b="0">
-                <a:solidFill>
-                  <a:srgbClr val="333333"/>
-                </a:solidFill>
-                <a:latin typeface="맑은 고딕"/>
-              </a:defRPr>
-            </a:pPr>
-            <a:r>
-              <a:t>•</a:t>
-            </a:r>
-          </a:p>
-        </p:txBody>
-      </p:sp>
-      <p:sp>
-        <p:nvSpPr>
-          <p:cNvPr id="19" name="TextBox 18"/>
-          <p:cNvSpPr txBox="1"/>
-          <p:nvPr/>
-        </p:nvSpPr>
-        <p:spPr>
-          <a:xfrm>
-            <a:off x="960120" y="3602736"/>
-            <a:ext cx="3886200" cy="146304"/>
-          </a:xfrm>
-          <a:prstGeom prst="rect">
-            <a:avLst/>
-          </a:prstGeom>
-          <a:noFill/>
-        </p:spPr>
-        <p:txBody>
-          <a:bodyPr wrap="square">
-            <a:spAutoFit/>
-          </a:bodyPr>
-          <a:lstStyle/>
-          <a:p>
-            <a:pPr algn="l">
-              <a:defRPr sz="800" b="0">
-                <a:solidFill>
-                  <a:srgbClr val="333333"/>
-                </a:solidFill>
-                <a:latin typeface="맑은 고딕"/>
-              </a:defRPr>
-            </a:pPr>
-            <a:r>
-              <a:t>시장 특성: 과점 또는 독점</a:t>
-            </a:r>
-          </a:p>
-        </p:txBody>
-      </p:sp>
-      <p:sp>
-        <p:nvSpPr>
-          <p:cNvPr id="20" name="TextBox 19"/>
-          <p:cNvSpPr txBox="1"/>
-          <p:nvPr/>
-        </p:nvSpPr>
-        <p:spPr>
-          <a:xfrm>
-            <a:off x="822960" y="3776472"/>
-            <a:ext cx="109728" cy="146304"/>
-          </a:xfrm>
-          <a:prstGeom prst="rect">
-            <a:avLst/>
-          </a:prstGeom>
-          <a:noFill/>
-        </p:spPr>
-        <p:txBody>
-          <a:bodyPr wrap="square">
-            <a:spAutoFit/>
-          </a:bodyPr>
-          <a:lstStyle/>
-          <a:p>
-            <a:pPr algn="l">
-              <a:defRPr sz="800" b="0">
-                <a:solidFill>
-                  <a:srgbClr val="333333"/>
-                </a:solidFill>
-                <a:latin typeface="맑은 고딕"/>
-              </a:defRPr>
-            </a:pPr>
-            <a:r>
-              <a:t>•</a:t>
-            </a:r>
-          </a:p>
-        </p:txBody>
-      </p:sp>
-      <p:sp>
-        <p:nvSpPr>
-          <p:cNvPr id="21" name="TextBox 20"/>
-          <p:cNvSpPr txBox="1"/>
-          <p:nvPr/>
-        </p:nvSpPr>
-        <p:spPr>
-          <a:xfrm>
-            <a:off x="960120" y="3776472"/>
-            <a:ext cx="3886200" cy="146304"/>
+            <a:ext cx="3886200" cy="128016"/>
           </a:xfrm>
           <a:prstGeom prst="rect">
             <a:avLst/>
@@ -13502,7 +13502,7 @@
         </p:nvSpPr>
         <p:spPr>
           <a:xfrm>
-            <a:off x="731520" y="4059936"/>
+            <a:off x="731520" y="3630168"/>
             <a:ext cx="4206240" cy="256032"/>
           </a:xfrm>
           <a:prstGeom prst="rect">
@@ -13547,7 +13547,7 @@
         </p:nvSpPr>
         <p:spPr>
           <a:xfrm>
-            <a:off x="822960" y="4087368"/>
+            <a:off x="822960" y="3657600"/>
             <a:ext cx="4023359" cy="201168"/>
           </a:xfrm>
           <a:prstGeom prst="rect">
@@ -13583,8 +13583,8 @@
         </p:nvSpPr>
         <p:spPr>
           <a:xfrm>
-            <a:off x="822960" y="4407408"/>
-            <a:ext cx="109728" cy="146304"/>
+            <a:off x="822960" y="3904488"/>
+            <a:ext cx="109728" cy="128016"/>
           </a:xfrm>
           <a:prstGeom prst="rect">
             <a:avLst/>
@@ -13619,8 +13619,8 @@
         </p:nvSpPr>
         <p:spPr>
           <a:xfrm>
-            <a:off x="960120" y="4407408"/>
-            <a:ext cx="3886200" cy="146304"/>
+            <a:off x="960120" y="3904488"/>
+            <a:ext cx="3886200" cy="128016"/>
           </a:xfrm>
           <a:prstGeom prst="rect">
             <a:avLst/>
@@ -13655,8 +13655,8 @@
         </p:nvSpPr>
         <p:spPr>
           <a:xfrm>
-            <a:off x="822960" y="4581144"/>
-            <a:ext cx="109728" cy="146304"/>
+            <a:off x="822960" y="4032504"/>
+            <a:ext cx="109728" cy="128016"/>
           </a:xfrm>
           <a:prstGeom prst="rect">
             <a:avLst/>
@@ -13691,8 +13691,8 @@
         </p:nvSpPr>
         <p:spPr>
           <a:xfrm>
-            <a:off x="960120" y="4581144"/>
-            <a:ext cx="3886200" cy="146304"/>
+            <a:off x="960120" y="4032504"/>
+            <a:ext cx="3886200" cy="128016"/>
           </a:xfrm>
           <a:prstGeom prst="rect">
             <a:avLst/>
@@ -13727,8 +13727,8 @@
         </p:nvSpPr>
         <p:spPr>
           <a:xfrm>
-            <a:off x="822960" y="4754880"/>
-            <a:ext cx="109728" cy="146304"/>
+            <a:off x="822960" y="4160520"/>
+            <a:ext cx="109728" cy="128016"/>
           </a:xfrm>
           <a:prstGeom prst="rect">
             <a:avLst/>
@@ -13763,8 +13763,8 @@
         </p:nvSpPr>
         <p:spPr>
           <a:xfrm>
-            <a:off x="960120" y="4754880"/>
-            <a:ext cx="3886200" cy="146304"/>
+            <a:off x="960120" y="4160520"/>
+            <a:ext cx="3886200" cy="128016"/>
           </a:xfrm>
           <a:prstGeom prst="rect">
             <a:avLst/>
@@ -13799,8 +13799,8 @@
         </p:nvSpPr>
         <p:spPr>
           <a:xfrm>
-            <a:off x="822960" y="4928616"/>
-            <a:ext cx="109728" cy="146304"/>
+            <a:off x="822960" y="4288536"/>
+            <a:ext cx="109728" cy="128016"/>
           </a:xfrm>
           <a:prstGeom prst="rect">
             <a:avLst/>
@@ -13835,8 +13835,8 @@
         </p:nvSpPr>
         <p:spPr>
           <a:xfrm>
-            <a:off x="960120" y="4928616"/>
-            <a:ext cx="3886200" cy="146304"/>
+            <a:off x="960120" y="4288536"/>
+            <a:ext cx="3886200" cy="128016"/>
           </a:xfrm>
           <a:prstGeom prst="rect">
             <a:avLst/>
@@ -13871,8 +13871,8 @@
         </p:nvSpPr>
         <p:spPr>
           <a:xfrm>
-            <a:off x="822960" y="5102352"/>
-            <a:ext cx="109728" cy="146304"/>
+            <a:off x="822960" y="4416551"/>
+            <a:ext cx="109728" cy="128016"/>
           </a:xfrm>
           <a:prstGeom prst="rect">
             <a:avLst/>
@@ -13907,8 +13907,8 @@
         </p:nvSpPr>
         <p:spPr>
           <a:xfrm>
-            <a:off x="960120" y="5102352"/>
-            <a:ext cx="3886200" cy="146304"/>
+            <a:off x="960120" y="4416551"/>
+            <a:ext cx="3886200" cy="128016"/>
           </a:xfrm>
           <a:prstGeom prst="rect">
             <a:avLst/>
@@ -13943,8 +13943,8 @@
         </p:nvSpPr>
         <p:spPr>
           <a:xfrm>
-            <a:off x="822960" y="5276088"/>
-            <a:ext cx="109728" cy="146304"/>
+            <a:off x="822960" y="4544567"/>
+            <a:ext cx="109728" cy="128016"/>
           </a:xfrm>
           <a:prstGeom prst="rect">
             <a:avLst/>
@@ -13979,8 +13979,8 @@
         </p:nvSpPr>
         <p:spPr>
           <a:xfrm>
-            <a:off x="960120" y="5276088"/>
-            <a:ext cx="3886200" cy="146304"/>
+            <a:off x="960120" y="4544567"/>
+            <a:ext cx="3886200" cy="128016"/>
           </a:xfrm>
           <a:prstGeom prst="rect">
             <a:avLst/>
@@ -14015,8 +14015,8 @@
         </p:nvSpPr>
         <p:spPr>
           <a:xfrm>
-            <a:off x="822960" y="5449824"/>
-            <a:ext cx="109728" cy="146304"/>
+            <a:off x="822960" y="4672583"/>
+            <a:ext cx="109728" cy="128016"/>
           </a:xfrm>
           <a:prstGeom prst="rect">
             <a:avLst/>
@@ -14051,8 +14051,8 @@
         </p:nvSpPr>
         <p:spPr>
           <a:xfrm>
-            <a:off x="960120" y="5449824"/>
-            <a:ext cx="3886200" cy="146304"/>
+            <a:off x="960120" y="4672583"/>
+            <a:ext cx="3886200" cy="128016"/>
           </a:xfrm>
           <a:prstGeom prst="rect">
             <a:avLst/>
@@ -14087,8 +14087,8 @@
         </p:nvSpPr>
         <p:spPr>
           <a:xfrm>
-            <a:off x="822960" y="5623560"/>
-            <a:ext cx="109728" cy="146304"/>
+            <a:off x="822960" y="4800599"/>
+            <a:ext cx="109728" cy="128016"/>
           </a:xfrm>
           <a:prstGeom prst="rect">
             <a:avLst/>
@@ -14123,8 +14123,8 @@
         </p:nvSpPr>
         <p:spPr>
           <a:xfrm>
-            <a:off x="960120" y="5623560"/>
-            <a:ext cx="3886200" cy="146304"/>
+            <a:off x="960120" y="4800599"/>
+            <a:ext cx="3886200" cy="128016"/>
           </a:xfrm>
           <a:prstGeom prst="rect">
             <a:avLst/>
@@ -14159,7 +14159,7 @@
         </p:nvSpPr>
         <p:spPr>
           <a:xfrm>
-            <a:off x="731520" y="5907024"/>
+            <a:off x="731520" y="5001767"/>
             <a:ext cx="4206240" cy="256032"/>
           </a:xfrm>
           <a:prstGeom prst="rect">
@@ -14204,7 +14204,7 @@
         </p:nvSpPr>
         <p:spPr>
           <a:xfrm>
-            <a:off x="822960" y="5934456"/>
+            <a:off x="822960" y="5029199"/>
             <a:ext cx="4023359" cy="201168"/>
           </a:xfrm>
           <a:prstGeom prst="rect">
@@ -14240,8 +14240,8 @@
         </p:nvSpPr>
         <p:spPr>
           <a:xfrm>
-            <a:off x="822960" y="6254496"/>
-            <a:ext cx="109728" cy="146304"/>
+            <a:off x="822960" y="5276087"/>
+            <a:ext cx="109728" cy="128016"/>
           </a:xfrm>
           <a:prstGeom prst="rect">
             <a:avLst/>
@@ -14276,8 +14276,8 @@
         </p:nvSpPr>
         <p:spPr>
           <a:xfrm>
-            <a:off x="960120" y="6254496"/>
-            <a:ext cx="3886200" cy="146304"/>
+            <a:off x="960120" y="5276087"/>
+            <a:ext cx="3886200" cy="128016"/>
           </a:xfrm>
           <a:prstGeom prst="rect">
             <a:avLst/>
@@ -14312,8 +14312,8 @@
         </p:nvSpPr>
         <p:spPr>
           <a:xfrm>
-            <a:off x="822960" y="6428232"/>
-            <a:ext cx="109728" cy="146304"/>
+            <a:off x="822960" y="5404103"/>
+            <a:ext cx="109728" cy="128016"/>
           </a:xfrm>
           <a:prstGeom prst="rect">
             <a:avLst/>
@@ -14348,8 +14348,8 @@
         </p:nvSpPr>
         <p:spPr>
           <a:xfrm>
-            <a:off x="960120" y="6428232"/>
-            <a:ext cx="3886200" cy="146304"/>
+            <a:off x="960120" y="5404103"/>
+            <a:ext cx="3886200" cy="128016"/>
           </a:xfrm>
           <a:prstGeom prst="rect">
             <a:avLst/>
@@ -14384,8 +14384,8 @@
         </p:nvSpPr>
         <p:spPr>
           <a:xfrm>
-            <a:off x="822960" y="6601968"/>
-            <a:ext cx="109728" cy="146304"/>
+            <a:off x="822960" y="5532119"/>
+            <a:ext cx="109728" cy="128016"/>
           </a:xfrm>
           <a:prstGeom prst="rect">
             <a:avLst/>
@@ -14420,8 +14420,8 @@
         </p:nvSpPr>
         <p:spPr>
           <a:xfrm>
-            <a:off x="960120" y="6601968"/>
-            <a:ext cx="3886200" cy="146304"/>
+            <a:off x="960120" y="5532119"/>
+            <a:ext cx="3886200" cy="128016"/>
           </a:xfrm>
           <a:prstGeom prst="rect">
             <a:avLst/>
@@ -14456,8 +14456,8 @@
         </p:nvSpPr>
         <p:spPr>
           <a:xfrm>
-            <a:off x="822960" y="6775704"/>
-            <a:ext cx="109728" cy="146304"/>
+            <a:off x="822960" y="5660135"/>
+            <a:ext cx="109728" cy="128016"/>
           </a:xfrm>
           <a:prstGeom prst="rect">
             <a:avLst/>
@@ -14492,8 +14492,8 @@
         </p:nvSpPr>
         <p:spPr>
           <a:xfrm>
-            <a:off x="960120" y="6775704"/>
-            <a:ext cx="3886200" cy="146304"/>
+            <a:off x="960120" y="5660135"/>
+            <a:ext cx="3886200" cy="128016"/>
           </a:xfrm>
           <a:prstGeom prst="rect">
             <a:avLst/>
@@ -14528,8 +14528,8 @@
         </p:nvSpPr>
         <p:spPr>
           <a:xfrm>
-            <a:off x="822960" y="6949440"/>
-            <a:ext cx="109728" cy="146304"/>
+            <a:off x="822960" y="5788151"/>
+            <a:ext cx="109728" cy="128016"/>
           </a:xfrm>
           <a:prstGeom prst="rect">
             <a:avLst/>
@@ -14564,8 +14564,8 @@
         </p:nvSpPr>
         <p:spPr>
           <a:xfrm>
-            <a:off x="960120" y="6949440"/>
-            <a:ext cx="3886200" cy="146304"/>
+            <a:off x="960120" y="5788151"/>
+            <a:ext cx="3886200" cy="128016"/>
           </a:xfrm>
           <a:prstGeom prst="rect">
             <a:avLst/>
@@ -14600,8 +14600,8 @@
         </p:nvSpPr>
         <p:spPr>
           <a:xfrm>
-            <a:off x="822960" y="7123176"/>
-            <a:ext cx="109728" cy="146304"/>
+            <a:off x="822960" y="5916167"/>
+            <a:ext cx="109728" cy="128016"/>
           </a:xfrm>
           <a:prstGeom prst="rect">
             <a:avLst/>
@@ -14636,8 +14636,8 @@
         </p:nvSpPr>
         <p:spPr>
           <a:xfrm>
-            <a:off x="960120" y="7123176"/>
-            <a:ext cx="3886200" cy="146304"/>
+            <a:off x="960120" y="5916167"/>
+            <a:ext cx="3886200" cy="128016"/>
           </a:xfrm>
           <a:prstGeom prst="rect">
             <a:avLst/>
@@ -14672,7 +14672,7 @@
         </p:nvSpPr>
         <p:spPr>
           <a:xfrm>
-            <a:off x="5212080" y="2560320"/>
+            <a:off x="5212080" y="2514600"/>
             <a:ext cx="4206240" cy="256032"/>
           </a:xfrm>
           <a:prstGeom prst="rect">
@@ -14717,7 +14717,7 @@
         </p:nvSpPr>
         <p:spPr>
           <a:xfrm>
-            <a:off x="5303520" y="2587752"/>
+            <a:off x="5303520" y="2542032"/>
             <a:ext cx="4023359" cy="201168"/>
           </a:xfrm>
           <a:prstGeom prst="rect">
@@ -14753,8 +14753,8 @@
         </p:nvSpPr>
         <p:spPr>
           <a:xfrm>
-            <a:off x="5303520" y="2907792"/>
-            <a:ext cx="4023359" cy="457200"/>
+            <a:off x="5303520" y="2788920"/>
+            <a:ext cx="4023359" cy="411480"/>
           </a:xfrm>
           <a:prstGeom prst="rect">
             <a:avLst/>
@@ -14798,8 +14798,8 @@
         </p:nvSpPr>
         <p:spPr>
           <a:xfrm>
-            <a:off x="5349240" y="2953512"/>
-            <a:ext cx="3931920" cy="146304"/>
+            <a:off x="5349240" y="2825496"/>
+            <a:ext cx="3931920" cy="128016"/>
           </a:xfrm>
           <a:prstGeom prst="rect">
             <a:avLst/>
@@ -14834,8 +14834,8 @@
         </p:nvSpPr>
         <p:spPr>
           <a:xfrm>
-            <a:off x="5349240" y="3127248"/>
-            <a:ext cx="3931920" cy="201168"/>
+            <a:off x="5349240" y="2980944"/>
+            <a:ext cx="3931920" cy="182880"/>
           </a:xfrm>
           <a:prstGeom prst="rect">
             <a:avLst/>
@@ -14870,8 +14870,8 @@
         </p:nvSpPr>
         <p:spPr>
           <a:xfrm>
-            <a:off x="5303520" y="3438144"/>
-            <a:ext cx="4023359" cy="457200"/>
+            <a:off x="5303520" y="3246120"/>
+            <a:ext cx="4023359" cy="411480"/>
           </a:xfrm>
           <a:prstGeom prst="rect">
             <a:avLst/>
@@ -14915,8 +14915,8 @@
         </p:nvSpPr>
         <p:spPr>
           <a:xfrm>
-            <a:off x="5349240" y="3483864"/>
-            <a:ext cx="3931920" cy="146304"/>
+            <a:off x="5349240" y="3282696"/>
+            <a:ext cx="3931920" cy="128016"/>
           </a:xfrm>
           <a:prstGeom prst="rect">
             <a:avLst/>
@@ -14951,8 +14951,8 @@
         </p:nvSpPr>
         <p:spPr>
           <a:xfrm>
-            <a:off x="5349240" y="3657600"/>
-            <a:ext cx="3931920" cy="201168"/>
+            <a:off x="5349240" y="3438144"/>
+            <a:ext cx="3931920" cy="182880"/>
           </a:xfrm>
           <a:prstGeom prst="rect">
             <a:avLst/>
@@ -14987,8 +14987,8 @@
         </p:nvSpPr>
         <p:spPr>
           <a:xfrm>
-            <a:off x="5303520" y="3968496"/>
-            <a:ext cx="4023359" cy="457200"/>
+            <a:off x="5303520" y="3703320"/>
+            <a:ext cx="4023359" cy="411480"/>
           </a:xfrm>
           <a:prstGeom prst="rect">
             <a:avLst/>
@@ -15032,8 +15032,8 @@
         </p:nvSpPr>
         <p:spPr>
           <a:xfrm>
-            <a:off x="5349240" y="4014215"/>
-            <a:ext cx="3931920" cy="146304"/>
+            <a:off x="5349240" y="3739896"/>
+            <a:ext cx="3931920" cy="128016"/>
           </a:xfrm>
           <a:prstGeom prst="rect">
             <a:avLst/>
@@ -15068,8 +15068,8 @@
         </p:nvSpPr>
         <p:spPr>
           <a:xfrm>
-            <a:off x="5349240" y="4187952"/>
-            <a:ext cx="3931920" cy="201168"/>
+            <a:off x="5349240" y="3895344"/>
+            <a:ext cx="3931920" cy="182880"/>
           </a:xfrm>
           <a:prstGeom prst="rect">
             <a:avLst/>
@@ -15104,8 +15104,8 @@
         </p:nvSpPr>
         <p:spPr>
           <a:xfrm>
-            <a:off x="5303520" y="4498848"/>
-            <a:ext cx="4023359" cy="457200"/>
+            <a:off x="5303520" y="4160520"/>
+            <a:ext cx="4023359" cy="411480"/>
           </a:xfrm>
           <a:prstGeom prst="rect">
             <a:avLst/>
@@ -15149,8 +15149,8 @@
         </p:nvSpPr>
         <p:spPr>
           <a:xfrm>
-            <a:off x="5349240" y="4544568"/>
-            <a:ext cx="3931920" cy="146304"/>
+            <a:off x="5349240" y="4197096"/>
+            <a:ext cx="3931920" cy="128016"/>
           </a:xfrm>
           <a:prstGeom prst="rect">
             <a:avLst/>
@@ -15185,8 +15185,8 @@
         </p:nvSpPr>
         <p:spPr>
           <a:xfrm>
-            <a:off x="5349240" y="4718304"/>
-            <a:ext cx="3931920" cy="201168"/>
+            <a:off x="5349240" y="4352544"/>
+            <a:ext cx="3931920" cy="182880"/>
           </a:xfrm>
           <a:prstGeom prst="rect">
             <a:avLst/>
@@ -15221,8 +15221,8 @@
         </p:nvSpPr>
         <p:spPr>
           <a:xfrm>
-            <a:off x="5303520" y="5029200"/>
-            <a:ext cx="4023359" cy="457200"/>
+            <a:off x="5303520" y="4617720"/>
+            <a:ext cx="4023359" cy="411480"/>
           </a:xfrm>
           <a:prstGeom prst="rect">
             <a:avLst/>
@@ -15266,8 +15266,8 @@
         </p:nvSpPr>
         <p:spPr>
           <a:xfrm>
-            <a:off x="5349240" y="5074920"/>
-            <a:ext cx="3931920" cy="146304"/>
+            <a:off x="5349240" y="4654296"/>
+            <a:ext cx="3931920" cy="128016"/>
           </a:xfrm>
           <a:prstGeom prst="rect">
             <a:avLst/>
@@ -15302,8 +15302,8 @@
         </p:nvSpPr>
         <p:spPr>
           <a:xfrm>
-            <a:off x="5349240" y="5248656"/>
-            <a:ext cx="3931920" cy="201168"/>
+            <a:off x="5349240" y="4809744"/>
+            <a:ext cx="3931920" cy="182880"/>
           </a:xfrm>
           <a:prstGeom prst="rect">
             <a:avLst/>
@@ -15338,7 +15338,7 @@
         </p:nvSpPr>
         <p:spPr>
           <a:xfrm>
-            <a:off x="5212080" y="5669280"/>
+            <a:off x="5212080" y="5148072"/>
             <a:ext cx="4206240" cy="256032"/>
           </a:xfrm>
           <a:prstGeom prst="rect">
@@ -15383,7 +15383,7 @@
         </p:nvSpPr>
         <p:spPr>
           <a:xfrm>
-            <a:off x="5303520" y="5696712"/>
+            <a:off x="5303520" y="5175504"/>
             <a:ext cx="4023359" cy="201168"/>
           </a:xfrm>
           <a:prstGeom prst="rect">
@@ -15419,8 +15419,8 @@
         </p:nvSpPr>
         <p:spPr>
           <a:xfrm>
-            <a:off x="5303520" y="6016752"/>
-            <a:ext cx="109728" cy="146304"/>
+            <a:off x="5303520" y="5422392"/>
+            <a:ext cx="109728" cy="128016"/>
           </a:xfrm>
           <a:prstGeom prst="rect">
             <a:avLst/>
@@ -15455,8 +15455,8 @@
         </p:nvSpPr>
         <p:spPr>
           <a:xfrm>
-            <a:off x="5440680" y="6016752"/>
-            <a:ext cx="3886200" cy="146304"/>
+            <a:off x="5440680" y="5422392"/>
+            <a:ext cx="3886200" cy="128016"/>
           </a:xfrm>
           <a:prstGeom prst="rect">
             <a:avLst/>
@@ -15491,8 +15491,8 @@
         </p:nvSpPr>
         <p:spPr>
           <a:xfrm>
-            <a:off x="5303520" y="6190488"/>
-            <a:ext cx="109728" cy="146304"/>
+            <a:off x="5303520" y="5550407"/>
+            <a:ext cx="109728" cy="128016"/>
           </a:xfrm>
           <a:prstGeom prst="rect">
             <a:avLst/>
@@ -15527,8 +15527,8 @@
         </p:nvSpPr>
         <p:spPr>
           <a:xfrm>
-            <a:off x="5440680" y="6190488"/>
-            <a:ext cx="3886200" cy="146304"/>
+            <a:off x="5440680" y="5550407"/>
+            <a:ext cx="3886200" cy="128016"/>
           </a:xfrm>
           <a:prstGeom prst="rect">
             <a:avLst/>
@@ -15563,8 +15563,8 @@
         </p:nvSpPr>
         <p:spPr>
           <a:xfrm>
-            <a:off x="5303520" y="6364224"/>
-            <a:ext cx="109728" cy="146304"/>
+            <a:off x="5303520" y="5678423"/>
+            <a:ext cx="109728" cy="128016"/>
           </a:xfrm>
           <a:prstGeom prst="rect">
             <a:avLst/>
@@ -15599,8 +15599,8 @@
         </p:nvSpPr>
         <p:spPr>
           <a:xfrm>
-            <a:off x="5440680" y="6364224"/>
-            <a:ext cx="3886200" cy="146304"/>
+            <a:off x="5440680" y="5678423"/>
+            <a:ext cx="3886200" cy="128016"/>
           </a:xfrm>
           <a:prstGeom prst="rect">
             <a:avLst/>
@@ -15635,8 +15635,8 @@
         </p:nvSpPr>
         <p:spPr>
           <a:xfrm>
-            <a:off x="5303520" y="6537960"/>
-            <a:ext cx="109728" cy="146304"/>
+            <a:off x="5303520" y="5806439"/>
+            <a:ext cx="109728" cy="128016"/>
           </a:xfrm>
           <a:prstGeom prst="rect">
             <a:avLst/>
@@ -15671,8 +15671,8 @@
         </p:nvSpPr>
         <p:spPr>
           <a:xfrm>
-            <a:off x="5440680" y="6537960"/>
-            <a:ext cx="3886200" cy="146304"/>
+            <a:off x="5440680" y="5806439"/>
+            <a:ext cx="3886200" cy="128016"/>
           </a:xfrm>
           <a:prstGeom prst="rect">
             <a:avLst/>
@@ -15707,8 +15707,8 @@
         </p:nvSpPr>
         <p:spPr>
           <a:xfrm>
-            <a:off x="5303520" y="6711696"/>
-            <a:ext cx="109728" cy="146304"/>
+            <a:off x="5303520" y="5934455"/>
+            <a:ext cx="109728" cy="128016"/>
           </a:xfrm>
           <a:prstGeom prst="rect">
             <a:avLst/>
@@ -15743,8 +15743,8 @@
         </p:nvSpPr>
         <p:spPr>
           <a:xfrm>
-            <a:off x="5440680" y="6711696"/>
-            <a:ext cx="3886200" cy="146304"/>
+            <a:off x="5440680" y="5934455"/>
+            <a:ext cx="3886200" cy="128016"/>
           </a:xfrm>
           <a:prstGeom prst="rect">
             <a:avLst/>
@@ -15779,8 +15779,8 @@
         </p:nvSpPr>
         <p:spPr>
           <a:xfrm>
-            <a:off x="5303520" y="6885432"/>
-            <a:ext cx="109728" cy="146304"/>
+            <a:off x="5303520" y="6062471"/>
+            <a:ext cx="109728" cy="128016"/>
           </a:xfrm>
           <a:prstGeom prst="rect">
             <a:avLst/>
@@ -15815,8 +15815,8 @@
         </p:nvSpPr>
         <p:spPr>
           <a:xfrm>
-            <a:off x="5440680" y="6885432"/>
-            <a:ext cx="3886200" cy="146304"/>
+            <a:off x="5440680" y="6062471"/>
+            <a:ext cx="3886200" cy="128016"/>
           </a:xfrm>
           <a:prstGeom prst="rect">
             <a:avLst/>
@@ -16094,7 +16094,7 @@
         </p:nvSpPr>
         <p:spPr>
           <a:xfrm>
-            <a:off x="731520" y="2560320"/>
+            <a:off x="731520" y="2514600"/>
             <a:ext cx="4206240" cy="256032"/>
           </a:xfrm>
           <a:prstGeom prst="rect">
@@ -16139,7 +16139,7 @@
         </p:nvSpPr>
         <p:spPr>
           <a:xfrm>
-            <a:off x="822960" y="2587752"/>
+            <a:off x="822960" y="2542032"/>
             <a:ext cx="4023359" cy="201168"/>
           </a:xfrm>
           <a:prstGeom prst="rect">
@@ -16175,8 +16175,8 @@
         </p:nvSpPr>
         <p:spPr>
           <a:xfrm>
-            <a:off x="822960" y="2907792"/>
-            <a:ext cx="109728" cy="146304"/>
+            <a:off x="822960" y="2788920"/>
+            <a:ext cx="109728" cy="128016"/>
           </a:xfrm>
           <a:prstGeom prst="rect">
             <a:avLst/>
@@ -16211,8 +16211,8 @@
         </p:nvSpPr>
         <p:spPr>
           <a:xfrm>
-            <a:off x="960120" y="2907792"/>
-            <a:ext cx="3886200" cy="146304"/>
+            <a:off x="960120" y="2788920"/>
+            <a:ext cx="3886200" cy="128016"/>
           </a:xfrm>
           <a:prstGeom prst="rect">
             <a:avLst/>
@@ -16247,8 +16247,8 @@
         </p:nvSpPr>
         <p:spPr>
           <a:xfrm>
-            <a:off x="822960" y="3081528"/>
-            <a:ext cx="109728" cy="146304"/>
+            <a:off x="822960" y="2916936"/>
+            <a:ext cx="109728" cy="128016"/>
           </a:xfrm>
           <a:prstGeom prst="rect">
             <a:avLst/>
@@ -16283,8 +16283,8 @@
         </p:nvSpPr>
         <p:spPr>
           <a:xfrm>
-            <a:off x="960120" y="3081528"/>
-            <a:ext cx="3886200" cy="146304"/>
+            <a:off x="960120" y="2916936"/>
+            <a:ext cx="3886200" cy="128016"/>
           </a:xfrm>
           <a:prstGeom prst="rect">
             <a:avLst/>
@@ -16319,8 +16319,8 @@
         </p:nvSpPr>
         <p:spPr>
           <a:xfrm>
-            <a:off x="822960" y="3255264"/>
-            <a:ext cx="109728" cy="146304"/>
+            <a:off x="822960" y="3044952"/>
+            <a:ext cx="109728" cy="128016"/>
           </a:xfrm>
           <a:prstGeom prst="rect">
             <a:avLst/>
@@ -16355,8 +16355,8 @@
         </p:nvSpPr>
         <p:spPr>
           <a:xfrm>
-            <a:off x="960120" y="3255264"/>
-            <a:ext cx="3886200" cy="146304"/>
+            <a:off x="960120" y="3044952"/>
+            <a:ext cx="3886200" cy="128016"/>
           </a:xfrm>
           <a:prstGeom prst="rect">
             <a:avLst/>
@@ -16391,8 +16391,152 @@
         </p:nvSpPr>
         <p:spPr>
           <a:xfrm>
+            <a:off x="822960" y="3172968"/>
+            <a:ext cx="109728" cy="128016"/>
+          </a:xfrm>
+          <a:prstGeom prst="rect">
+            <a:avLst/>
+          </a:prstGeom>
+          <a:noFill/>
+        </p:spPr>
+        <p:txBody>
+          <a:bodyPr wrap="square">
+            <a:spAutoFit/>
+          </a:bodyPr>
+          <a:lstStyle/>
+          <a:p>
+            <a:pPr algn="l">
+              <a:defRPr sz="800" b="0">
+                <a:solidFill>
+                  <a:srgbClr val="333333"/>
+                </a:solidFill>
+                <a:latin typeface="맑은 고딕"/>
+              </a:defRPr>
+            </a:pPr>
+            <a:r>
+              <a:t>•</a:t>
+            </a:r>
+          </a:p>
+        </p:txBody>
+      </p:sp>
+      <p:sp>
+        <p:nvSpPr>
+          <p:cNvPr id="17" name="TextBox 16"/>
+          <p:cNvSpPr txBox="1"/>
+          <p:nvPr/>
+        </p:nvSpPr>
+        <p:spPr>
+          <a:xfrm>
+            <a:off x="960120" y="3172968"/>
+            <a:ext cx="3886200" cy="128016"/>
+          </a:xfrm>
+          <a:prstGeom prst="rect">
+            <a:avLst/>
+          </a:prstGeom>
+          <a:noFill/>
+        </p:spPr>
+        <p:txBody>
+          <a:bodyPr wrap="square">
+            <a:spAutoFit/>
+          </a:bodyPr>
+          <a:lstStyle/>
+          <a:p>
+            <a:pPr algn="l">
+              <a:defRPr sz="800" b="0">
+                <a:solidFill>
+                  <a:srgbClr val="333333"/>
+                </a:solidFill>
+                <a:latin typeface="맑은 고딕"/>
+              </a:defRPr>
+            </a:pPr>
+            <a:r>
+              <a:t>리드타임: 짧은 편 (1-4주)</a:t>
+            </a:r>
+          </a:p>
+        </p:txBody>
+      </p:sp>
+      <p:sp>
+        <p:nvSpPr>
+          <p:cNvPr id="18" name="TextBox 17"/>
+          <p:cNvSpPr txBox="1"/>
+          <p:nvPr/>
+        </p:nvSpPr>
+        <p:spPr>
+          <a:xfrm>
+            <a:off x="822960" y="3300984"/>
+            <a:ext cx="109728" cy="128016"/>
+          </a:xfrm>
+          <a:prstGeom prst="rect">
+            <a:avLst/>
+          </a:prstGeom>
+          <a:noFill/>
+        </p:spPr>
+        <p:txBody>
+          <a:bodyPr wrap="square">
+            <a:spAutoFit/>
+          </a:bodyPr>
+          <a:lstStyle/>
+          <a:p>
+            <a:pPr algn="l">
+              <a:defRPr sz="800" b="0">
+                <a:solidFill>
+                  <a:srgbClr val="333333"/>
+                </a:solidFill>
+                <a:latin typeface="맑은 고딕"/>
+              </a:defRPr>
+            </a:pPr>
+            <a:r>
+              <a:t>•</a:t>
+            </a:r>
+          </a:p>
+        </p:txBody>
+      </p:sp>
+      <p:sp>
+        <p:nvSpPr>
+          <p:cNvPr id="19" name="TextBox 18"/>
+          <p:cNvSpPr txBox="1"/>
+          <p:nvPr/>
+        </p:nvSpPr>
+        <p:spPr>
+          <a:xfrm>
+            <a:off x="960120" y="3300984"/>
+            <a:ext cx="3886200" cy="128016"/>
+          </a:xfrm>
+          <a:prstGeom prst="rect">
+            <a:avLst/>
+          </a:prstGeom>
+          <a:noFill/>
+        </p:spPr>
+        <p:txBody>
+          <a:bodyPr wrap="square">
+            <a:spAutoFit/>
+          </a:bodyPr>
+          <a:lstStyle/>
+          <a:p>
+            <a:pPr algn="l">
+              <a:defRPr sz="800" b="0">
+                <a:solidFill>
+                  <a:srgbClr val="333333"/>
+                </a:solidFill>
+                <a:latin typeface="맑은 고딕"/>
+              </a:defRPr>
+            </a:pPr>
+            <a:r>
+              <a:t>시장 특성: 완전 경쟁</a:t>
+            </a:r>
+          </a:p>
+        </p:txBody>
+      </p:sp>
+      <p:sp>
+        <p:nvSpPr>
+          <p:cNvPr id="20" name="TextBox 19"/>
+          <p:cNvSpPr txBox="1"/>
+          <p:nvPr/>
+        </p:nvSpPr>
+        <p:spPr>
+          <a:xfrm>
             <a:off x="822960" y="3429000"/>
-            <a:ext cx="109728" cy="146304"/>
+            <a:ext cx="109728" cy="128016"/>
           </a:xfrm>
           <a:prstGeom prst="rect">
             <a:avLst/>
@@ -16421,158 +16565,14 @@
       </p:sp>
       <p:sp>
         <p:nvSpPr>
-          <p:cNvPr id="17" name="TextBox 16"/>
+          <p:cNvPr id="21" name="TextBox 20"/>
           <p:cNvSpPr txBox="1"/>
           <p:nvPr/>
         </p:nvSpPr>
         <p:spPr>
           <a:xfrm>
             <a:off x="960120" y="3429000"/>
-            <a:ext cx="3886200" cy="146304"/>
-          </a:xfrm>
-          <a:prstGeom prst="rect">
-            <a:avLst/>
-          </a:prstGeom>
-          <a:noFill/>
-        </p:spPr>
-        <p:txBody>
-          <a:bodyPr wrap="square">
-            <a:spAutoFit/>
-          </a:bodyPr>
-          <a:lstStyle/>
-          <a:p>
-            <a:pPr algn="l">
-              <a:defRPr sz="800" b="0">
-                <a:solidFill>
-                  <a:srgbClr val="333333"/>
-                </a:solidFill>
-                <a:latin typeface="맑은 고딕"/>
-              </a:defRPr>
-            </a:pPr>
-            <a:r>
-              <a:t>리드타임: 짧은 편 (1-4주)</a:t>
-            </a:r>
-          </a:p>
-        </p:txBody>
-      </p:sp>
-      <p:sp>
-        <p:nvSpPr>
-          <p:cNvPr id="18" name="TextBox 17"/>
-          <p:cNvSpPr txBox="1"/>
-          <p:nvPr/>
-        </p:nvSpPr>
-        <p:spPr>
-          <a:xfrm>
-            <a:off x="822960" y="3602736"/>
-            <a:ext cx="109728" cy="146304"/>
-          </a:xfrm>
-          <a:prstGeom prst="rect">
-            <a:avLst/>
-          </a:prstGeom>
-          <a:noFill/>
-        </p:spPr>
-        <p:txBody>
-          <a:bodyPr wrap="square">
-            <a:spAutoFit/>
-          </a:bodyPr>
-          <a:lstStyle/>
-          <a:p>
-            <a:pPr algn="l">
-              <a:defRPr sz="800" b="0">
-                <a:solidFill>
-                  <a:srgbClr val="333333"/>
-                </a:solidFill>
-                <a:latin typeface="맑은 고딕"/>
-              </a:defRPr>
-            </a:pPr>
-            <a:r>
-              <a:t>•</a:t>
-            </a:r>
-          </a:p>
-        </p:txBody>
-      </p:sp>
-      <p:sp>
-        <p:nvSpPr>
-          <p:cNvPr id="19" name="TextBox 18"/>
-          <p:cNvSpPr txBox="1"/>
-          <p:nvPr/>
-        </p:nvSpPr>
-        <p:spPr>
-          <a:xfrm>
-            <a:off x="960120" y="3602736"/>
-            <a:ext cx="3886200" cy="146304"/>
-          </a:xfrm>
-          <a:prstGeom prst="rect">
-            <a:avLst/>
-          </a:prstGeom>
-          <a:noFill/>
-        </p:spPr>
-        <p:txBody>
-          <a:bodyPr wrap="square">
-            <a:spAutoFit/>
-          </a:bodyPr>
-          <a:lstStyle/>
-          <a:p>
-            <a:pPr algn="l">
-              <a:defRPr sz="800" b="0">
-                <a:solidFill>
-                  <a:srgbClr val="333333"/>
-                </a:solidFill>
-                <a:latin typeface="맑은 고딕"/>
-              </a:defRPr>
-            </a:pPr>
-            <a:r>
-              <a:t>시장 특성: 완전 경쟁</a:t>
-            </a:r>
-          </a:p>
-        </p:txBody>
-      </p:sp>
-      <p:sp>
-        <p:nvSpPr>
-          <p:cNvPr id="20" name="TextBox 19"/>
-          <p:cNvSpPr txBox="1"/>
-          <p:nvPr/>
-        </p:nvSpPr>
-        <p:spPr>
-          <a:xfrm>
-            <a:off x="822960" y="3776472"/>
-            <a:ext cx="109728" cy="146304"/>
-          </a:xfrm>
-          <a:prstGeom prst="rect">
-            <a:avLst/>
-          </a:prstGeom>
-          <a:noFill/>
-        </p:spPr>
-        <p:txBody>
-          <a:bodyPr wrap="square">
-            <a:spAutoFit/>
-          </a:bodyPr>
-          <a:lstStyle/>
-          <a:p>
-            <a:pPr algn="l">
-              <a:defRPr sz="800" b="0">
-                <a:solidFill>
-                  <a:srgbClr val="333333"/>
-                </a:solidFill>
-                <a:latin typeface="맑은 고딕"/>
-              </a:defRPr>
-            </a:pPr>
-            <a:r>
-              <a:t>•</a:t>
-            </a:r>
-          </a:p>
-        </p:txBody>
-      </p:sp>
-      <p:sp>
-        <p:nvSpPr>
-          <p:cNvPr id="21" name="TextBox 20"/>
-          <p:cNvSpPr txBox="1"/>
-          <p:nvPr/>
-        </p:nvSpPr>
-        <p:spPr>
-          <a:xfrm>
-            <a:off x="960120" y="3776472"/>
-            <a:ext cx="3886200" cy="146304"/>
+            <a:ext cx="3886200" cy="128016"/>
           </a:xfrm>
           <a:prstGeom prst="rect">
             <a:avLst/>
@@ -16607,7 +16607,7 @@
         </p:nvSpPr>
         <p:spPr>
           <a:xfrm>
-            <a:off x="731520" y="4059936"/>
+            <a:off x="731520" y="3630168"/>
             <a:ext cx="4206240" cy="256032"/>
           </a:xfrm>
           <a:prstGeom prst="rect">
@@ -16652,7 +16652,7 @@
         </p:nvSpPr>
         <p:spPr>
           <a:xfrm>
-            <a:off x="822960" y="4087368"/>
+            <a:off x="822960" y="3657600"/>
             <a:ext cx="4023359" cy="201168"/>
           </a:xfrm>
           <a:prstGeom prst="rect">
@@ -16688,8 +16688,8 @@
         </p:nvSpPr>
         <p:spPr>
           <a:xfrm>
-            <a:off x="822960" y="4407408"/>
-            <a:ext cx="109728" cy="146304"/>
+            <a:off x="822960" y="3904488"/>
+            <a:ext cx="109728" cy="128016"/>
           </a:xfrm>
           <a:prstGeom prst="rect">
             <a:avLst/>
@@ -16724,8 +16724,8 @@
         </p:nvSpPr>
         <p:spPr>
           <a:xfrm>
-            <a:off x="960120" y="4407408"/>
-            <a:ext cx="3886200" cy="146304"/>
+            <a:off x="960120" y="3904488"/>
+            <a:ext cx="3886200" cy="128016"/>
           </a:xfrm>
           <a:prstGeom prst="rect">
             <a:avLst/>
@@ -16760,8 +16760,8 @@
         </p:nvSpPr>
         <p:spPr>
           <a:xfrm>
-            <a:off x="822960" y="4581144"/>
-            <a:ext cx="109728" cy="146304"/>
+            <a:off x="822960" y="4032504"/>
+            <a:ext cx="109728" cy="128016"/>
           </a:xfrm>
           <a:prstGeom prst="rect">
             <a:avLst/>
@@ -16796,8 +16796,8 @@
         </p:nvSpPr>
         <p:spPr>
           <a:xfrm>
-            <a:off x="960120" y="4581144"/>
-            <a:ext cx="3886200" cy="146304"/>
+            <a:off x="960120" y="4032504"/>
+            <a:ext cx="3886200" cy="128016"/>
           </a:xfrm>
           <a:prstGeom prst="rect">
             <a:avLst/>
@@ -16832,8 +16832,8 @@
         </p:nvSpPr>
         <p:spPr>
           <a:xfrm>
-            <a:off x="822960" y="4754880"/>
-            <a:ext cx="109728" cy="146304"/>
+            <a:off x="822960" y="4160520"/>
+            <a:ext cx="109728" cy="128016"/>
           </a:xfrm>
           <a:prstGeom prst="rect">
             <a:avLst/>
@@ -16868,8 +16868,8 @@
         </p:nvSpPr>
         <p:spPr>
           <a:xfrm>
-            <a:off x="960120" y="4754880"/>
-            <a:ext cx="3886200" cy="146304"/>
+            <a:off x="960120" y="4160520"/>
+            <a:ext cx="3886200" cy="128016"/>
           </a:xfrm>
           <a:prstGeom prst="rect">
             <a:avLst/>
@@ -16904,8 +16904,8 @@
         </p:nvSpPr>
         <p:spPr>
           <a:xfrm>
-            <a:off x="822960" y="4928616"/>
-            <a:ext cx="109728" cy="146304"/>
+            <a:off x="822960" y="4288536"/>
+            <a:ext cx="109728" cy="128016"/>
           </a:xfrm>
           <a:prstGeom prst="rect">
             <a:avLst/>
@@ -16940,8 +16940,8 @@
         </p:nvSpPr>
         <p:spPr>
           <a:xfrm>
-            <a:off x="960120" y="4928616"/>
-            <a:ext cx="3886200" cy="146304"/>
+            <a:off x="960120" y="4288536"/>
+            <a:ext cx="3886200" cy="128016"/>
           </a:xfrm>
           <a:prstGeom prst="rect">
             <a:avLst/>
@@ -16976,8 +16976,8 @@
         </p:nvSpPr>
         <p:spPr>
           <a:xfrm>
-            <a:off x="822960" y="5102352"/>
-            <a:ext cx="109728" cy="146304"/>
+            <a:off x="822960" y="4416551"/>
+            <a:ext cx="109728" cy="128016"/>
           </a:xfrm>
           <a:prstGeom prst="rect">
             <a:avLst/>
@@ -17012,8 +17012,8 @@
         </p:nvSpPr>
         <p:spPr>
           <a:xfrm>
-            <a:off x="960120" y="5102352"/>
-            <a:ext cx="3886200" cy="146304"/>
+            <a:off x="960120" y="4416551"/>
+            <a:ext cx="3886200" cy="128016"/>
           </a:xfrm>
           <a:prstGeom prst="rect">
             <a:avLst/>
@@ -17048,8 +17048,8 @@
         </p:nvSpPr>
         <p:spPr>
           <a:xfrm>
-            <a:off x="822960" y="5276088"/>
-            <a:ext cx="109728" cy="146304"/>
+            <a:off x="822960" y="4544567"/>
+            <a:ext cx="109728" cy="128016"/>
           </a:xfrm>
           <a:prstGeom prst="rect">
             <a:avLst/>
@@ -17084,8 +17084,8 @@
         </p:nvSpPr>
         <p:spPr>
           <a:xfrm>
-            <a:off x="960120" y="5276088"/>
-            <a:ext cx="3886200" cy="146304"/>
+            <a:off x="960120" y="4544567"/>
+            <a:ext cx="3886200" cy="128016"/>
           </a:xfrm>
           <a:prstGeom prst="rect">
             <a:avLst/>
@@ -17120,8 +17120,8 @@
         </p:nvSpPr>
         <p:spPr>
           <a:xfrm>
-            <a:off x="822960" y="5449824"/>
-            <a:ext cx="109728" cy="146304"/>
+            <a:off x="822960" y="4672583"/>
+            <a:ext cx="109728" cy="128016"/>
           </a:xfrm>
           <a:prstGeom prst="rect">
             <a:avLst/>
@@ -17156,8 +17156,8 @@
         </p:nvSpPr>
         <p:spPr>
           <a:xfrm>
-            <a:off x="960120" y="5449824"/>
-            <a:ext cx="3886200" cy="146304"/>
+            <a:off x="960120" y="4672583"/>
+            <a:ext cx="3886200" cy="128016"/>
           </a:xfrm>
           <a:prstGeom prst="rect">
             <a:avLst/>
@@ -17192,8 +17192,8 @@
         </p:nvSpPr>
         <p:spPr>
           <a:xfrm>
-            <a:off x="822960" y="5623560"/>
-            <a:ext cx="109728" cy="146304"/>
+            <a:off x="822960" y="4800599"/>
+            <a:ext cx="109728" cy="128016"/>
           </a:xfrm>
           <a:prstGeom prst="rect">
             <a:avLst/>
@@ -17228,8 +17228,8 @@
         </p:nvSpPr>
         <p:spPr>
           <a:xfrm>
-            <a:off x="960120" y="5623560"/>
-            <a:ext cx="3886200" cy="146304"/>
+            <a:off x="960120" y="4800599"/>
+            <a:ext cx="3886200" cy="128016"/>
           </a:xfrm>
           <a:prstGeom prst="rect">
             <a:avLst/>
@@ -17264,7 +17264,7 @@
         </p:nvSpPr>
         <p:spPr>
           <a:xfrm>
-            <a:off x="731520" y="5907024"/>
+            <a:off x="731520" y="5001767"/>
             <a:ext cx="4206240" cy="256032"/>
           </a:xfrm>
           <a:prstGeom prst="rect">
@@ -17309,7 +17309,7 @@
         </p:nvSpPr>
         <p:spPr>
           <a:xfrm>
-            <a:off x="822960" y="5934456"/>
+            <a:off x="822960" y="5029199"/>
             <a:ext cx="4023359" cy="201168"/>
           </a:xfrm>
           <a:prstGeom prst="rect">
@@ -17345,8 +17345,8 @@
         </p:nvSpPr>
         <p:spPr>
           <a:xfrm>
-            <a:off x="822960" y="6254496"/>
-            <a:ext cx="109728" cy="146304"/>
+            <a:off x="822960" y="5276087"/>
+            <a:ext cx="109728" cy="128016"/>
           </a:xfrm>
           <a:prstGeom prst="rect">
             <a:avLst/>
@@ -17381,8 +17381,8 @@
         </p:nvSpPr>
         <p:spPr>
           <a:xfrm>
-            <a:off x="960120" y="6254496"/>
-            <a:ext cx="3886200" cy="146304"/>
+            <a:off x="960120" y="5276087"/>
+            <a:ext cx="3886200" cy="128016"/>
           </a:xfrm>
           <a:prstGeom prst="rect">
             <a:avLst/>
@@ -17417,8 +17417,8 @@
         </p:nvSpPr>
         <p:spPr>
           <a:xfrm>
-            <a:off x="822960" y="6428232"/>
-            <a:ext cx="109728" cy="146304"/>
+            <a:off x="822960" y="5404103"/>
+            <a:ext cx="109728" cy="128016"/>
           </a:xfrm>
           <a:prstGeom prst="rect">
             <a:avLst/>
@@ -17453,8 +17453,8 @@
         </p:nvSpPr>
         <p:spPr>
           <a:xfrm>
-            <a:off x="960120" y="6428232"/>
-            <a:ext cx="3886200" cy="146304"/>
+            <a:off x="960120" y="5404103"/>
+            <a:ext cx="3886200" cy="128016"/>
           </a:xfrm>
           <a:prstGeom prst="rect">
             <a:avLst/>
@@ -17489,8 +17489,8 @@
         </p:nvSpPr>
         <p:spPr>
           <a:xfrm>
-            <a:off x="822960" y="6601968"/>
-            <a:ext cx="109728" cy="146304"/>
+            <a:off x="822960" y="5532119"/>
+            <a:ext cx="109728" cy="128016"/>
           </a:xfrm>
           <a:prstGeom prst="rect">
             <a:avLst/>
@@ -17525,8 +17525,8 @@
         </p:nvSpPr>
         <p:spPr>
           <a:xfrm>
-            <a:off x="960120" y="6601968"/>
-            <a:ext cx="3886200" cy="146304"/>
+            <a:off x="960120" y="5532119"/>
+            <a:ext cx="3886200" cy="128016"/>
           </a:xfrm>
           <a:prstGeom prst="rect">
             <a:avLst/>
@@ -17561,8 +17561,8 @@
         </p:nvSpPr>
         <p:spPr>
           <a:xfrm>
-            <a:off x="822960" y="6775704"/>
-            <a:ext cx="109728" cy="146304"/>
+            <a:off x="822960" y="5660135"/>
+            <a:ext cx="109728" cy="128016"/>
           </a:xfrm>
           <a:prstGeom prst="rect">
             <a:avLst/>
@@ -17597,8 +17597,8 @@
         </p:nvSpPr>
         <p:spPr>
           <a:xfrm>
-            <a:off x="960120" y="6775704"/>
-            <a:ext cx="3886200" cy="146304"/>
+            <a:off x="960120" y="5660135"/>
+            <a:ext cx="3886200" cy="128016"/>
           </a:xfrm>
           <a:prstGeom prst="rect">
             <a:avLst/>
@@ -17633,8 +17633,8 @@
         </p:nvSpPr>
         <p:spPr>
           <a:xfrm>
-            <a:off x="822960" y="6949440"/>
-            <a:ext cx="109728" cy="146304"/>
+            <a:off x="822960" y="5788151"/>
+            <a:ext cx="109728" cy="128016"/>
           </a:xfrm>
           <a:prstGeom prst="rect">
             <a:avLst/>
@@ -17669,8 +17669,8 @@
         </p:nvSpPr>
         <p:spPr>
           <a:xfrm>
-            <a:off x="960120" y="6949440"/>
-            <a:ext cx="3886200" cy="146304"/>
+            <a:off x="960120" y="5788151"/>
+            <a:ext cx="3886200" cy="128016"/>
           </a:xfrm>
           <a:prstGeom prst="rect">
             <a:avLst/>
@@ -17705,8 +17705,8 @@
         </p:nvSpPr>
         <p:spPr>
           <a:xfrm>
-            <a:off x="822960" y="7123176"/>
-            <a:ext cx="109728" cy="146304"/>
+            <a:off x="822960" y="5916167"/>
+            <a:ext cx="109728" cy="128016"/>
           </a:xfrm>
           <a:prstGeom prst="rect">
             <a:avLst/>
@@ -17741,8 +17741,8 @@
         </p:nvSpPr>
         <p:spPr>
           <a:xfrm>
-            <a:off x="960120" y="7123176"/>
-            <a:ext cx="3886200" cy="146304"/>
+            <a:off x="960120" y="5916167"/>
+            <a:ext cx="3886200" cy="128016"/>
           </a:xfrm>
           <a:prstGeom prst="rect">
             <a:avLst/>
@@ -17777,7 +17777,7 @@
         </p:nvSpPr>
         <p:spPr>
           <a:xfrm>
-            <a:off x="5212080" y="2560320"/>
+            <a:off x="5212080" y="2514600"/>
             <a:ext cx="4206240" cy="256032"/>
           </a:xfrm>
           <a:prstGeom prst="rect">
@@ -17822,7 +17822,7 @@
         </p:nvSpPr>
         <p:spPr>
           <a:xfrm>
-            <a:off x="5303520" y="2587752"/>
+            <a:off x="5303520" y="2542032"/>
             <a:ext cx="4023359" cy="201168"/>
           </a:xfrm>
           <a:prstGeom prst="rect">
@@ -17858,8 +17858,8 @@
         </p:nvSpPr>
         <p:spPr>
           <a:xfrm>
-            <a:off x="5303520" y="2907792"/>
-            <a:ext cx="4023359" cy="457200"/>
+            <a:off x="5303520" y="2788920"/>
+            <a:ext cx="4023359" cy="411480"/>
           </a:xfrm>
           <a:prstGeom prst="rect">
             <a:avLst/>
@@ -17903,8 +17903,8 @@
         </p:nvSpPr>
         <p:spPr>
           <a:xfrm>
-            <a:off x="5349240" y="2953512"/>
-            <a:ext cx="3931920" cy="146304"/>
+            <a:off x="5349240" y="2825496"/>
+            <a:ext cx="3931920" cy="128016"/>
           </a:xfrm>
           <a:prstGeom prst="rect">
             <a:avLst/>
@@ -17939,8 +17939,8 @@
         </p:nvSpPr>
         <p:spPr>
           <a:xfrm>
-            <a:off x="5349240" y="3127248"/>
-            <a:ext cx="3931920" cy="201168"/>
+            <a:off x="5349240" y="2980944"/>
+            <a:ext cx="3931920" cy="182880"/>
           </a:xfrm>
           <a:prstGeom prst="rect">
             <a:avLst/>
@@ -17975,8 +17975,8 @@
         </p:nvSpPr>
         <p:spPr>
           <a:xfrm>
-            <a:off x="5303520" y="3438144"/>
-            <a:ext cx="4023359" cy="457200"/>
+            <a:off x="5303520" y="3246120"/>
+            <a:ext cx="4023359" cy="411480"/>
           </a:xfrm>
           <a:prstGeom prst="rect">
             <a:avLst/>
@@ -18020,8 +18020,8 @@
         </p:nvSpPr>
         <p:spPr>
           <a:xfrm>
-            <a:off x="5349240" y="3483864"/>
-            <a:ext cx="3931920" cy="146304"/>
+            <a:off x="5349240" y="3282696"/>
+            <a:ext cx="3931920" cy="128016"/>
           </a:xfrm>
           <a:prstGeom prst="rect">
             <a:avLst/>
@@ -18056,8 +18056,8 @@
         </p:nvSpPr>
         <p:spPr>
           <a:xfrm>
-            <a:off x="5349240" y="3657600"/>
-            <a:ext cx="3931920" cy="201168"/>
+            <a:off x="5349240" y="3438144"/>
+            <a:ext cx="3931920" cy="182880"/>
           </a:xfrm>
           <a:prstGeom prst="rect">
             <a:avLst/>
@@ -18092,8 +18092,8 @@
         </p:nvSpPr>
         <p:spPr>
           <a:xfrm>
-            <a:off x="5303520" y="3968496"/>
-            <a:ext cx="4023359" cy="457200"/>
+            <a:off x="5303520" y="3703320"/>
+            <a:ext cx="4023359" cy="411480"/>
           </a:xfrm>
           <a:prstGeom prst="rect">
             <a:avLst/>
@@ -18137,8 +18137,8 @@
         </p:nvSpPr>
         <p:spPr>
           <a:xfrm>
-            <a:off x="5349240" y="4014215"/>
-            <a:ext cx="3931920" cy="146304"/>
+            <a:off x="5349240" y="3739896"/>
+            <a:ext cx="3931920" cy="128016"/>
           </a:xfrm>
           <a:prstGeom prst="rect">
             <a:avLst/>
@@ -18173,8 +18173,8 @@
         </p:nvSpPr>
         <p:spPr>
           <a:xfrm>
-            <a:off x="5349240" y="4187952"/>
-            <a:ext cx="3931920" cy="201168"/>
+            <a:off x="5349240" y="3895344"/>
+            <a:ext cx="3931920" cy="182880"/>
           </a:xfrm>
           <a:prstGeom prst="rect">
             <a:avLst/>
@@ -18209,8 +18209,8 @@
         </p:nvSpPr>
         <p:spPr>
           <a:xfrm>
-            <a:off x="5303520" y="4498848"/>
-            <a:ext cx="4023359" cy="457200"/>
+            <a:off x="5303520" y="4160520"/>
+            <a:ext cx="4023359" cy="411480"/>
           </a:xfrm>
           <a:prstGeom prst="rect">
             <a:avLst/>
@@ -18254,8 +18254,8 @@
         </p:nvSpPr>
         <p:spPr>
           <a:xfrm>
-            <a:off x="5349240" y="4544568"/>
-            <a:ext cx="3931920" cy="146304"/>
+            <a:off x="5349240" y="4197096"/>
+            <a:ext cx="3931920" cy="128016"/>
           </a:xfrm>
           <a:prstGeom prst="rect">
             <a:avLst/>
@@ -18290,8 +18290,8 @@
         </p:nvSpPr>
         <p:spPr>
           <a:xfrm>
-            <a:off x="5349240" y="4718304"/>
-            <a:ext cx="3931920" cy="201168"/>
+            <a:off x="5349240" y="4352544"/>
+            <a:ext cx="3931920" cy="182880"/>
           </a:xfrm>
           <a:prstGeom prst="rect">
             <a:avLst/>
@@ -18326,8 +18326,8 @@
         </p:nvSpPr>
         <p:spPr>
           <a:xfrm>
-            <a:off x="5303520" y="5029200"/>
-            <a:ext cx="4023359" cy="457200"/>
+            <a:off x="5303520" y="4617720"/>
+            <a:ext cx="4023359" cy="411480"/>
           </a:xfrm>
           <a:prstGeom prst="rect">
             <a:avLst/>
@@ -18371,8 +18371,8 @@
         </p:nvSpPr>
         <p:spPr>
           <a:xfrm>
-            <a:off x="5349240" y="5074920"/>
-            <a:ext cx="3931920" cy="146304"/>
+            <a:off x="5349240" y="4654296"/>
+            <a:ext cx="3931920" cy="128016"/>
           </a:xfrm>
           <a:prstGeom prst="rect">
             <a:avLst/>
@@ -18407,8 +18407,8 @@
         </p:nvSpPr>
         <p:spPr>
           <a:xfrm>
-            <a:off x="5349240" y="5248656"/>
-            <a:ext cx="3931920" cy="201168"/>
+            <a:off x="5349240" y="4809744"/>
+            <a:ext cx="3931920" cy="182880"/>
           </a:xfrm>
           <a:prstGeom prst="rect">
             <a:avLst/>
@@ -18443,7 +18443,7 @@
         </p:nvSpPr>
         <p:spPr>
           <a:xfrm>
-            <a:off x="5212080" y="5669280"/>
+            <a:off x="5212080" y="5148072"/>
             <a:ext cx="4206240" cy="256032"/>
           </a:xfrm>
           <a:prstGeom prst="rect">
@@ -18488,7 +18488,7 @@
         </p:nvSpPr>
         <p:spPr>
           <a:xfrm>
-            <a:off x="5303520" y="5696712"/>
+            <a:off x="5303520" y="5175504"/>
             <a:ext cx="4023359" cy="201168"/>
           </a:xfrm>
           <a:prstGeom prst="rect">
@@ -18524,8 +18524,8 @@
         </p:nvSpPr>
         <p:spPr>
           <a:xfrm>
-            <a:off x="5303520" y="6016752"/>
-            <a:ext cx="109728" cy="146304"/>
+            <a:off x="5303520" y="5422392"/>
+            <a:ext cx="109728" cy="128016"/>
           </a:xfrm>
           <a:prstGeom prst="rect">
             <a:avLst/>
@@ -18560,8 +18560,8 @@
         </p:nvSpPr>
         <p:spPr>
           <a:xfrm>
-            <a:off x="5440680" y="6016752"/>
-            <a:ext cx="3886200" cy="146304"/>
+            <a:off x="5440680" y="5422392"/>
+            <a:ext cx="3886200" cy="128016"/>
           </a:xfrm>
           <a:prstGeom prst="rect">
             <a:avLst/>
@@ -18596,8 +18596,8 @@
         </p:nvSpPr>
         <p:spPr>
           <a:xfrm>
-            <a:off x="5303520" y="6190488"/>
-            <a:ext cx="109728" cy="146304"/>
+            <a:off x="5303520" y="5550407"/>
+            <a:ext cx="109728" cy="128016"/>
           </a:xfrm>
           <a:prstGeom prst="rect">
             <a:avLst/>
@@ -18632,8 +18632,8 @@
         </p:nvSpPr>
         <p:spPr>
           <a:xfrm>
-            <a:off x="5440680" y="6190488"/>
-            <a:ext cx="3886200" cy="146304"/>
+            <a:off x="5440680" y="5550407"/>
+            <a:ext cx="3886200" cy="128016"/>
           </a:xfrm>
           <a:prstGeom prst="rect">
             <a:avLst/>
@@ -18668,8 +18668,8 @@
         </p:nvSpPr>
         <p:spPr>
           <a:xfrm>
-            <a:off x="5303520" y="6364224"/>
-            <a:ext cx="109728" cy="146304"/>
+            <a:off x="5303520" y="5678423"/>
+            <a:ext cx="109728" cy="128016"/>
           </a:xfrm>
           <a:prstGeom prst="rect">
             <a:avLst/>
@@ -18704,8 +18704,8 @@
         </p:nvSpPr>
         <p:spPr>
           <a:xfrm>
-            <a:off x="5440680" y="6364224"/>
-            <a:ext cx="3886200" cy="146304"/>
+            <a:off x="5440680" y="5678423"/>
+            <a:ext cx="3886200" cy="128016"/>
           </a:xfrm>
           <a:prstGeom prst="rect">
             <a:avLst/>
@@ -18740,8 +18740,8 @@
         </p:nvSpPr>
         <p:spPr>
           <a:xfrm>
-            <a:off x="5303520" y="6537960"/>
-            <a:ext cx="109728" cy="146304"/>
+            <a:off x="5303520" y="5806439"/>
+            <a:ext cx="109728" cy="128016"/>
           </a:xfrm>
           <a:prstGeom prst="rect">
             <a:avLst/>
@@ -18776,8 +18776,8 @@
         </p:nvSpPr>
         <p:spPr>
           <a:xfrm>
-            <a:off x="5440680" y="6537960"/>
-            <a:ext cx="3886200" cy="146304"/>
+            <a:off x="5440680" y="5806439"/>
+            <a:ext cx="3886200" cy="128016"/>
           </a:xfrm>
           <a:prstGeom prst="rect">
             <a:avLst/>
@@ -18812,8 +18812,8 @@
         </p:nvSpPr>
         <p:spPr>
           <a:xfrm>
-            <a:off x="5303520" y="6711696"/>
-            <a:ext cx="109728" cy="146304"/>
+            <a:off x="5303520" y="5934455"/>
+            <a:ext cx="109728" cy="128016"/>
           </a:xfrm>
           <a:prstGeom prst="rect">
             <a:avLst/>
@@ -18848,8 +18848,8 @@
         </p:nvSpPr>
         <p:spPr>
           <a:xfrm>
-            <a:off x="5440680" y="6711696"/>
-            <a:ext cx="3886200" cy="146304"/>
+            <a:off x="5440680" y="5934455"/>
+            <a:ext cx="3886200" cy="128016"/>
           </a:xfrm>
           <a:prstGeom prst="rect">
             <a:avLst/>
@@ -18884,8 +18884,8 @@
         </p:nvSpPr>
         <p:spPr>
           <a:xfrm>
-            <a:off x="5303520" y="6885432"/>
-            <a:ext cx="109728" cy="146304"/>
+            <a:off x="5303520" y="6062471"/>
+            <a:ext cx="109728" cy="128016"/>
           </a:xfrm>
           <a:prstGeom prst="rect">
             <a:avLst/>
@@ -18920,8 +18920,8 @@
         </p:nvSpPr>
         <p:spPr>
           <a:xfrm>
-            <a:off x="5440680" y="6885432"/>
-            <a:ext cx="3886200" cy="146304"/>
+            <a:off x="5440680" y="6062471"/>
+            <a:ext cx="3886200" cy="128016"/>
           </a:xfrm>
           <a:prstGeom prst="rect">
             <a:avLst/>
@@ -19199,7 +19199,7 @@
         </p:nvSpPr>
         <p:spPr>
           <a:xfrm>
-            <a:off x="731520" y="2560320"/>
+            <a:off x="731520" y="2514600"/>
             <a:ext cx="4206240" cy="256032"/>
           </a:xfrm>
           <a:prstGeom prst="rect">
@@ -19244,7 +19244,7 @@
         </p:nvSpPr>
         <p:spPr>
           <a:xfrm>
-            <a:off x="822960" y="2587752"/>
+            <a:off x="822960" y="2542032"/>
             <a:ext cx="4023359" cy="201168"/>
           </a:xfrm>
           <a:prstGeom prst="rect">
@@ -19280,8 +19280,8 @@
         </p:nvSpPr>
         <p:spPr>
           <a:xfrm>
-            <a:off x="822960" y="2907792"/>
-            <a:ext cx="109728" cy="146304"/>
+            <a:off x="822960" y="2788920"/>
+            <a:ext cx="109728" cy="128016"/>
           </a:xfrm>
           <a:prstGeom prst="rect">
             <a:avLst/>
@@ -19316,8 +19316,8 @@
         </p:nvSpPr>
         <p:spPr>
           <a:xfrm>
-            <a:off x="960120" y="2907792"/>
-            <a:ext cx="3886200" cy="146304"/>
+            <a:off x="960120" y="2788920"/>
+            <a:ext cx="3886200" cy="128016"/>
           </a:xfrm>
           <a:prstGeom prst="rect">
             <a:avLst/>
@@ -19352,8 +19352,8 @@
         </p:nvSpPr>
         <p:spPr>
           <a:xfrm>
-            <a:off x="822960" y="3081528"/>
-            <a:ext cx="109728" cy="146304"/>
+            <a:off x="822960" y="2916936"/>
+            <a:ext cx="109728" cy="128016"/>
           </a:xfrm>
           <a:prstGeom prst="rect">
             <a:avLst/>
@@ -19388,8 +19388,8 @@
         </p:nvSpPr>
         <p:spPr>
           <a:xfrm>
-            <a:off x="960120" y="3081528"/>
-            <a:ext cx="3886200" cy="146304"/>
+            <a:off x="960120" y="2916936"/>
+            <a:ext cx="3886200" cy="128016"/>
           </a:xfrm>
           <a:prstGeom prst="rect">
             <a:avLst/>
@@ -19424,8 +19424,8 @@
         </p:nvSpPr>
         <p:spPr>
           <a:xfrm>
-            <a:off x="822960" y="3255264"/>
-            <a:ext cx="109728" cy="146304"/>
+            <a:off x="822960" y="3044952"/>
+            <a:ext cx="109728" cy="128016"/>
           </a:xfrm>
           <a:prstGeom prst="rect">
             <a:avLst/>
@@ -19460,8 +19460,8 @@
         </p:nvSpPr>
         <p:spPr>
           <a:xfrm>
-            <a:off x="960120" y="3255264"/>
-            <a:ext cx="3886200" cy="146304"/>
+            <a:off x="960120" y="3044952"/>
+            <a:ext cx="3886200" cy="128016"/>
           </a:xfrm>
           <a:prstGeom prst="rect">
             <a:avLst/>
@@ -19496,8 +19496,152 @@
         </p:nvSpPr>
         <p:spPr>
           <a:xfrm>
+            <a:off x="822960" y="3172968"/>
+            <a:ext cx="109728" cy="128016"/>
+          </a:xfrm>
+          <a:prstGeom prst="rect">
+            <a:avLst/>
+          </a:prstGeom>
+          <a:noFill/>
+        </p:spPr>
+        <p:txBody>
+          <a:bodyPr wrap="square">
+            <a:spAutoFit/>
+          </a:bodyPr>
+          <a:lstStyle/>
+          <a:p>
+            <a:pPr algn="l">
+              <a:defRPr sz="800" b="0">
+                <a:solidFill>
+                  <a:srgbClr val="333333"/>
+                </a:solidFill>
+                <a:latin typeface="맑은 고딕"/>
+              </a:defRPr>
+            </a:pPr>
+            <a:r>
+              <a:t>•</a:t>
+            </a:r>
+          </a:p>
+        </p:txBody>
+      </p:sp>
+      <p:sp>
+        <p:nvSpPr>
+          <p:cNvPr id="17" name="TextBox 16"/>
+          <p:cNvSpPr txBox="1"/>
+          <p:nvPr/>
+        </p:nvSpPr>
+        <p:spPr>
+          <a:xfrm>
+            <a:off x="960120" y="3172968"/>
+            <a:ext cx="3886200" cy="128016"/>
+          </a:xfrm>
+          <a:prstGeom prst="rect">
+            <a:avLst/>
+          </a:prstGeom>
+          <a:noFill/>
+        </p:spPr>
+        <p:txBody>
+          <a:bodyPr wrap="square">
+            <a:spAutoFit/>
+          </a:bodyPr>
+          <a:lstStyle/>
+          <a:p>
+            <a:pPr algn="l">
+              <a:defRPr sz="800" b="0">
+                <a:solidFill>
+                  <a:srgbClr val="333333"/>
+                </a:solidFill>
+                <a:latin typeface="맑은 고딕"/>
+              </a:defRPr>
+            </a:pPr>
+            <a:r>
+              <a:t>리드타임: 매우 긴 편 (8-24주)</a:t>
+            </a:r>
+          </a:p>
+        </p:txBody>
+      </p:sp>
+      <p:sp>
+        <p:nvSpPr>
+          <p:cNvPr id="18" name="TextBox 17"/>
+          <p:cNvSpPr txBox="1"/>
+          <p:nvPr/>
+        </p:nvSpPr>
+        <p:spPr>
+          <a:xfrm>
+            <a:off x="822960" y="3300984"/>
+            <a:ext cx="109728" cy="128016"/>
+          </a:xfrm>
+          <a:prstGeom prst="rect">
+            <a:avLst/>
+          </a:prstGeom>
+          <a:noFill/>
+        </p:spPr>
+        <p:txBody>
+          <a:bodyPr wrap="square">
+            <a:spAutoFit/>
+          </a:bodyPr>
+          <a:lstStyle/>
+          <a:p>
+            <a:pPr algn="l">
+              <a:defRPr sz="800" b="0">
+                <a:solidFill>
+                  <a:srgbClr val="333333"/>
+                </a:solidFill>
+                <a:latin typeface="맑은 고딕"/>
+              </a:defRPr>
+            </a:pPr>
+            <a:r>
+              <a:t>•</a:t>
+            </a:r>
+          </a:p>
+        </p:txBody>
+      </p:sp>
+      <p:sp>
+        <p:nvSpPr>
+          <p:cNvPr id="19" name="TextBox 18"/>
+          <p:cNvSpPr txBox="1"/>
+          <p:nvPr/>
+        </p:nvSpPr>
+        <p:spPr>
+          <a:xfrm>
+            <a:off x="960120" y="3300984"/>
+            <a:ext cx="3886200" cy="128016"/>
+          </a:xfrm>
+          <a:prstGeom prst="rect">
+            <a:avLst/>
+          </a:prstGeom>
+          <a:noFill/>
+        </p:spPr>
+        <p:txBody>
+          <a:bodyPr wrap="square">
+            <a:spAutoFit/>
+          </a:bodyPr>
+          <a:lstStyle/>
+          <a:p>
+            <a:pPr algn="l">
+              <a:defRPr sz="800" b="0">
+                <a:solidFill>
+                  <a:srgbClr val="333333"/>
+                </a:solidFill>
+                <a:latin typeface="맑은 고딕"/>
+              </a:defRPr>
+            </a:pPr>
+            <a:r>
+              <a:t>시장 특성: 과점, 기술 집약적</a:t>
+            </a:r>
+          </a:p>
+        </p:txBody>
+      </p:sp>
+      <p:sp>
+        <p:nvSpPr>
+          <p:cNvPr id="20" name="TextBox 19"/>
+          <p:cNvSpPr txBox="1"/>
+          <p:nvPr/>
+        </p:nvSpPr>
+        <p:spPr>
+          <a:xfrm>
             <a:off x="822960" y="3429000"/>
-            <a:ext cx="109728" cy="146304"/>
+            <a:ext cx="109728" cy="128016"/>
           </a:xfrm>
           <a:prstGeom prst="rect">
             <a:avLst/>
@@ -19526,158 +19670,14 @@
       </p:sp>
       <p:sp>
         <p:nvSpPr>
-          <p:cNvPr id="17" name="TextBox 16"/>
+          <p:cNvPr id="21" name="TextBox 20"/>
           <p:cNvSpPr txBox="1"/>
           <p:nvPr/>
         </p:nvSpPr>
         <p:spPr>
           <a:xfrm>
             <a:off x="960120" y="3429000"/>
-            <a:ext cx="3886200" cy="146304"/>
-          </a:xfrm>
-          <a:prstGeom prst="rect">
-            <a:avLst/>
-          </a:prstGeom>
-          <a:noFill/>
-        </p:spPr>
-        <p:txBody>
-          <a:bodyPr wrap="square">
-            <a:spAutoFit/>
-          </a:bodyPr>
-          <a:lstStyle/>
-          <a:p>
-            <a:pPr algn="l">
-              <a:defRPr sz="800" b="0">
-                <a:solidFill>
-                  <a:srgbClr val="333333"/>
-                </a:solidFill>
-                <a:latin typeface="맑은 고딕"/>
-              </a:defRPr>
-            </a:pPr>
-            <a:r>
-              <a:t>리드타임: 매우 긴 편 (8-24주)</a:t>
-            </a:r>
-          </a:p>
-        </p:txBody>
-      </p:sp>
-      <p:sp>
-        <p:nvSpPr>
-          <p:cNvPr id="18" name="TextBox 17"/>
-          <p:cNvSpPr txBox="1"/>
-          <p:nvPr/>
-        </p:nvSpPr>
-        <p:spPr>
-          <a:xfrm>
-            <a:off x="822960" y="3602736"/>
-            <a:ext cx="109728" cy="146304"/>
-          </a:xfrm>
-          <a:prstGeom prst="rect">
-            <a:avLst/>
-          </a:prstGeom>
-          <a:noFill/>
-        </p:spPr>
-        <p:txBody>
-          <a:bodyPr wrap="square">
-            <a:spAutoFit/>
-          </a:bodyPr>
-          <a:lstStyle/>
-          <a:p>
-            <a:pPr algn="l">
-              <a:defRPr sz="800" b="0">
-                <a:solidFill>
-                  <a:srgbClr val="333333"/>
-                </a:solidFill>
-                <a:latin typeface="맑은 고딕"/>
-              </a:defRPr>
-            </a:pPr>
-            <a:r>
-              <a:t>•</a:t>
-            </a:r>
-          </a:p>
-        </p:txBody>
-      </p:sp>
-      <p:sp>
-        <p:nvSpPr>
-          <p:cNvPr id="19" name="TextBox 18"/>
-          <p:cNvSpPr txBox="1"/>
-          <p:nvPr/>
-        </p:nvSpPr>
-        <p:spPr>
-          <a:xfrm>
-            <a:off x="960120" y="3602736"/>
-            <a:ext cx="3886200" cy="146304"/>
-          </a:xfrm>
-          <a:prstGeom prst="rect">
-            <a:avLst/>
-          </a:prstGeom>
-          <a:noFill/>
-        </p:spPr>
-        <p:txBody>
-          <a:bodyPr wrap="square">
-            <a:spAutoFit/>
-          </a:bodyPr>
-          <a:lstStyle/>
-          <a:p>
-            <a:pPr algn="l">
-              <a:defRPr sz="800" b="0">
-                <a:solidFill>
-                  <a:srgbClr val="333333"/>
-                </a:solidFill>
-                <a:latin typeface="맑은 고딕"/>
-              </a:defRPr>
-            </a:pPr>
-            <a:r>
-              <a:t>시장 특성: 과점, 기술 집약적</a:t>
-            </a:r>
-          </a:p>
-        </p:txBody>
-      </p:sp>
-      <p:sp>
-        <p:nvSpPr>
-          <p:cNvPr id="20" name="TextBox 19"/>
-          <p:cNvSpPr txBox="1"/>
-          <p:nvPr/>
-        </p:nvSpPr>
-        <p:spPr>
-          <a:xfrm>
-            <a:off x="822960" y="3776472"/>
-            <a:ext cx="109728" cy="146304"/>
-          </a:xfrm>
-          <a:prstGeom prst="rect">
-            <a:avLst/>
-          </a:prstGeom>
-          <a:noFill/>
-        </p:spPr>
-        <p:txBody>
-          <a:bodyPr wrap="square">
-            <a:spAutoFit/>
-          </a:bodyPr>
-          <a:lstStyle/>
-          <a:p>
-            <a:pPr algn="l">
-              <a:defRPr sz="800" b="0">
-                <a:solidFill>
-                  <a:srgbClr val="333333"/>
-                </a:solidFill>
-                <a:latin typeface="맑은 고딕"/>
-              </a:defRPr>
-            </a:pPr>
-            <a:r>
-              <a:t>•</a:t>
-            </a:r>
-          </a:p>
-        </p:txBody>
-      </p:sp>
-      <p:sp>
-        <p:nvSpPr>
-          <p:cNvPr id="21" name="TextBox 20"/>
-          <p:cNvSpPr txBox="1"/>
-          <p:nvPr/>
-        </p:nvSpPr>
-        <p:spPr>
-          <a:xfrm>
-            <a:off x="960120" y="3776472"/>
-            <a:ext cx="3886200" cy="146304"/>
+            <a:ext cx="3886200" cy="128016"/>
           </a:xfrm>
           <a:prstGeom prst="rect">
             <a:avLst/>
@@ -19712,7 +19712,7 @@
         </p:nvSpPr>
         <p:spPr>
           <a:xfrm>
-            <a:off x="731520" y="4059936"/>
+            <a:off x="731520" y="3630168"/>
             <a:ext cx="4206240" cy="256032"/>
           </a:xfrm>
           <a:prstGeom prst="rect">
@@ -19757,7 +19757,7 @@
         </p:nvSpPr>
         <p:spPr>
           <a:xfrm>
-            <a:off x="822960" y="4087368"/>
+            <a:off x="822960" y="3657600"/>
             <a:ext cx="4023359" cy="201168"/>
           </a:xfrm>
           <a:prstGeom prst="rect">
@@ -19793,8 +19793,8 @@
         </p:nvSpPr>
         <p:spPr>
           <a:xfrm>
-            <a:off x="822960" y="4407408"/>
-            <a:ext cx="109728" cy="146304"/>
+            <a:off x="822960" y="3904488"/>
+            <a:ext cx="109728" cy="128016"/>
           </a:xfrm>
           <a:prstGeom prst="rect">
             <a:avLst/>
@@ -19829,8 +19829,8 @@
         </p:nvSpPr>
         <p:spPr>
           <a:xfrm>
-            <a:off x="960120" y="4407408"/>
-            <a:ext cx="3886200" cy="146304"/>
+            <a:off x="960120" y="3904488"/>
+            <a:ext cx="3886200" cy="128016"/>
           </a:xfrm>
           <a:prstGeom prst="rect">
             <a:avLst/>
@@ -19865,8 +19865,8 @@
         </p:nvSpPr>
         <p:spPr>
           <a:xfrm>
-            <a:off x="822960" y="4581144"/>
-            <a:ext cx="109728" cy="146304"/>
+            <a:off x="822960" y="4032504"/>
+            <a:ext cx="109728" cy="128016"/>
           </a:xfrm>
           <a:prstGeom prst="rect">
             <a:avLst/>
@@ -19901,8 +19901,8 @@
         </p:nvSpPr>
         <p:spPr>
           <a:xfrm>
-            <a:off x="960120" y="4581144"/>
-            <a:ext cx="3886200" cy="146304"/>
+            <a:off x="960120" y="4032504"/>
+            <a:ext cx="3886200" cy="128016"/>
           </a:xfrm>
           <a:prstGeom prst="rect">
             <a:avLst/>
@@ -19937,8 +19937,8 @@
         </p:nvSpPr>
         <p:spPr>
           <a:xfrm>
-            <a:off x="822960" y="4754880"/>
-            <a:ext cx="109728" cy="146304"/>
+            <a:off x="822960" y="4160520"/>
+            <a:ext cx="109728" cy="128016"/>
           </a:xfrm>
           <a:prstGeom prst="rect">
             <a:avLst/>
@@ -19973,8 +19973,8 @@
         </p:nvSpPr>
         <p:spPr>
           <a:xfrm>
-            <a:off x="960120" y="4754880"/>
-            <a:ext cx="3886200" cy="146304"/>
+            <a:off x="960120" y="4160520"/>
+            <a:ext cx="3886200" cy="128016"/>
           </a:xfrm>
           <a:prstGeom prst="rect">
             <a:avLst/>
@@ -20009,8 +20009,8 @@
         </p:nvSpPr>
         <p:spPr>
           <a:xfrm>
-            <a:off x="822960" y="4928616"/>
-            <a:ext cx="109728" cy="146304"/>
+            <a:off x="822960" y="4288536"/>
+            <a:ext cx="109728" cy="128016"/>
           </a:xfrm>
           <a:prstGeom prst="rect">
             <a:avLst/>
@@ -20045,8 +20045,8 @@
         </p:nvSpPr>
         <p:spPr>
           <a:xfrm>
-            <a:off x="960120" y="4928616"/>
-            <a:ext cx="3886200" cy="146304"/>
+            <a:off x="960120" y="4288536"/>
+            <a:ext cx="3886200" cy="128016"/>
           </a:xfrm>
           <a:prstGeom prst="rect">
             <a:avLst/>
@@ -20081,8 +20081,8 @@
         </p:nvSpPr>
         <p:spPr>
           <a:xfrm>
-            <a:off x="822960" y="5102352"/>
-            <a:ext cx="109728" cy="146304"/>
+            <a:off x="822960" y="4416551"/>
+            <a:ext cx="109728" cy="128016"/>
           </a:xfrm>
           <a:prstGeom prst="rect">
             <a:avLst/>
@@ -20117,8 +20117,8 @@
         </p:nvSpPr>
         <p:spPr>
           <a:xfrm>
-            <a:off x="960120" y="5102352"/>
-            <a:ext cx="3886200" cy="146304"/>
+            <a:off x="960120" y="4416551"/>
+            <a:ext cx="3886200" cy="128016"/>
           </a:xfrm>
           <a:prstGeom prst="rect">
             <a:avLst/>
@@ -20153,8 +20153,8 @@
         </p:nvSpPr>
         <p:spPr>
           <a:xfrm>
-            <a:off x="822960" y="5276088"/>
-            <a:ext cx="109728" cy="146304"/>
+            <a:off x="822960" y="4544567"/>
+            <a:ext cx="109728" cy="128016"/>
           </a:xfrm>
           <a:prstGeom prst="rect">
             <a:avLst/>
@@ -20189,8 +20189,8 @@
         </p:nvSpPr>
         <p:spPr>
           <a:xfrm>
-            <a:off x="960120" y="5276088"/>
-            <a:ext cx="3886200" cy="146304"/>
+            <a:off x="960120" y="4544567"/>
+            <a:ext cx="3886200" cy="128016"/>
           </a:xfrm>
           <a:prstGeom prst="rect">
             <a:avLst/>
@@ -20225,8 +20225,8 @@
         </p:nvSpPr>
         <p:spPr>
           <a:xfrm>
-            <a:off x="822960" y="5449824"/>
-            <a:ext cx="109728" cy="146304"/>
+            <a:off x="822960" y="4672583"/>
+            <a:ext cx="109728" cy="128016"/>
           </a:xfrm>
           <a:prstGeom prst="rect">
             <a:avLst/>
@@ -20261,8 +20261,8 @@
         </p:nvSpPr>
         <p:spPr>
           <a:xfrm>
-            <a:off x="960120" y="5449824"/>
-            <a:ext cx="3886200" cy="146304"/>
+            <a:off x="960120" y="4672583"/>
+            <a:ext cx="3886200" cy="128016"/>
           </a:xfrm>
           <a:prstGeom prst="rect">
             <a:avLst/>
@@ -20297,8 +20297,8 @@
         </p:nvSpPr>
         <p:spPr>
           <a:xfrm>
-            <a:off x="822960" y="5623560"/>
-            <a:ext cx="109728" cy="146304"/>
+            <a:off x="822960" y="4800599"/>
+            <a:ext cx="109728" cy="128016"/>
           </a:xfrm>
           <a:prstGeom prst="rect">
             <a:avLst/>
@@ -20333,8 +20333,8 @@
         </p:nvSpPr>
         <p:spPr>
           <a:xfrm>
-            <a:off x="960120" y="5623560"/>
-            <a:ext cx="3886200" cy="146304"/>
+            <a:off x="960120" y="4800599"/>
+            <a:ext cx="3886200" cy="128016"/>
           </a:xfrm>
           <a:prstGeom prst="rect">
             <a:avLst/>
@@ -20369,7 +20369,7 @@
         </p:nvSpPr>
         <p:spPr>
           <a:xfrm>
-            <a:off x="731520" y="5907024"/>
+            <a:off x="731520" y="5001767"/>
             <a:ext cx="4206240" cy="256032"/>
           </a:xfrm>
           <a:prstGeom prst="rect">
@@ -20414,7 +20414,7 @@
         </p:nvSpPr>
         <p:spPr>
           <a:xfrm>
-            <a:off x="822960" y="5934456"/>
+            <a:off x="822960" y="5029199"/>
             <a:ext cx="4023359" cy="201168"/>
           </a:xfrm>
           <a:prstGeom prst="rect">
@@ -20450,8 +20450,8 @@
         </p:nvSpPr>
         <p:spPr>
           <a:xfrm>
-            <a:off x="822960" y="6254496"/>
-            <a:ext cx="109728" cy="146304"/>
+            <a:off x="822960" y="5276087"/>
+            <a:ext cx="109728" cy="128016"/>
           </a:xfrm>
           <a:prstGeom prst="rect">
             <a:avLst/>
@@ -20486,8 +20486,8 @@
         </p:nvSpPr>
         <p:spPr>
           <a:xfrm>
-            <a:off x="960120" y="6254496"/>
-            <a:ext cx="3886200" cy="146304"/>
+            <a:off x="960120" y="5276087"/>
+            <a:ext cx="3886200" cy="128016"/>
           </a:xfrm>
           <a:prstGeom prst="rect">
             <a:avLst/>
@@ -20522,8 +20522,8 @@
         </p:nvSpPr>
         <p:spPr>
           <a:xfrm>
-            <a:off x="822960" y="6428232"/>
-            <a:ext cx="109728" cy="146304"/>
+            <a:off x="822960" y="5404103"/>
+            <a:ext cx="109728" cy="128016"/>
           </a:xfrm>
           <a:prstGeom prst="rect">
             <a:avLst/>
@@ -20558,8 +20558,8 @@
         </p:nvSpPr>
         <p:spPr>
           <a:xfrm>
-            <a:off x="960120" y="6428232"/>
-            <a:ext cx="3886200" cy="146304"/>
+            <a:off x="960120" y="5404103"/>
+            <a:ext cx="3886200" cy="128016"/>
           </a:xfrm>
           <a:prstGeom prst="rect">
             <a:avLst/>
@@ -20594,8 +20594,8 @@
         </p:nvSpPr>
         <p:spPr>
           <a:xfrm>
-            <a:off x="822960" y="6601968"/>
-            <a:ext cx="109728" cy="146304"/>
+            <a:off x="822960" y="5532119"/>
+            <a:ext cx="109728" cy="128016"/>
           </a:xfrm>
           <a:prstGeom prst="rect">
             <a:avLst/>
@@ -20630,8 +20630,8 @@
         </p:nvSpPr>
         <p:spPr>
           <a:xfrm>
-            <a:off x="960120" y="6601968"/>
-            <a:ext cx="3886200" cy="146304"/>
+            <a:off x="960120" y="5532119"/>
+            <a:ext cx="3886200" cy="128016"/>
           </a:xfrm>
           <a:prstGeom prst="rect">
             <a:avLst/>
@@ -20666,8 +20666,8 @@
         </p:nvSpPr>
         <p:spPr>
           <a:xfrm>
-            <a:off x="822960" y="6775704"/>
-            <a:ext cx="109728" cy="146304"/>
+            <a:off x="822960" y="5660135"/>
+            <a:ext cx="109728" cy="128016"/>
           </a:xfrm>
           <a:prstGeom prst="rect">
             <a:avLst/>
@@ -20702,8 +20702,8 @@
         </p:nvSpPr>
         <p:spPr>
           <a:xfrm>
-            <a:off x="960120" y="6775704"/>
-            <a:ext cx="3886200" cy="146304"/>
+            <a:off x="960120" y="5660135"/>
+            <a:ext cx="3886200" cy="128016"/>
           </a:xfrm>
           <a:prstGeom prst="rect">
             <a:avLst/>
@@ -20738,8 +20738,8 @@
         </p:nvSpPr>
         <p:spPr>
           <a:xfrm>
-            <a:off x="822960" y="6949440"/>
-            <a:ext cx="109728" cy="146304"/>
+            <a:off x="822960" y="5788151"/>
+            <a:ext cx="109728" cy="128016"/>
           </a:xfrm>
           <a:prstGeom prst="rect">
             <a:avLst/>
@@ -20774,8 +20774,8 @@
         </p:nvSpPr>
         <p:spPr>
           <a:xfrm>
-            <a:off x="960120" y="6949440"/>
-            <a:ext cx="3886200" cy="146304"/>
+            <a:off x="960120" y="5788151"/>
+            <a:ext cx="3886200" cy="128016"/>
           </a:xfrm>
           <a:prstGeom prst="rect">
             <a:avLst/>
@@ -20810,8 +20810,8 @@
         </p:nvSpPr>
         <p:spPr>
           <a:xfrm>
-            <a:off x="822960" y="7123176"/>
-            <a:ext cx="109728" cy="146304"/>
+            <a:off x="822960" y="5916167"/>
+            <a:ext cx="109728" cy="128016"/>
           </a:xfrm>
           <a:prstGeom prst="rect">
             <a:avLst/>
@@ -20846,8 +20846,8 @@
         </p:nvSpPr>
         <p:spPr>
           <a:xfrm>
-            <a:off x="960120" y="7123176"/>
-            <a:ext cx="3886200" cy="146304"/>
+            <a:off x="960120" y="5916167"/>
+            <a:ext cx="3886200" cy="128016"/>
           </a:xfrm>
           <a:prstGeom prst="rect">
             <a:avLst/>
@@ -20882,7 +20882,7 @@
         </p:nvSpPr>
         <p:spPr>
           <a:xfrm>
-            <a:off x="5212080" y="2560320"/>
+            <a:off x="5212080" y="2514600"/>
             <a:ext cx="4206240" cy="256032"/>
           </a:xfrm>
           <a:prstGeom prst="rect">
@@ -20927,7 +20927,7 @@
         </p:nvSpPr>
         <p:spPr>
           <a:xfrm>
-            <a:off x="5303520" y="2587752"/>
+            <a:off x="5303520" y="2542032"/>
             <a:ext cx="4023359" cy="201168"/>
           </a:xfrm>
           <a:prstGeom prst="rect">
@@ -20963,8 +20963,8 @@
         </p:nvSpPr>
         <p:spPr>
           <a:xfrm>
-            <a:off x="5303520" y="2907792"/>
-            <a:ext cx="4023359" cy="457200"/>
+            <a:off x="5303520" y="2788920"/>
+            <a:ext cx="4023359" cy="411480"/>
           </a:xfrm>
           <a:prstGeom prst="rect">
             <a:avLst/>
@@ -21008,8 +21008,8 @@
         </p:nvSpPr>
         <p:spPr>
           <a:xfrm>
-            <a:off x="5349240" y="2953512"/>
-            <a:ext cx="3931920" cy="146304"/>
+            <a:off x="5349240" y="2825496"/>
+            <a:ext cx="3931920" cy="128016"/>
           </a:xfrm>
           <a:prstGeom prst="rect">
             <a:avLst/>
@@ -21044,8 +21044,8 @@
         </p:nvSpPr>
         <p:spPr>
           <a:xfrm>
-            <a:off x="5349240" y="3127248"/>
-            <a:ext cx="3931920" cy="201168"/>
+            <a:off x="5349240" y="2980944"/>
+            <a:ext cx="3931920" cy="182880"/>
           </a:xfrm>
           <a:prstGeom prst="rect">
             <a:avLst/>
@@ -21080,8 +21080,8 @@
         </p:nvSpPr>
         <p:spPr>
           <a:xfrm>
-            <a:off x="5303520" y="3438144"/>
-            <a:ext cx="4023359" cy="457200"/>
+            <a:off x="5303520" y="3246120"/>
+            <a:ext cx="4023359" cy="411480"/>
           </a:xfrm>
           <a:prstGeom prst="rect">
             <a:avLst/>
@@ -21125,8 +21125,8 @@
         </p:nvSpPr>
         <p:spPr>
           <a:xfrm>
-            <a:off x="5349240" y="3483864"/>
-            <a:ext cx="3931920" cy="146304"/>
+            <a:off x="5349240" y="3282696"/>
+            <a:ext cx="3931920" cy="128016"/>
           </a:xfrm>
           <a:prstGeom prst="rect">
             <a:avLst/>
@@ -21161,8 +21161,8 @@
         </p:nvSpPr>
         <p:spPr>
           <a:xfrm>
-            <a:off x="5349240" y="3657600"/>
-            <a:ext cx="3931920" cy="201168"/>
+            <a:off x="5349240" y="3438144"/>
+            <a:ext cx="3931920" cy="182880"/>
           </a:xfrm>
           <a:prstGeom prst="rect">
             <a:avLst/>
@@ -21197,8 +21197,8 @@
         </p:nvSpPr>
         <p:spPr>
           <a:xfrm>
-            <a:off x="5303520" y="3968496"/>
-            <a:ext cx="4023359" cy="457200"/>
+            <a:off x="5303520" y="3703320"/>
+            <a:ext cx="4023359" cy="411480"/>
           </a:xfrm>
           <a:prstGeom prst="rect">
             <a:avLst/>
@@ -21242,8 +21242,8 @@
         </p:nvSpPr>
         <p:spPr>
           <a:xfrm>
-            <a:off x="5349240" y="4014215"/>
-            <a:ext cx="3931920" cy="146304"/>
+            <a:off x="5349240" y="3739896"/>
+            <a:ext cx="3931920" cy="128016"/>
           </a:xfrm>
           <a:prstGeom prst="rect">
             <a:avLst/>
@@ -21278,8 +21278,8 @@
         </p:nvSpPr>
         <p:spPr>
           <a:xfrm>
-            <a:off x="5349240" y="4187952"/>
-            <a:ext cx="3931920" cy="201168"/>
+            <a:off x="5349240" y="3895344"/>
+            <a:ext cx="3931920" cy="182880"/>
           </a:xfrm>
           <a:prstGeom prst="rect">
             <a:avLst/>
@@ -21314,8 +21314,8 @@
         </p:nvSpPr>
         <p:spPr>
           <a:xfrm>
-            <a:off x="5303520" y="4498848"/>
-            <a:ext cx="4023359" cy="457200"/>
+            <a:off x="5303520" y="4160520"/>
+            <a:ext cx="4023359" cy="411480"/>
           </a:xfrm>
           <a:prstGeom prst="rect">
             <a:avLst/>
@@ -21359,8 +21359,8 @@
         </p:nvSpPr>
         <p:spPr>
           <a:xfrm>
-            <a:off x="5349240" y="4544568"/>
-            <a:ext cx="3931920" cy="146304"/>
+            <a:off x="5349240" y="4197096"/>
+            <a:ext cx="3931920" cy="128016"/>
           </a:xfrm>
           <a:prstGeom prst="rect">
             <a:avLst/>
@@ -21395,8 +21395,8 @@
         </p:nvSpPr>
         <p:spPr>
           <a:xfrm>
-            <a:off x="5349240" y="4718304"/>
-            <a:ext cx="3931920" cy="201168"/>
+            <a:off x="5349240" y="4352544"/>
+            <a:ext cx="3931920" cy="182880"/>
           </a:xfrm>
           <a:prstGeom prst="rect">
             <a:avLst/>
@@ -21431,8 +21431,8 @@
         </p:nvSpPr>
         <p:spPr>
           <a:xfrm>
-            <a:off x="5303520" y="5029200"/>
-            <a:ext cx="4023359" cy="457200"/>
+            <a:off x="5303520" y="4617720"/>
+            <a:ext cx="4023359" cy="411480"/>
           </a:xfrm>
           <a:prstGeom prst="rect">
             <a:avLst/>
@@ -21476,8 +21476,8 @@
         </p:nvSpPr>
         <p:spPr>
           <a:xfrm>
-            <a:off x="5349240" y="5074920"/>
-            <a:ext cx="3931920" cy="146304"/>
+            <a:off x="5349240" y="4654296"/>
+            <a:ext cx="3931920" cy="128016"/>
           </a:xfrm>
           <a:prstGeom prst="rect">
             <a:avLst/>
@@ -21512,8 +21512,8 @@
         </p:nvSpPr>
         <p:spPr>
           <a:xfrm>
-            <a:off x="5349240" y="5248656"/>
-            <a:ext cx="3931920" cy="201168"/>
+            <a:off x="5349240" y="4809744"/>
+            <a:ext cx="3931920" cy="182880"/>
           </a:xfrm>
           <a:prstGeom prst="rect">
             <a:avLst/>
@@ -21548,7 +21548,7 @@
         </p:nvSpPr>
         <p:spPr>
           <a:xfrm>
-            <a:off x="5212080" y="5669280"/>
+            <a:off x="5212080" y="5148072"/>
             <a:ext cx="4206240" cy="256032"/>
           </a:xfrm>
           <a:prstGeom prst="rect">
@@ -21593,7 +21593,7 @@
         </p:nvSpPr>
         <p:spPr>
           <a:xfrm>
-            <a:off x="5303520" y="5696712"/>
+            <a:off x="5303520" y="5175504"/>
             <a:ext cx="4023359" cy="201168"/>
           </a:xfrm>
           <a:prstGeom prst="rect">
@@ -21629,8 +21629,8 @@
         </p:nvSpPr>
         <p:spPr>
           <a:xfrm>
-            <a:off x="5303520" y="6016752"/>
-            <a:ext cx="109728" cy="146304"/>
+            <a:off x="5303520" y="5422392"/>
+            <a:ext cx="109728" cy="128016"/>
           </a:xfrm>
           <a:prstGeom prst="rect">
             <a:avLst/>
@@ -21665,8 +21665,8 @@
         </p:nvSpPr>
         <p:spPr>
           <a:xfrm>
-            <a:off x="5440680" y="6016752"/>
-            <a:ext cx="3886200" cy="146304"/>
+            <a:off x="5440680" y="5422392"/>
+            <a:ext cx="3886200" cy="128016"/>
           </a:xfrm>
           <a:prstGeom prst="rect">
             <a:avLst/>
@@ -21701,8 +21701,8 @@
         </p:nvSpPr>
         <p:spPr>
           <a:xfrm>
-            <a:off x="5303520" y="6190488"/>
-            <a:ext cx="109728" cy="146304"/>
+            <a:off x="5303520" y="5550407"/>
+            <a:ext cx="109728" cy="128016"/>
           </a:xfrm>
           <a:prstGeom prst="rect">
             <a:avLst/>
@@ -21737,8 +21737,8 @@
         </p:nvSpPr>
         <p:spPr>
           <a:xfrm>
-            <a:off x="5440680" y="6190488"/>
-            <a:ext cx="3886200" cy="146304"/>
+            <a:off x="5440680" y="5550407"/>
+            <a:ext cx="3886200" cy="128016"/>
           </a:xfrm>
           <a:prstGeom prst="rect">
             <a:avLst/>
@@ -21773,8 +21773,8 @@
         </p:nvSpPr>
         <p:spPr>
           <a:xfrm>
-            <a:off x="5303520" y="6364224"/>
-            <a:ext cx="109728" cy="146304"/>
+            <a:off x="5303520" y="5678423"/>
+            <a:ext cx="109728" cy="128016"/>
           </a:xfrm>
           <a:prstGeom prst="rect">
             <a:avLst/>
@@ -21809,8 +21809,8 @@
         </p:nvSpPr>
         <p:spPr>
           <a:xfrm>
-            <a:off x="5440680" y="6364224"/>
-            <a:ext cx="3886200" cy="146304"/>
+            <a:off x="5440680" y="5678423"/>
+            <a:ext cx="3886200" cy="128016"/>
           </a:xfrm>
           <a:prstGeom prst="rect">
             <a:avLst/>
@@ -21845,8 +21845,8 @@
         </p:nvSpPr>
         <p:spPr>
           <a:xfrm>
-            <a:off x="5303520" y="6537960"/>
-            <a:ext cx="109728" cy="146304"/>
+            <a:off x="5303520" y="5806439"/>
+            <a:ext cx="109728" cy="128016"/>
           </a:xfrm>
           <a:prstGeom prst="rect">
             <a:avLst/>
@@ -21881,8 +21881,8 @@
         </p:nvSpPr>
         <p:spPr>
           <a:xfrm>
-            <a:off x="5440680" y="6537960"/>
-            <a:ext cx="3886200" cy="146304"/>
+            <a:off x="5440680" y="5806439"/>
+            <a:ext cx="3886200" cy="128016"/>
           </a:xfrm>
           <a:prstGeom prst="rect">
             <a:avLst/>
@@ -21917,8 +21917,8 @@
         </p:nvSpPr>
         <p:spPr>
           <a:xfrm>
-            <a:off x="5303520" y="6711696"/>
-            <a:ext cx="109728" cy="146304"/>
+            <a:off x="5303520" y="5934455"/>
+            <a:ext cx="109728" cy="128016"/>
           </a:xfrm>
           <a:prstGeom prst="rect">
             <a:avLst/>
@@ -21953,8 +21953,8 @@
         </p:nvSpPr>
         <p:spPr>
           <a:xfrm>
-            <a:off x="5440680" y="6711696"/>
-            <a:ext cx="3886200" cy="146304"/>
+            <a:off x="5440680" y="5934455"/>
+            <a:ext cx="3886200" cy="128016"/>
           </a:xfrm>
           <a:prstGeom prst="rect">
             <a:avLst/>
@@ -21989,8 +21989,8 @@
         </p:nvSpPr>
         <p:spPr>
           <a:xfrm>
-            <a:off x="5303520" y="6885432"/>
-            <a:ext cx="109728" cy="146304"/>
+            <a:off x="5303520" y="6062471"/>
+            <a:ext cx="109728" cy="128016"/>
           </a:xfrm>
           <a:prstGeom prst="rect">
             <a:avLst/>
@@ -22025,8 +22025,8 @@
         </p:nvSpPr>
         <p:spPr>
           <a:xfrm>
-            <a:off x="5440680" y="6885432"/>
-            <a:ext cx="3886200" cy="146304"/>
+            <a:off x="5440680" y="6062471"/>
+            <a:ext cx="3886200" cy="128016"/>
           </a:xfrm>
           <a:prstGeom prst="rect">
             <a:avLst/>
@@ -22304,7 +22304,7 @@
         </p:nvSpPr>
         <p:spPr>
           <a:xfrm>
-            <a:off x="731520" y="2560320"/>
+            <a:off x="731520" y="2514600"/>
             <a:ext cx="4206240" cy="256032"/>
           </a:xfrm>
           <a:prstGeom prst="rect">
@@ -22349,7 +22349,7 @@
         </p:nvSpPr>
         <p:spPr>
           <a:xfrm>
-            <a:off x="822960" y="2587752"/>
+            <a:off x="822960" y="2542032"/>
             <a:ext cx="4023359" cy="201168"/>
           </a:xfrm>
           <a:prstGeom prst="rect">
@@ -22385,8 +22385,8 @@
         </p:nvSpPr>
         <p:spPr>
           <a:xfrm>
-            <a:off x="822960" y="2907792"/>
-            <a:ext cx="109728" cy="146304"/>
+            <a:off x="822960" y="2788920"/>
+            <a:ext cx="109728" cy="128016"/>
           </a:xfrm>
           <a:prstGeom prst="rect">
             <a:avLst/>
@@ -22421,8 +22421,8 @@
         </p:nvSpPr>
         <p:spPr>
           <a:xfrm>
-            <a:off x="960120" y="2907792"/>
-            <a:ext cx="3886200" cy="146304"/>
+            <a:off x="960120" y="2788920"/>
+            <a:ext cx="3886200" cy="128016"/>
           </a:xfrm>
           <a:prstGeom prst="rect">
             <a:avLst/>
@@ -22457,8 +22457,8 @@
         </p:nvSpPr>
         <p:spPr>
           <a:xfrm>
-            <a:off x="822960" y="3081528"/>
-            <a:ext cx="109728" cy="146304"/>
+            <a:off x="822960" y="2916936"/>
+            <a:ext cx="109728" cy="128016"/>
           </a:xfrm>
           <a:prstGeom prst="rect">
             <a:avLst/>
@@ -22493,8 +22493,8 @@
         </p:nvSpPr>
         <p:spPr>
           <a:xfrm>
-            <a:off x="960120" y="3081528"/>
-            <a:ext cx="3886200" cy="146304"/>
+            <a:off x="960120" y="2916936"/>
+            <a:ext cx="3886200" cy="128016"/>
           </a:xfrm>
           <a:prstGeom prst="rect">
             <a:avLst/>
@@ -22529,8 +22529,8 @@
         </p:nvSpPr>
         <p:spPr>
           <a:xfrm>
-            <a:off x="822960" y="3255264"/>
-            <a:ext cx="109728" cy="146304"/>
+            <a:off x="822960" y="3044952"/>
+            <a:ext cx="109728" cy="128016"/>
           </a:xfrm>
           <a:prstGeom prst="rect">
             <a:avLst/>
@@ -22565,8 +22565,8 @@
         </p:nvSpPr>
         <p:spPr>
           <a:xfrm>
-            <a:off x="960120" y="3255264"/>
-            <a:ext cx="3886200" cy="146304"/>
+            <a:off x="960120" y="3044952"/>
+            <a:ext cx="3886200" cy="128016"/>
           </a:xfrm>
           <a:prstGeom prst="rect">
             <a:avLst/>
@@ -22601,8 +22601,152 @@
         </p:nvSpPr>
         <p:spPr>
           <a:xfrm>
+            <a:off x="822960" y="3172968"/>
+            <a:ext cx="109728" cy="128016"/>
+          </a:xfrm>
+          <a:prstGeom prst="rect">
+            <a:avLst/>
+          </a:prstGeom>
+          <a:noFill/>
+        </p:spPr>
+        <p:txBody>
+          <a:bodyPr wrap="square">
+            <a:spAutoFit/>
+          </a:bodyPr>
+          <a:lstStyle/>
+          <a:p>
+            <a:pPr algn="l">
+              <a:defRPr sz="800" b="0">
+                <a:solidFill>
+                  <a:srgbClr val="333333"/>
+                </a:solidFill>
+                <a:latin typeface="맑은 고딕"/>
+              </a:defRPr>
+            </a:pPr>
+            <a:r>
+              <a:t>•</a:t>
+            </a:r>
+          </a:p>
+        </p:txBody>
+      </p:sp>
+      <p:sp>
+        <p:nvSpPr>
+          <p:cNvPr id="17" name="TextBox 16"/>
+          <p:cNvSpPr txBox="1"/>
+          <p:nvPr/>
+        </p:nvSpPr>
+        <p:spPr>
+          <a:xfrm>
+            <a:off x="960120" y="3172968"/>
+            <a:ext cx="3886200" cy="128016"/>
+          </a:xfrm>
+          <a:prstGeom prst="rect">
+            <a:avLst/>
+          </a:prstGeom>
+          <a:noFill/>
+        </p:spPr>
+        <p:txBody>
+          <a:bodyPr wrap="square">
+            <a:spAutoFit/>
+          </a:bodyPr>
+          <a:lstStyle/>
+          <a:p>
+            <a:pPr algn="l">
+              <a:defRPr sz="800" b="0">
+                <a:solidFill>
+                  <a:srgbClr val="333333"/>
+                </a:solidFill>
+                <a:latin typeface="맑은 고딕"/>
+              </a:defRPr>
+            </a:pPr>
+            <a:r>
+              <a:t>리드타임: 매우 짧음 (1-2주)</a:t>
+            </a:r>
+          </a:p>
+        </p:txBody>
+      </p:sp>
+      <p:sp>
+        <p:nvSpPr>
+          <p:cNvPr id="18" name="TextBox 17"/>
+          <p:cNvSpPr txBox="1"/>
+          <p:nvPr/>
+        </p:nvSpPr>
+        <p:spPr>
+          <a:xfrm>
+            <a:off x="822960" y="3300984"/>
+            <a:ext cx="109728" cy="128016"/>
+          </a:xfrm>
+          <a:prstGeom prst="rect">
+            <a:avLst/>
+          </a:prstGeom>
+          <a:noFill/>
+        </p:spPr>
+        <p:txBody>
+          <a:bodyPr wrap="square">
+            <a:spAutoFit/>
+          </a:bodyPr>
+          <a:lstStyle/>
+          <a:p>
+            <a:pPr algn="l">
+              <a:defRPr sz="800" b="0">
+                <a:solidFill>
+                  <a:srgbClr val="333333"/>
+                </a:solidFill>
+                <a:latin typeface="맑은 고딕"/>
+              </a:defRPr>
+            </a:pPr>
+            <a:r>
+              <a:t>•</a:t>
+            </a:r>
+          </a:p>
+        </p:txBody>
+      </p:sp>
+      <p:sp>
+        <p:nvSpPr>
+          <p:cNvPr id="19" name="TextBox 18"/>
+          <p:cNvSpPr txBox="1"/>
+          <p:nvPr/>
+        </p:nvSpPr>
+        <p:spPr>
+          <a:xfrm>
+            <a:off x="960120" y="3300984"/>
+            <a:ext cx="3886200" cy="128016"/>
+          </a:xfrm>
+          <a:prstGeom prst="rect">
+            <a:avLst/>
+          </a:prstGeom>
+          <a:noFill/>
+        </p:spPr>
+        <p:txBody>
+          <a:bodyPr wrap="square">
+            <a:spAutoFit/>
+          </a:bodyPr>
+          <a:lstStyle/>
+          <a:p>
+            <a:pPr algn="l">
+              <a:defRPr sz="800" b="0">
+                <a:solidFill>
+                  <a:srgbClr val="333333"/>
+                </a:solidFill>
+                <a:latin typeface="맑은 고딕"/>
+              </a:defRPr>
+            </a:pPr>
+            <a:r>
+              <a:t>시장 특성: 완전 경쟁, 상품화</a:t>
+            </a:r>
+          </a:p>
+        </p:txBody>
+      </p:sp>
+      <p:sp>
+        <p:nvSpPr>
+          <p:cNvPr id="20" name="TextBox 19"/>
+          <p:cNvSpPr txBox="1"/>
+          <p:nvPr/>
+        </p:nvSpPr>
+        <p:spPr>
+          <a:xfrm>
             <a:off x="822960" y="3429000"/>
-            <a:ext cx="109728" cy="146304"/>
+            <a:ext cx="109728" cy="128016"/>
           </a:xfrm>
           <a:prstGeom prst="rect">
             <a:avLst/>
@@ -22631,158 +22775,14 @@
       </p:sp>
       <p:sp>
         <p:nvSpPr>
-          <p:cNvPr id="17" name="TextBox 16"/>
+          <p:cNvPr id="21" name="TextBox 20"/>
           <p:cNvSpPr txBox="1"/>
           <p:nvPr/>
         </p:nvSpPr>
         <p:spPr>
           <a:xfrm>
             <a:off x="960120" y="3429000"/>
-            <a:ext cx="3886200" cy="146304"/>
-          </a:xfrm>
-          <a:prstGeom prst="rect">
-            <a:avLst/>
-          </a:prstGeom>
-          <a:noFill/>
-        </p:spPr>
-        <p:txBody>
-          <a:bodyPr wrap="square">
-            <a:spAutoFit/>
-          </a:bodyPr>
-          <a:lstStyle/>
-          <a:p>
-            <a:pPr algn="l">
-              <a:defRPr sz="800" b="0">
-                <a:solidFill>
-                  <a:srgbClr val="333333"/>
-                </a:solidFill>
-                <a:latin typeface="맑은 고딕"/>
-              </a:defRPr>
-            </a:pPr>
-            <a:r>
-              <a:t>리드타임: 매우 짧음 (1-2주)</a:t>
-            </a:r>
-          </a:p>
-        </p:txBody>
-      </p:sp>
-      <p:sp>
-        <p:nvSpPr>
-          <p:cNvPr id="18" name="TextBox 17"/>
-          <p:cNvSpPr txBox="1"/>
-          <p:nvPr/>
-        </p:nvSpPr>
-        <p:spPr>
-          <a:xfrm>
-            <a:off x="822960" y="3602736"/>
-            <a:ext cx="109728" cy="146304"/>
-          </a:xfrm>
-          <a:prstGeom prst="rect">
-            <a:avLst/>
-          </a:prstGeom>
-          <a:noFill/>
-        </p:spPr>
-        <p:txBody>
-          <a:bodyPr wrap="square">
-            <a:spAutoFit/>
-          </a:bodyPr>
-          <a:lstStyle/>
-          <a:p>
-            <a:pPr algn="l">
-              <a:defRPr sz="800" b="0">
-                <a:solidFill>
-                  <a:srgbClr val="333333"/>
-                </a:solidFill>
-                <a:latin typeface="맑은 고딕"/>
-              </a:defRPr>
-            </a:pPr>
-            <a:r>
-              <a:t>•</a:t>
-            </a:r>
-          </a:p>
-        </p:txBody>
-      </p:sp>
-      <p:sp>
-        <p:nvSpPr>
-          <p:cNvPr id="19" name="TextBox 18"/>
-          <p:cNvSpPr txBox="1"/>
-          <p:nvPr/>
-        </p:nvSpPr>
-        <p:spPr>
-          <a:xfrm>
-            <a:off x="960120" y="3602736"/>
-            <a:ext cx="3886200" cy="146304"/>
-          </a:xfrm>
-          <a:prstGeom prst="rect">
-            <a:avLst/>
-          </a:prstGeom>
-          <a:noFill/>
-        </p:spPr>
-        <p:txBody>
-          <a:bodyPr wrap="square">
-            <a:spAutoFit/>
-          </a:bodyPr>
-          <a:lstStyle/>
-          <a:p>
-            <a:pPr algn="l">
-              <a:defRPr sz="800" b="0">
-                <a:solidFill>
-                  <a:srgbClr val="333333"/>
-                </a:solidFill>
-                <a:latin typeface="맑은 고딕"/>
-              </a:defRPr>
-            </a:pPr>
-            <a:r>
-              <a:t>시장 특성: 완전 경쟁, 상품화</a:t>
-            </a:r>
-          </a:p>
-        </p:txBody>
-      </p:sp>
-      <p:sp>
-        <p:nvSpPr>
-          <p:cNvPr id="20" name="TextBox 19"/>
-          <p:cNvSpPr txBox="1"/>
-          <p:nvPr/>
-        </p:nvSpPr>
-        <p:spPr>
-          <a:xfrm>
-            <a:off x="822960" y="3776472"/>
-            <a:ext cx="109728" cy="146304"/>
-          </a:xfrm>
-          <a:prstGeom prst="rect">
-            <a:avLst/>
-          </a:prstGeom>
-          <a:noFill/>
-        </p:spPr>
-        <p:txBody>
-          <a:bodyPr wrap="square">
-            <a:spAutoFit/>
-          </a:bodyPr>
-          <a:lstStyle/>
-          <a:p>
-            <a:pPr algn="l">
-              <a:defRPr sz="800" b="0">
-                <a:solidFill>
-                  <a:srgbClr val="333333"/>
-                </a:solidFill>
-                <a:latin typeface="맑은 고딕"/>
-              </a:defRPr>
-            </a:pPr>
-            <a:r>
-              <a:t>•</a:t>
-            </a:r>
-          </a:p>
-        </p:txBody>
-      </p:sp>
-      <p:sp>
-        <p:nvSpPr>
-          <p:cNvPr id="21" name="TextBox 20"/>
-          <p:cNvSpPr txBox="1"/>
-          <p:nvPr/>
-        </p:nvSpPr>
-        <p:spPr>
-          <a:xfrm>
-            <a:off x="960120" y="3776472"/>
-            <a:ext cx="3886200" cy="146304"/>
+            <a:ext cx="3886200" cy="128016"/>
           </a:xfrm>
           <a:prstGeom prst="rect">
             <a:avLst/>
@@ -22817,7 +22817,7 @@
         </p:nvSpPr>
         <p:spPr>
           <a:xfrm>
-            <a:off x="731520" y="4059936"/>
+            <a:off x="731520" y="3630168"/>
             <a:ext cx="4206240" cy="256032"/>
           </a:xfrm>
           <a:prstGeom prst="rect">
@@ -22862,7 +22862,7 @@
         </p:nvSpPr>
         <p:spPr>
           <a:xfrm>
-            <a:off x="822960" y="4087368"/>
+            <a:off x="822960" y="3657600"/>
             <a:ext cx="4023359" cy="201168"/>
           </a:xfrm>
           <a:prstGeom prst="rect">
@@ -22898,8 +22898,8 @@
         </p:nvSpPr>
         <p:spPr>
           <a:xfrm>
-            <a:off x="822960" y="4407408"/>
-            <a:ext cx="109728" cy="146304"/>
+            <a:off x="822960" y="3904488"/>
+            <a:ext cx="109728" cy="128016"/>
           </a:xfrm>
           <a:prstGeom prst="rect">
             <a:avLst/>
@@ -22934,8 +22934,8 @@
         </p:nvSpPr>
         <p:spPr>
           <a:xfrm>
-            <a:off x="960120" y="4407408"/>
-            <a:ext cx="3886200" cy="146304"/>
+            <a:off x="960120" y="3904488"/>
+            <a:ext cx="3886200" cy="128016"/>
           </a:xfrm>
           <a:prstGeom prst="rect">
             <a:avLst/>
@@ -22970,8 +22970,8 @@
         </p:nvSpPr>
         <p:spPr>
           <a:xfrm>
-            <a:off x="822960" y="4581144"/>
-            <a:ext cx="109728" cy="146304"/>
+            <a:off x="822960" y="4032504"/>
+            <a:ext cx="109728" cy="128016"/>
           </a:xfrm>
           <a:prstGeom prst="rect">
             <a:avLst/>
@@ -23006,8 +23006,8 @@
         </p:nvSpPr>
         <p:spPr>
           <a:xfrm>
-            <a:off x="960120" y="4581144"/>
-            <a:ext cx="3886200" cy="146304"/>
+            <a:off x="960120" y="4032504"/>
+            <a:ext cx="3886200" cy="128016"/>
           </a:xfrm>
           <a:prstGeom prst="rect">
             <a:avLst/>
@@ -23042,8 +23042,8 @@
         </p:nvSpPr>
         <p:spPr>
           <a:xfrm>
-            <a:off x="822960" y="4754880"/>
-            <a:ext cx="109728" cy="146304"/>
+            <a:off x="822960" y="4160520"/>
+            <a:ext cx="109728" cy="128016"/>
           </a:xfrm>
           <a:prstGeom prst="rect">
             <a:avLst/>
@@ -23078,8 +23078,8 @@
         </p:nvSpPr>
         <p:spPr>
           <a:xfrm>
-            <a:off x="960120" y="4754880"/>
-            <a:ext cx="3886200" cy="146304"/>
+            <a:off x="960120" y="4160520"/>
+            <a:ext cx="3886200" cy="128016"/>
           </a:xfrm>
           <a:prstGeom prst="rect">
             <a:avLst/>
@@ -23114,8 +23114,8 @@
         </p:nvSpPr>
         <p:spPr>
           <a:xfrm>
-            <a:off x="822960" y="4928616"/>
-            <a:ext cx="109728" cy="146304"/>
+            <a:off x="822960" y="4288536"/>
+            <a:ext cx="109728" cy="128016"/>
           </a:xfrm>
           <a:prstGeom prst="rect">
             <a:avLst/>
@@ -23150,8 +23150,8 @@
         </p:nvSpPr>
         <p:spPr>
           <a:xfrm>
-            <a:off x="960120" y="4928616"/>
-            <a:ext cx="3886200" cy="146304"/>
+            <a:off x="960120" y="4288536"/>
+            <a:ext cx="3886200" cy="128016"/>
           </a:xfrm>
           <a:prstGeom prst="rect">
             <a:avLst/>
@@ -23186,8 +23186,8 @@
         </p:nvSpPr>
         <p:spPr>
           <a:xfrm>
-            <a:off x="822960" y="5102352"/>
-            <a:ext cx="109728" cy="146304"/>
+            <a:off x="822960" y="4416551"/>
+            <a:ext cx="109728" cy="128016"/>
           </a:xfrm>
           <a:prstGeom prst="rect">
             <a:avLst/>
@@ -23222,8 +23222,8 @@
         </p:nvSpPr>
         <p:spPr>
           <a:xfrm>
-            <a:off x="960120" y="5102352"/>
-            <a:ext cx="3886200" cy="146304"/>
+            <a:off x="960120" y="4416551"/>
+            <a:ext cx="3886200" cy="128016"/>
           </a:xfrm>
           <a:prstGeom prst="rect">
             <a:avLst/>
@@ -23258,8 +23258,8 @@
         </p:nvSpPr>
         <p:spPr>
           <a:xfrm>
-            <a:off x="822960" y="5276088"/>
-            <a:ext cx="109728" cy="146304"/>
+            <a:off x="822960" y="4544567"/>
+            <a:ext cx="109728" cy="128016"/>
           </a:xfrm>
           <a:prstGeom prst="rect">
             <a:avLst/>
@@ -23294,8 +23294,8 @@
         </p:nvSpPr>
         <p:spPr>
           <a:xfrm>
-            <a:off x="960120" y="5276088"/>
-            <a:ext cx="3886200" cy="146304"/>
+            <a:off x="960120" y="4544567"/>
+            <a:ext cx="3886200" cy="128016"/>
           </a:xfrm>
           <a:prstGeom prst="rect">
             <a:avLst/>
@@ -23330,8 +23330,8 @@
         </p:nvSpPr>
         <p:spPr>
           <a:xfrm>
-            <a:off x="822960" y="5449824"/>
-            <a:ext cx="109728" cy="146304"/>
+            <a:off x="822960" y="4672583"/>
+            <a:ext cx="109728" cy="128016"/>
           </a:xfrm>
           <a:prstGeom prst="rect">
             <a:avLst/>
@@ -23366,8 +23366,8 @@
         </p:nvSpPr>
         <p:spPr>
           <a:xfrm>
-            <a:off x="960120" y="5449824"/>
-            <a:ext cx="3886200" cy="146304"/>
+            <a:off x="960120" y="4672583"/>
+            <a:ext cx="3886200" cy="128016"/>
           </a:xfrm>
           <a:prstGeom prst="rect">
             <a:avLst/>
@@ -23402,8 +23402,8 @@
         </p:nvSpPr>
         <p:spPr>
           <a:xfrm>
-            <a:off x="822960" y="5623560"/>
-            <a:ext cx="109728" cy="146304"/>
+            <a:off x="822960" y="4800599"/>
+            <a:ext cx="109728" cy="128016"/>
           </a:xfrm>
           <a:prstGeom prst="rect">
             <a:avLst/>
@@ -23438,8 +23438,8 @@
         </p:nvSpPr>
         <p:spPr>
           <a:xfrm>
-            <a:off x="960120" y="5623560"/>
-            <a:ext cx="3886200" cy="146304"/>
+            <a:off x="960120" y="4800599"/>
+            <a:ext cx="3886200" cy="128016"/>
           </a:xfrm>
           <a:prstGeom prst="rect">
             <a:avLst/>
@@ -23474,7 +23474,7 @@
         </p:nvSpPr>
         <p:spPr>
           <a:xfrm>
-            <a:off x="731520" y="5907024"/>
+            <a:off x="731520" y="5001767"/>
             <a:ext cx="4206240" cy="256032"/>
           </a:xfrm>
           <a:prstGeom prst="rect">
@@ -23519,7 +23519,7 @@
         </p:nvSpPr>
         <p:spPr>
           <a:xfrm>
-            <a:off x="822960" y="5934456"/>
+            <a:off x="822960" y="5029199"/>
             <a:ext cx="4023359" cy="201168"/>
           </a:xfrm>
           <a:prstGeom prst="rect">
@@ -23555,8 +23555,8 @@
         </p:nvSpPr>
         <p:spPr>
           <a:xfrm>
-            <a:off x="822960" y="6254496"/>
-            <a:ext cx="109728" cy="146304"/>
+            <a:off x="822960" y="5276087"/>
+            <a:ext cx="109728" cy="128016"/>
           </a:xfrm>
           <a:prstGeom prst="rect">
             <a:avLst/>
@@ -23591,8 +23591,8 @@
         </p:nvSpPr>
         <p:spPr>
           <a:xfrm>
-            <a:off x="960120" y="6254496"/>
-            <a:ext cx="3886200" cy="146304"/>
+            <a:off x="960120" y="5276087"/>
+            <a:ext cx="3886200" cy="128016"/>
           </a:xfrm>
           <a:prstGeom prst="rect">
             <a:avLst/>
@@ -23627,8 +23627,8 @@
         </p:nvSpPr>
         <p:spPr>
           <a:xfrm>
-            <a:off x="822960" y="6428232"/>
-            <a:ext cx="109728" cy="146304"/>
+            <a:off x="822960" y="5404103"/>
+            <a:ext cx="109728" cy="128016"/>
           </a:xfrm>
           <a:prstGeom prst="rect">
             <a:avLst/>
@@ -23663,8 +23663,8 @@
         </p:nvSpPr>
         <p:spPr>
           <a:xfrm>
-            <a:off x="960120" y="6428232"/>
-            <a:ext cx="3886200" cy="146304"/>
+            <a:off x="960120" y="5404103"/>
+            <a:ext cx="3886200" cy="128016"/>
           </a:xfrm>
           <a:prstGeom prst="rect">
             <a:avLst/>
@@ -23699,8 +23699,8 @@
         </p:nvSpPr>
         <p:spPr>
           <a:xfrm>
-            <a:off x="822960" y="6601968"/>
-            <a:ext cx="109728" cy="146304"/>
+            <a:off x="822960" y="5532119"/>
+            <a:ext cx="109728" cy="128016"/>
           </a:xfrm>
           <a:prstGeom prst="rect">
             <a:avLst/>
@@ -23735,8 +23735,8 @@
         </p:nvSpPr>
         <p:spPr>
           <a:xfrm>
-            <a:off x="960120" y="6601968"/>
-            <a:ext cx="3886200" cy="146304"/>
+            <a:off x="960120" y="5532119"/>
+            <a:ext cx="3886200" cy="128016"/>
           </a:xfrm>
           <a:prstGeom prst="rect">
             <a:avLst/>
@@ -23771,8 +23771,8 @@
         </p:nvSpPr>
         <p:spPr>
           <a:xfrm>
-            <a:off x="822960" y="6775704"/>
-            <a:ext cx="109728" cy="146304"/>
+            <a:off x="822960" y="5660135"/>
+            <a:ext cx="109728" cy="128016"/>
           </a:xfrm>
           <a:prstGeom prst="rect">
             <a:avLst/>
@@ -23807,8 +23807,8 @@
         </p:nvSpPr>
         <p:spPr>
           <a:xfrm>
-            <a:off x="960120" y="6775704"/>
-            <a:ext cx="3886200" cy="146304"/>
+            <a:off x="960120" y="5660135"/>
+            <a:ext cx="3886200" cy="128016"/>
           </a:xfrm>
           <a:prstGeom prst="rect">
             <a:avLst/>
@@ -23843,8 +23843,8 @@
         </p:nvSpPr>
         <p:spPr>
           <a:xfrm>
-            <a:off x="822960" y="6949440"/>
-            <a:ext cx="109728" cy="146304"/>
+            <a:off x="822960" y="5788151"/>
+            <a:ext cx="109728" cy="128016"/>
           </a:xfrm>
           <a:prstGeom prst="rect">
             <a:avLst/>
@@ -23879,8 +23879,8 @@
         </p:nvSpPr>
         <p:spPr>
           <a:xfrm>
-            <a:off x="960120" y="6949440"/>
-            <a:ext cx="3886200" cy="146304"/>
+            <a:off x="960120" y="5788151"/>
+            <a:ext cx="3886200" cy="128016"/>
           </a:xfrm>
           <a:prstGeom prst="rect">
             <a:avLst/>
@@ -23915,8 +23915,8 @@
         </p:nvSpPr>
         <p:spPr>
           <a:xfrm>
-            <a:off x="822960" y="7123176"/>
-            <a:ext cx="109728" cy="146304"/>
+            <a:off x="822960" y="5916167"/>
+            <a:ext cx="109728" cy="128016"/>
           </a:xfrm>
           <a:prstGeom prst="rect">
             <a:avLst/>
@@ -23951,8 +23951,8 @@
         </p:nvSpPr>
         <p:spPr>
           <a:xfrm>
-            <a:off x="960120" y="7123176"/>
-            <a:ext cx="3886200" cy="146304"/>
+            <a:off x="960120" y="5916167"/>
+            <a:ext cx="3886200" cy="128016"/>
           </a:xfrm>
           <a:prstGeom prst="rect">
             <a:avLst/>
@@ -23987,7 +23987,7 @@
         </p:nvSpPr>
         <p:spPr>
           <a:xfrm>
-            <a:off x="5212080" y="2560320"/>
+            <a:off x="5212080" y="2514600"/>
             <a:ext cx="4206240" cy="256032"/>
           </a:xfrm>
           <a:prstGeom prst="rect">
@@ -24032,7 +24032,7 @@
         </p:nvSpPr>
         <p:spPr>
           <a:xfrm>
-            <a:off x="5303520" y="2587752"/>
+            <a:off x="5303520" y="2542032"/>
             <a:ext cx="4023359" cy="201168"/>
           </a:xfrm>
           <a:prstGeom prst="rect">
@@ -24068,8 +24068,8 @@
         </p:nvSpPr>
         <p:spPr>
           <a:xfrm>
-            <a:off x="5303520" y="2907792"/>
-            <a:ext cx="4023359" cy="457200"/>
+            <a:off x="5303520" y="2788920"/>
+            <a:ext cx="4023359" cy="411480"/>
           </a:xfrm>
           <a:prstGeom prst="rect">
             <a:avLst/>
@@ -24113,8 +24113,8 @@
         </p:nvSpPr>
         <p:spPr>
           <a:xfrm>
-            <a:off x="5349240" y="2953512"/>
-            <a:ext cx="3931920" cy="146304"/>
+            <a:off x="5349240" y="2825496"/>
+            <a:ext cx="3931920" cy="128016"/>
           </a:xfrm>
           <a:prstGeom prst="rect">
             <a:avLst/>
@@ -24149,8 +24149,8 @@
         </p:nvSpPr>
         <p:spPr>
           <a:xfrm>
-            <a:off x="5349240" y="3127248"/>
-            <a:ext cx="3931920" cy="201168"/>
+            <a:off x="5349240" y="2980944"/>
+            <a:ext cx="3931920" cy="182880"/>
           </a:xfrm>
           <a:prstGeom prst="rect">
             <a:avLst/>
@@ -24185,8 +24185,8 @@
         </p:nvSpPr>
         <p:spPr>
           <a:xfrm>
-            <a:off x="5303520" y="3438144"/>
-            <a:ext cx="4023359" cy="457200"/>
+            <a:off x="5303520" y="3246120"/>
+            <a:ext cx="4023359" cy="411480"/>
           </a:xfrm>
           <a:prstGeom prst="rect">
             <a:avLst/>
@@ -24230,8 +24230,8 @@
         </p:nvSpPr>
         <p:spPr>
           <a:xfrm>
-            <a:off x="5349240" y="3483864"/>
-            <a:ext cx="3931920" cy="146304"/>
+            <a:off x="5349240" y="3282696"/>
+            <a:ext cx="3931920" cy="128016"/>
           </a:xfrm>
           <a:prstGeom prst="rect">
             <a:avLst/>
@@ -24266,8 +24266,8 @@
         </p:nvSpPr>
         <p:spPr>
           <a:xfrm>
-            <a:off x="5349240" y="3657600"/>
-            <a:ext cx="3931920" cy="201168"/>
+            <a:off x="5349240" y="3438144"/>
+            <a:ext cx="3931920" cy="182880"/>
           </a:xfrm>
           <a:prstGeom prst="rect">
             <a:avLst/>
@@ -24302,8 +24302,8 @@
         </p:nvSpPr>
         <p:spPr>
           <a:xfrm>
-            <a:off x="5303520" y="3968496"/>
-            <a:ext cx="4023359" cy="457200"/>
+            <a:off x="5303520" y="3703320"/>
+            <a:ext cx="4023359" cy="411480"/>
           </a:xfrm>
           <a:prstGeom prst="rect">
             <a:avLst/>
@@ -24347,8 +24347,8 @@
         </p:nvSpPr>
         <p:spPr>
           <a:xfrm>
-            <a:off x="5349240" y="4014215"/>
-            <a:ext cx="3931920" cy="146304"/>
+            <a:off x="5349240" y="3739896"/>
+            <a:ext cx="3931920" cy="128016"/>
           </a:xfrm>
           <a:prstGeom prst="rect">
             <a:avLst/>
@@ -24383,8 +24383,8 @@
         </p:nvSpPr>
         <p:spPr>
           <a:xfrm>
-            <a:off x="5349240" y="4187952"/>
-            <a:ext cx="3931920" cy="201168"/>
+            <a:off x="5349240" y="3895344"/>
+            <a:ext cx="3931920" cy="182880"/>
           </a:xfrm>
           <a:prstGeom prst="rect">
             <a:avLst/>
@@ -24419,8 +24419,8 @@
         </p:nvSpPr>
         <p:spPr>
           <a:xfrm>
-            <a:off x="5303520" y="4498848"/>
-            <a:ext cx="4023359" cy="457200"/>
+            <a:off x="5303520" y="4160520"/>
+            <a:ext cx="4023359" cy="411480"/>
           </a:xfrm>
           <a:prstGeom prst="rect">
             <a:avLst/>
@@ -24464,8 +24464,8 @@
         </p:nvSpPr>
         <p:spPr>
           <a:xfrm>
-            <a:off x="5349240" y="4544568"/>
-            <a:ext cx="3931920" cy="146304"/>
+            <a:off x="5349240" y="4197096"/>
+            <a:ext cx="3931920" cy="128016"/>
           </a:xfrm>
           <a:prstGeom prst="rect">
             <a:avLst/>
@@ -24500,8 +24500,8 @@
         </p:nvSpPr>
         <p:spPr>
           <a:xfrm>
-            <a:off x="5349240" y="4718304"/>
-            <a:ext cx="3931920" cy="201168"/>
+            <a:off x="5349240" y="4352544"/>
+            <a:ext cx="3931920" cy="182880"/>
           </a:xfrm>
           <a:prstGeom prst="rect">
             <a:avLst/>
@@ -24536,8 +24536,8 @@
         </p:nvSpPr>
         <p:spPr>
           <a:xfrm>
-            <a:off x="5303520" y="5029200"/>
-            <a:ext cx="4023359" cy="457200"/>
+            <a:off x="5303520" y="4617720"/>
+            <a:ext cx="4023359" cy="411480"/>
           </a:xfrm>
           <a:prstGeom prst="rect">
             <a:avLst/>
@@ -24581,8 +24581,8 @@
         </p:nvSpPr>
         <p:spPr>
           <a:xfrm>
-            <a:off x="5349240" y="5074920"/>
-            <a:ext cx="3931920" cy="146304"/>
+            <a:off x="5349240" y="4654296"/>
+            <a:ext cx="3931920" cy="128016"/>
           </a:xfrm>
           <a:prstGeom prst="rect">
             <a:avLst/>
@@ -24617,8 +24617,8 @@
         </p:nvSpPr>
         <p:spPr>
           <a:xfrm>
-            <a:off x="5349240" y="5248656"/>
-            <a:ext cx="3931920" cy="201168"/>
+            <a:off x="5349240" y="4809744"/>
+            <a:ext cx="3931920" cy="182880"/>
           </a:xfrm>
           <a:prstGeom prst="rect">
             <a:avLst/>
@@ -24653,7 +24653,7 @@
         </p:nvSpPr>
         <p:spPr>
           <a:xfrm>
-            <a:off x="5212080" y="5669280"/>
+            <a:off x="5212080" y="5148072"/>
             <a:ext cx="4206240" cy="256032"/>
           </a:xfrm>
           <a:prstGeom prst="rect">
@@ -24698,7 +24698,7 @@
         </p:nvSpPr>
         <p:spPr>
           <a:xfrm>
-            <a:off x="5303520" y="5696712"/>
+            <a:off x="5303520" y="5175504"/>
             <a:ext cx="4023359" cy="201168"/>
           </a:xfrm>
           <a:prstGeom prst="rect">
@@ -24734,8 +24734,8 @@
         </p:nvSpPr>
         <p:spPr>
           <a:xfrm>
-            <a:off x="5303520" y="6016752"/>
-            <a:ext cx="109728" cy="146304"/>
+            <a:off x="5303520" y="5422392"/>
+            <a:ext cx="109728" cy="128016"/>
           </a:xfrm>
           <a:prstGeom prst="rect">
             <a:avLst/>
@@ -24770,8 +24770,8 @@
         </p:nvSpPr>
         <p:spPr>
           <a:xfrm>
-            <a:off x="5440680" y="6016752"/>
-            <a:ext cx="3886200" cy="146304"/>
+            <a:off x="5440680" y="5422392"/>
+            <a:ext cx="3886200" cy="128016"/>
           </a:xfrm>
           <a:prstGeom prst="rect">
             <a:avLst/>
@@ -24806,8 +24806,8 @@
         </p:nvSpPr>
         <p:spPr>
           <a:xfrm>
-            <a:off x="5303520" y="6190488"/>
-            <a:ext cx="109728" cy="146304"/>
+            <a:off x="5303520" y="5550407"/>
+            <a:ext cx="109728" cy="128016"/>
           </a:xfrm>
           <a:prstGeom prst="rect">
             <a:avLst/>
@@ -24842,8 +24842,8 @@
         </p:nvSpPr>
         <p:spPr>
           <a:xfrm>
-            <a:off x="5440680" y="6190488"/>
-            <a:ext cx="3886200" cy="146304"/>
+            <a:off x="5440680" y="5550407"/>
+            <a:ext cx="3886200" cy="128016"/>
           </a:xfrm>
           <a:prstGeom prst="rect">
             <a:avLst/>
@@ -24878,8 +24878,8 @@
         </p:nvSpPr>
         <p:spPr>
           <a:xfrm>
-            <a:off x="5303520" y="6364224"/>
-            <a:ext cx="109728" cy="146304"/>
+            <a:off x="5303520" y="5678423"/>
+            <a:ext cx="109728" cy="128016"/>
           </a:xfrm>
           <a:prstGeom prst="rect">
             <a:avLst/>
@@ -24914,8 +24914,8 @@
         </p:nvSpPr>
         <p:spPr>
           <a:xfrm>
-            <a:off x="5440680" y="6364224"/>
-            <a:ext cx="3886200" cy="146304"/>
+            <a:off x="5440680" y="5678423"/>
+            <a:ext cx="3886200" cy="128016"/>
           </a:xfrm>
           <a:prstGeom prst="rect">
             <a:avLst/>
@@ -24950,8 +24950,8 @@
         </p:nvSpPr>
         <p:spPr>
           <a:xfrm>
-            <a:off x="5303520" y="6537960"/>
-            <a:ext cx="109728" cy="146304"/>
+            <a:off x="5303520" y="5806439"/>
+            <a:ext cx="109728" cy="128016"/>
           </a:xfrm>
           <a:prstGeom prst="rect">
             <a:avLst/>
@@ -24986,8 +24986,8 @@
         </p:nvSpPr>
         <p:spPr>
           <a:xfrm>
-            <a:off x="5440680" y="6537960"/>
-            <a:ext cx="3886200" cy="146304"/>
+            <a:off x="5440680" y="5806439"/>
+            <a:ext cx="3886200" cy="128016"/>
           </a:xfrm>
           <a:prstGeom prst="rect">
             <a:avLst/>
@@ -25022,8 +25022,8 @@
         </p:nvSpPr>
         <p:spPr>
           <a:xfrm>
-            <a:off x="5303520" y="6711696"/>
-            <a:ext cx="109728" cy="146304"/>
+            <a:off x="5303520" y="5934455"/>
+            <a:ext cx="109728" cy="128016"/>
           </a:xfrm>
           <a:prstGeom prst="rect">
             <a:avLst/>
@@ -25058,8 +25058,8 @@
         </p:nvSpPr>
         <p:spPr>
           <a:xfrm>
-            <a:off x="5440680" y="6711696"/>
-            <a:ext cx="3886200" cy="146304"/>
+            <a:off x="5440680" y="5934455"/>
+            <a:ext cx="3886200" cy="128016"/>
           </a:xfrm>
           <a:prstGeom prst="rect">
             <a:avLst/>
@@ -25094,8 +25094,8 @@
         </p:nvSpPr>
         <p:spPr>
           <a:xfrm>
-            <a:off x="5303520" y="6885432"/>
-            <a:ext cx="109728" cy="146304"/>
+            <a:off x="5303520" y="6062471"/>
+            <a:ext cx="109728" cy="128016"/>
           </a:xfrm>
           <a:prstGeom prst="rect">
             <a:avLst/>
@@ -25130,8 +25130,8 @@
         </p:nvSpPr>
         <p:spPr>
           <a:xfrm>
-            <a:off x="5440680" y="6885432"/>
-            <a:ext cx="3886200" cy="146304"/>
+            <a:off x="5440680" y="6062471"/>
+            <a:ext cx="3886200" cy="128016"/>
           </a:xfrm>
           <a:prstGeom prst="rect">
             <a:avLst/>
@@ -25549,8 +25549,8 @@
         </p:nvSpPr>
         <p:spPr>
           <a:xfrm>
-            <a:off x="822960" y="2176272"/>
-            <a:ext cx="109728" cy="146304"/>
+            <a:off x="822960" y="2103120"/>
+            <a:ext cx="109728" cy="128016"/>
           </a:xfrm>
           <a:prstGeom prst="rect">
             <a:avLst/>
@@ -25585,8 +25585,8 @@
         </p:nvSpPr>
         <p:spPr>
           <a:xfrm>
-            <a:off x="960120" y="2176272"/>
-            <a:ext cx="8366760" cy="146304"/>
+            <a:off x="960120" y="2103120"/>
+            <a:ext cx="8366760" cy="128016"/>
           </a:xfrm>
           <a:prstGeom prst="rect">
             <a:avLst/>
@@ -25621,8 +25621,8 @@
         </p:nvSpPr>
         <p:spPr>
           <a:xfrm>
-            <a:off x="822960" y="2350008"/>
-            <a:ext cx="109728" cy="146304"/>
+            <a:off x="822960" y="2231136"/>
+            <a:ext cx="109728" cy="128016"/>
           </a:xfrm>
           <a:prstGeom prst="rect">
             <a:avLst/>
@@ -25657,8 +25657,8 @@
         </p:nvSpPr>
         <p:spPr>
           <a:xfrm>
-            <a:off x="960120" y="2350008"/>
-            <a:ext cx="8366760" cy="146304"/>
+            <a:off x="960120" y="2231136"/>
+            <a:ext cx="8366760" cy="128016"/>
           </a:xfrm>
           <a:prstGeom prst="rect">
             <a:avLst/>
@@ -25693,8 +25693,8 @@
         </p:nvSpPr>
         <p:spPr>
           <a:xfrm>
-            <a:off x="822960" y="2523744"/>
-            <a:ext cx="109728" cy="146304"/>
+            <a:off x="822960" y="2359152"/>
+            <a:ext cx="109728" cy="128016"/>
           </a:xfrm>
           <a:prstGeom prst="rect">
             <a:avLst/>
@@ -25729,8 +25729,8 @@
         </p:nvSpPr>
         <p:spPr>
           <a:xfrm>
-            <a:off x="960120" y="2523744"/>
-            <a:ext cx="8366760" cy="146304"/>
+            <a:off x="960120" y="2359152"/>
+            <a:ext cx="8366760" cy="128016"/>
           </a:xfrm>
           <a:prstGeom prst="rect">
             <a:avLst/>
@@ -25765,8 +25765,8 @@
         </p:nvSpPr>
         <p:spPr>
           <a:xfrm>
-            <a:off x="822960" y="2697479"/>
-            <a:ext cx="109728" cy="146304"/>
+            <a:off x="822960" y="2487168"/>
+            <a:ext cx="109728" cy="128016"/>
           </a:xfrm>
           <a:prstGeom prst="rect">
             <a:avLst/>
@@ -25801,8 +25801,8 @@
         </p:nvSpPr>
         <p:spPr>
           <a:xfrm>
-            <a:off x="960120" y="2697479"/>
-            <a:ext cx="8366760" cy="146304"/>
+            <a:off x="960120" y="2487168"/>
+            <a:ext cx="8366760" cy="128016"/>
           </a:xfrm>
           <a:prstGeom prst="rect">
             <a:avLst/>
@@ -25837,8 +25837,8 @@
         </p:nvSpPr>
         <p:spPr>
           <a:xfrm>
-            <a:off x="822960" y="2871215"/>
-            <a:ext cx="109728" cy="146304"/>
+            <a:off x="822960" y="2615184"/>
+            <a:ext cx="109728" cy="128016"/>
           </a:xfrm>
           <a:prstGeom prst="rect">
             <a:avLst/>
@@ -25873,8 +25873,8 @@
         </p:nvSpPr>
         <p:spPr>
           <a:xfrm>
-            <a:off x="960120" y="2871215"/>
-            <a:ext cx="8366760" cy="146304"/>
+            <a:off x="960120" y="2615184"/>
+            <a:ext cx="8366760" cy="128016"/>
           </a:xfrm>
           <a:prstGeom prst="rect">
             <a:avLst/>
@@ -25909,7 +25909,7 @@
         </p:nvSpPr>
         <p:spPr>
           <a:xfrm>
-            <a:off x="731520" y="3154679"/>
+            <a:off x="731520" y="2816352"/>
             <a:ext cx="8686800" cy="256032"/>
           </a:xfrm>
           <a:prstGeom prst="rect">
@@ -25954,7 +25954,7 @@
         </p:nvSpPr>
         <p:spPr>
           <a:xfrm>
-            <a:off x="822960" y="3182111"/>
+            <a:off x="822960" y="2843784"/>
             <a:ext cx="8503920" cy="201168"/>
           </a:xfrm>
           <a:prstGeom prst="rect">
@@ -25990,8 +25990,8 @@
         </p:nvSpPr>
         <p:spPr>
           <a:xfrm>
-            <a:off x="822960" y="3502151"/>
-            <a:ext cx="109728" cy="146304"/>
+            <a:off x="822960" y="3090672"/>
+            <a:ext cx="109728" cy="128016"/>
           </a:xfrm>
           <a:prstGeom prst="rect">
             <a:avLst/>
@@ -26026,8 +26026,8 @@
         </p:nvSpPr>
         <p:spPr>
           <a:xfrm>
-            <a:off x="960120" y="3502151"/>
-            <a:ext cx="8366760" cy="146304"/>
+            <a:off x="960120" y="3090672"/>
+            <a:ext cx="8366760" cy="128016"/>
           </a:xfrm>
           <a:prstGeom prst="rect">
             <a:avLst/>
@@ -26062,8 +26062,8 @@
         </p:nvSpPr>
         <p:spPr>
           <a:xfrm>
-            <a:off x="822960" y="3675887"/>
-            <a:ext cx="109728" cy="146304"/>
+            <a:off x="822960" y="3218688"/>
+            <a:ext cx="109728" cy="128016"/>
           </a:xfrm>
           <a:prstGeom prst="rect">
             <a:avLst/>
@@ -26098,8 +26098,8 @@
         </p:nvSpPr>
         <p:spPr>
           <a:xfrm>
-            <a:off x="960120" y="3675887"/>
-            <a:ext cx="8366760" cy="146304"/>
+            <a:off x="960120" y="3218688"/>
+            <a:ext cx="8366760" cy="128016"/>
           </a:xfrm>
           <a:prstGeom prst="rect">
             <a:avLst/>
@@ -26134,8 +26134,8 @@
         </p:nvSpPr>
         <p:spPr>
           <a:xfrm>
-            <a:off x="822960" y="3849624"/>
-            <a:ext cx="109728" cy="146304"/>
+            <a:off x="822960" y="3346704"/>
+            <a:ext cx="109728" cy="128016"/>
           </a:xfrm>
           <a:prstGeom prst="rect">
             <a:avLst/>
@@ -26170,8 +26170,8 @@
         </p:nvSpPr>
         <p:spPr>
           <a:xfrm>
-            <a:off x="960120" y="3849624"/>
-            <a:ext cx="8366760" cy="146304"/>
+            <a:off x="960120" y="3346704"/>
+            <a:ext cx="8366760" cy="128016"/>
           </a:xfrm>
           <a:prstGeom prst="rect">
             <a:avLst/>
@@ -26206,8 +26206,8 @@
         </p:nvSpPr>
         <p:spPr>
           <a:xfrm>
-            <a:off x="822960" y="4023360"/>
-            <a:ext cx="109728" cy="146304"/>
+            <a:off x="822960" y="3474720"/>
+            <a:ext cx="109728" cy="128016"/>
           </a:xfrm>
           <a:prstGeom prst="rect">
             <a:avLst/>
@@ -26242,8 +26242,8 @@
         </p:nvSpPr>
         <p:spPr>
           <a:xfrm>
-            <a:off x="960120" y="4023360"/>
-            <a:ext cx="8366760" cy="146304"/>
+            <a:off x="960120" y="3474720"/>
+            <a:ext cx="8366760" cy="128016"/>
           </a:xfrm>
           <a:prstGeom prst="rect">
             <a:avLst/>
@@ -26278,8 +26278,8 @@
         </p:nvSpPr>
         <p:spPr>
           <a:xfrm>
-            <a:off x="822960" y="4197096"/>
-            <a:ext cx="109728" cy="146304"/>
+            <a:off x="822960" y="3602736"/>
+            <a:ext cx="109728" cy="128016"/>
           </a:xfrm>
           <a:prstGeom prst="rect">
             <a:avLst/>
@@ -26314,8 +26314,8 @@
         </p:nvSpPr>
         <p:spPr>
           <a:xfrm>
-            <a:off x="960120" y="4197096"/>
-            <a:ext cx="8366760" cy="146304"/>
+            <a:off x="960120" y="3602736"/>
+            <a:ext cx="8366760" cy="128016"/>
           </a:xfrm>
           <a:prstGeom prst="rect">
             <a:avLst/>
@@ -26350,7 +26350,7 @@
         </p:nvSpPr>
         <p:spPr>
           <a:xfrm>
-            <a:off x="731520" y="4480560"/>
+            <a:off x="731520" y="3803904"/>
             <a:ext cx="8686800" cy="256032"/>
           </a:xfrm>
           <a:prstGeom prst="rect">
@@ -26395,7 +26395,7 @@
         </p:nvSpPr>
         <p:spPr>
           <a:xfrm>
-            <a:off x="822960" y="4507992"/>
+            <a:off x="822960" y="3831336"/>
             <a:ext cx="8503920" cy="201168"/>
           </a:xfrm>
           <a:prstGeom prst="rect">
@@ -26431,8 +26431,8 @@
         </p:nvSpPr>
         <p:spPr>
           <a:xfrm>
-            <a:off x="822960" y="4828032"/>
-            <a:ext cx="109728" cy="146304"/>
+            <a:off x="822960" y="4078224"/>
+            <a:ext cx="109728" cy="128016"/>
           </a:xfrm>
           <a:prstGeom prst="rect">
             <a:avLst/>
@@ -26467,8 +26467,8 @@
         </p:nvSpPr>
         <p:spPr>
           <a:xfrm>
-            <a:off x="960120" y="4828032"/>
-            <a:ext cx="8366760" cy="146304"/>
+            <a:off x="960120" y="4078224"/>
+            <a:ext cx="8366760" cy="128016"/>
           </a:xfrm>
           <a:prstGeom prst="rect">
             <a:avLst/>
@@ -26503,8 +26503,8 @@
         </p:nvSpPr>
         <p:spPr>
           <a:xfrm>
-            <a:off x="822960" y="5001768"/>
-            <a:ext cx="109728" cy="146304"/>
+            <a:off x="822960" y="4206240"/>
+            <a:ext cx="109728" cy="128016"/>
           </a:xfrm>
           <a:prstGeom prst="rect">
             <a:avLst/>
@@ -26539,8 +26539,8 @@
         </p:nvSpPr>
         <p:spPr>
           <a:xfrm>
-            <a:off x="960120" y="5001768"/>
-            <a:ext cx="8366760" cy="146304"/>
+            <a:off x="960120" y="4206240"/>
+            <a:ext cx="8366760" cy="128016"/>
           </a:xfrm>
           <a:prstGeom prst="rect">
             <a:avLst/>
@@ -26575,8 +26575,8 @@
         </p:nvSpPr>
         <p:spPr>
           <a:xfrm>
-            <a:off x="822960" y="5175504"/>
-            <a:ext cx="109728" cy="146304"/>
+            <a:off x="822960" y="4334256"/>
+            <a:ext cx="109728" cy="128016"/>
           </a:xfrm>
           <a:prstGeom prst="rect">
             <a:avLst/>
@@ -26611,8 +26611,8 @@
         </p:nvSpPr>
         <p:spPr>
           <a:xfrm>
-            <a:off x="960120" y="5175504"/>
-            <a:ext cx="8366760" cy="146304"/>
+            <a:off x="960120" y="4334256"/>
+            <a:ext cx="8366760" cy="128016"/>
           </a:xfrm>
           <a:prstGeom prst="rect">
             <a:avLst/>
@@ -26647,8 +26647,8 @@
         </p:nvSpPr>
         <p:spPr>
           <a:xfrm>
-            <a:off x="822960" y="5349240"/>
-            <a:ext cx="109728" cy="146304"/>
+            <a:off x="822960" y="4462272"/>
+            <a:ext cx="109728" cy="128016"/>
           </a:xfrm>
           <a:prstGeom prst="rect">
             <a:avLst/>
@@ -26683,8 +26683,8 @@
         </p:nvSpPr>
         <p:spPr>
           <a:xfrm>
-            <a:off x="960120" y="5349240"/>
-            <a:ext cx="8366760" cy="146304"/>
+            <a:off x="960120" y="4462272"/>
+            <a:ext cx="8366760" cy="128016"/>
           </a:xfrm>
           <a:prstGeom prst="rect">
             <a:avLst/>
@@ -26719,8 +26719,8 @@
         </p:nvSpPr>
         <p:spPr>
           <a:xfrm>
-            <a:off x="822960" y="5522976"/>
-            <a:ext cx="109728" cy="146304"/>
+            <a:off x="822960" y="4590288"/>
+            <a:ext cx="109728" cy="128016"/>
           </a:xfrm>
           <a:prstGeom prst="rect">
             <a:avLst/>
@@ -26755,8 +26755,8 @@
         </p:nvSpPr>
         <p:spPr>
           <a:xfrm>
-            <a:off x="960120" y="5522976"/>
-            <a:ext cx="8366760" cy="146304"/>
+            <a:off x="960120" y="4590288"/>
+            <a:ext cx="8366760" cy="128016"/>
           </a:xfrm>
           <a:prstGeom prst="rect">
             <a:avLst/>
@@ -30189,8 +30189,8 @@
         </p:nvSpPr>
         <p:spPr>
           <a:xfrm>
-            <a:off x="822960" y="2176272"/>
-            <a:ext cx="109728" cy="146304"/>
+            <a:off x="822960" y="2103120"/>
+            <a:ext cx="109728" cy="128016"/>
           </a:xfrm>
           <a:prstGeom prst="rect">
             <a:avLst/>
@@ -30225,8 +30225,8 @@
         </p:nvSpPr>
         <p:spPr>
           <a:xfrm>
-            <a:off x="960120" y="2176272"/>
-            <a:ext cx="8366760" cy="146304"/>
+            <a:off x="960120" y="2103120"/>
+            <a:ext cx="8366760" cy="128016"/>
           </a:xfrm>
           <a:prstGeom prst="rect">
             <a:avLst/>
@@ -30261,8 +30261,8 @@
         </p:nvSpPr>
         <p:spPr>
           <a:xfrm>
-            <a:off x="822960" y="2350008"/>
-            <a:ext cx="109728" cy="146304"/>
+            <a:off x="822960" y="2231136"/>
+            <a:ext cx="109728" cy="128016"/>
           </a:xfrm>
           <a:prstGeom prst="rect">
             <a:avLst/>
@@ -30297,8 +30297,8 @@
         </p:nvSpPr>
         <p:spPr>
           <a:xfrm>
-            <a:off x="960120" y="2350008"/>
-            <a:ext cx="8366760" cy="146304"/>
+            <a:off x="960120" y="2231136"/>
+            <a:ext cx="8366760" cy="128016"/>
           </a:xfrm>
           <a:prstGeom prst="rect">
             <a:avLst/>
@@ -30333,8 +30333,8 @@
         </p:nvSpPr>
         <p:spPr>
           <a:xfrm>
-            <a:off x="822960" y="2523744"/>
-            <a:ext cx="109728" cy="146304"/>
+            <a:off x="822960" y="2359152"/>
+            <a:ext cx="109728" cy="128016"/>
           </a:xfrm>
           <a:prstGeom prst="rect">
             <a:avLst/>
@@ -30369,8 +30369,8 @@
         </p:nvSpPr>
         <p:spPr>
           <a:xfrm>
-            <a:off x="960120" y="2523744"/>
-            <a:ext cx="8366760" cy="146304"/>
+            <a:off x="960120" y="2359152"/>
+            <a:ext cx="8366760" cy="128016"/>
           </a:xfrm>
           <a:prstGeom prst="rect">
             <a:avLst/>
@@ -30405,8 +30405,8 @@
         </p:nvSpPr>
         <p:spPr>
           <a:xfrm>
-            <a:off x="822960" y="2697479"/>
-            <a:ext cx="109728" cy="146304"/>
+            <a:off x="822960" y="2487168"/>
+            <a:ext cx="109728" cy="128016"/>
           </a:xfrm>
           <a:prstGeom prst="rect">
             <a:avLst/>
@@ -30441,8 +30441,8 @@
         </p:nvSpPr>
         <p:spPr>
           <a:xfrm>
-            <a:off x="960120" y="2697479"/>
-            <a:ext cx="8366760" cy="146304"/>
+            <a:off x="960120" y="2487168"/>
+            <a:ext cx="8366760" cy="128016"/>
           </a:xfrm>
           <a:prstGeom prst="rect">
             <a:avLst/>
@@ -30477,7 +30477,7 @@
         </p:nvSpPr>
         <p:spPr>
           <a:xfrm>
-            <a:off x="731520" y="2980944"/>
+            <a:off x="731520" y="2688336"/>
             <a:ext cx="8686800" cy="256032"/>
           </a:xfrm>
           <a:prstGeom prst="rect">
@@ -30522,7 +30522,7 @@
         </p:nvSpPr>
         <p:spPr>
           <a:xfrm>
-            <a:off x="822960" y="3008375"/>
+            <a:off x="822960" y="2715768"/>
             <a:ext cx="8503920" cy="201168"/>
           </a:xfrm>
           <a:prstGeom prst="rect">
@@ -30558,8 +30558,8 @@
         </p:nvSpPr>
         <p:spPr>
           <a:xfrm>
-            <a:off x="822960" y="3328415"/>
-            <a:ext cx="109728" cy="146304"/>
+            <a:off x="822960" y="2962656"/>
+            <a:ext cx="109728" cy="128016"/>
           </a:xfrm>
           <a:prstGeom prst="rect">
             <a:avLst/>
@@ -30594,8 +30594,8 @@
         </p:nvSpPr>
         <p:spPr>
           <a:xfrm>
-            <a:off x="960120" y="3328415"/>
-            <a:ext cx="8366760" cy="146304"/>
+            <a:off x="960120" y="2962656"/>
+            <a:ext cx="8366760" cy="128016"/>
           </a:xfrm>
           <a:prstGeom prst="rect">
             <a:avLst/>
@@ -30630,8 +30630,8 @@
         </p:nvSpPr>
         <p:spPr>
           <a:xfrm>
-            <a:off x="822960" y="3502151"/>
-            <a:ext cx="109728" cy="146304"/>
+            <a:off x="822960" y="3090672"/>
+            <a:ext cx="109728" cy="128016"/>
           </a:xfrm>
           <a:prstGeom prst="rect">
             <a:avLst/>
@@ -30666,8 +30666,8 @@
         </p:nvSpPr>
         <p:spPr>
           <a:xfrm>
-            <a:off x="960120" y="3502151"/>
-            <a:ext cx="8366760" cy="146304"/>
+            <a:off x="960120" y="3090672"/>
+            <a:ext cx="8366760" cy="128016"/>
           </a:xfrm>
           <a:prstGeom prst="rect">
             <a:avLst/>
@@ -30702,8 +30702,8 @@
         </p:nvSpPr>
         <p:spPr>
           <a:xfrm>
-            <a:off x="822960" y="3675887"/>
-            <a:ext cx="109728" cy="146304"/>
+            <a:off x="822960" y="3218688"/>
+            <a:ext cx="109728" cy="128016"/>
           </a:xfrm>
           <a:prstGeom prst="rect">
             <a:avLst/>
@@ -30738,8 +30738,8 @@
         </p:nvSpPr>
         <p:spPr>
           <a:xfrm>
-            <a:off x="960120" y="3675887"/>
-            <a:ext cx="8366760" cy="146304"/>
+            <a:off x="960120" y="3218688"/>
+            <a:ext cx="8366760" cy="128016"/>
           </a:xfrm>
           <a:prstGeom prst="rect">
             <a:avLst/>
@@ -30774,8 +30774,8 @@
         </p:nvSpPr>
         <p:spPr>
           <a:xfrm>
-            <a:off x="822960" y="3849624"/>
-            <a:ext cx="109728" cy="146304"/>
+            <a:off x="822960" y="3346704"/>
+            <a:ext cx="109728" cy="128016"/>
           </a:xfrm>
           <a:prstGeom prst="rect">
             <a:avLst/>
@@ -30810,8 +30810,8 @@
         </p:nvSpPr>
         <p:spPr>
           <a:xfrm>
-            <a:off x="960120" y="3849624"/>
-            <a:ext cx="8366760" cy="146304"/>
+            <a:off x="960120" y="3346704"/>
+            <a:ext cx="8366760" cy="128016"/>
           </a:xfrm>
           <a:prstGeom prst="rect">
             <a:avLst/>
@@ -30846,7 +30846,7 @@
         </p:nvSpPr>
         <p:spPr>
           <a:xfrm>
-            <a:off x="731520" y="4133088"/>
+            <a:off x="731520" y="3547872"/>
             <a:ext cx="8686800" cy="256032"/>
           </a:xfrm>
           <a:prstGeom prst="rect">
@@ -30891,7 +30891,7 @@
         </p:nvSpPr>
         <p:spPr>
           <a:xfrm>
-            <a:off x="822960" y="4160520"/>
+            <a:off x="822960" y="3575304"/>
             <a:ext cx="8503920" cy="201168"/>
           </a:xfrm>
           <a:prstGeom prst="rect">
@@ -30927,8 +30927,8 @@
         </p:nvSpPr>
         <p:spPr>
           <a:xfrm>
-            <a:off x="822960" y="4480560"/>
-            <a:ext cx="109728" cy="146304"/>
+            <a:off x="822960" y="3822192"/>
+            <a:ext cx="109728" cy="128016"/>
           </a:xfrm>
           <a:prstGeom prst="rect">
             <a:avLst/>
@@ -30963,8 +30963,8 @@
         </p:nvSpPr>
         <p:spPr>
           <a:xfrm>
-            <a:off x="960120" y="4480560"/>
-            <a:ext cx="8366760" cy="146304"/>
+            <a:off x="960120" y="3822192"/>
+            <a:ext cx="8366760" cy="128016"/>
           </a:xfrm>
           <a:prstGeom prst="rect">
             <a:avLst/>
@@ -30999,8 +30999,8 @@
         </p:nvSpPr>
         <p:spPr>
           <a:xfrm>
-            <a:off x="822960" y="4654296"/>
-            <a:ext cx="109728" cy="146304"/>
+            <a:off x="822960" y="3950208"/>
+            <a:ext cx="109728" cy="128016"/>
           </a:xfrm>
           <a:prstGeom prst="rect">
             <a:avLst/>
@@ -31035,8 +31035,8 @@
         </p:nvSpPr>
         <p:spPr>
           <a:xfrm>
-            <a:off x="960120" y="4654296"/>
-            <a:ext cx="8366760" cy="146304"/>
+            <a:off x="960120" y="3950208"/>
+            <a:ext cx="8366760" cy="128016"/>
           </a:xfrm>
           <a:prstGeom prst="rect">
             <a:avLst/>
@@ -31071,8 +31071,8 @@
         </p:nvSpPr>
         <p:spPr>
           <a:xfrm>
-            <a:off x="822960" y="4828032"/>
-            <a:ext cx="109728" cy="146304"/>
+            <a:off x="822960" y="4078224"/>
+            <a:ext cx="109728" cy="128016"/>
           </a:xfrm>
           <a:prstGeom prst="rect">
             <a:avLst/>
@@ -31107,8 +31107,8 @@
         </p:nvSpPr>
         <p:spPr>
           <a:xfrm>
-            <a:off x="960120" y="4828032"/>
-            <a:ext cx="8366760" cy="146304"/>
+            <a:off x="960120" y="4078224"/>
+            <a:ext cx="8366760" cy="128016"/>
           </a:xfrm>
           <a:prstGeom prst="rect">
             <a:avLst/>
@@ -31143,8 +31143,8 @@
         </p:nvSpPr>
         <p:spPr>
           <a:xfrm>
-            <a:off x="822960" y="5001768"/>
-            <a:ext cx="109728" cy="146304"/>
+            <a:off x="822960" y="4206240"/>
+            <a:ext cx="109728" cy="128016"/>
           </a:xfrm>
           <a:prstGeom prst="rect">
             <a:avLst/>
@@ -31179,8 +31179,8 @@
         </p:nvSpPr>
         <p:spPr>
           <a:xfrm>
-            <a:off x="960120" y="5001768"/>
-            <a:ext cx="8366760" cy="146304"/>
+            <a:off x="960120" y="4206240"/>
+            <a:ext cx="8366760" cy="128016"/>
           </a:xfrm>
           <a:prstGeom prst="rect">
             <a:avLst/>
@@ -31215,7 +31215,7 @@
         </p:nvSpPr>
         <p:spPr>
           <a:xfrm>
-            <a:off x="731520" y="5285232"/>
+            <a:off x="731520" y="4407407"/>
             <a:ext cx="8686800" cy="256032"/>
           </a:xfrm>
           <a:prstGeom prst="rect">
@@ -31260,7 +31260,7 @@
         </p:nvSpPr>
         <p:spPr>
           <a:xfrm>
-            <a:off x="822960" y="5312664"/>
+            <a:off x="822960" y="4434840"/>
             <a:ext cx="8503920" cy="201168"/>
           </a:xfrm>
           <a:prstGeom prst="rect">
@@ -31296,8 +31296,8 @@
         </p:nvSpPr>
         <p:spPr>
           <a:xfrm>
-            <a:off x="822960" y="5632704"/>
-            <a:ext cx="109728" cy="146304"/>
+            <a:off x="822960" y="4681727"/>
+            <a:ext cx="109728" cy="128016"/>
           </a:xfrm>
           <a:prstGeom prst="rect">
             <a:avLst/>
@@ -31332,8 +31332,8 @@
         </p:nvSpPr>
         <p:spPr>
           <a:xfrm>
-            <a:off x="960120" y="5632704"/>
-            <a:ext cx="8366760" cy="146304"/>
+            <a:off x="960120" y="4681727"/>
+            <a:ext cx="8366760" cy="128016"/>
           </a:xfrm>
           <a:prstGeom prst="rect">
             <a:avLst/>
@@ -31368,8 +31368,8 @@
         </p:nvSpPr>
         <p:spPr>
           <a:xfrm>
-            <a:off x="822960" y="5806440"/>
-            <a:ext cx="109728" cy="146304"/>
+            <a:off x="822960" y="4809743"/>
+            <a:ext cx="109728" cy="128016"/>
           </a:xfrm>
           <a:prstGeom prst="rect">
             <a:avLst/>
@@ -31404,8 +31404,8 @@
         </p:nvSpPr>
         <p:spPr>
           <a:xfrm>
-            <a:off x="960120" y="5806440"/>
-            <a:ext cx="8366760" cy="146304"/>
+            <a:off x="960120" y="4809743"/>
+            <a:ext cx="8366760" cy="128016"/>
           </a:xfrm>
           <a:prstGeom prst="rect">
             <a:avLst/>
@@ -31440,8 +31440,8 @@
         </p:nvSpPr>
         <p:spPr>
           <a:xfrm>
-            <a:off x="822960" y="5980176"/>
-            <a:ext cx="109728" cy="146304"/>
+            <a:off x="822960" y="4937759"/>
+            <a:ext cx="109728" cy="128016"/>
           </a:xfrm>
           <a:prstGeom prst="rect">
             <a:avLst/>
@@ -31476,8 +31476,8 @@
         </p:nvSpPr>
         <p:spPr>
           <a:xfrm>
-            <a:off x="960120" y="5980176"/>
-            <a:ext cx="8366760" cy="146304"/>
+            <a:off x="960120" y="4937759"/>
+            <a:ext cx="8366760" cy="128016"/>
           </a:xfrm>
           <a:prstGeom prst="rect">
             <a:avLst/>
@@ -31512,8 +31512,8 @@
         </p:nvSpPr>
         <p:spPr>
           <a:xfrm>
-            <a:off x="822960" y="6153912"/>
-            <a:ext cx="109728" cy="146304"/>
+            <a:off x="822960" y="5065775"/>
+            <a:ext cx="109728" cy="128016"/>
           </a:xfrm>
           <a:prstGeom prst="rect">
             <a:avLst/>
@@ -31548,8 +31548,8 @@
         </p:nvSpPr>
         <p:spPr>
           <a:xfrm>
-            <a:off x="960120" y="6153912"/>
-            <a:ext cx="8366760" cy="146304"/>
+            <a:off x="960120" y="5065775"/>
+            <a:ext cx="8366760" cy="128016"/>
           </a:xfrm>
           <a:prstGeom prst="rect">
             <a:avLst/>
@@ -31584,7 +31584,7 @@
         </p:nvSpPr>
         <p:spPr>
           <a:xfrm>
-            <a:off x="731520" y="6437376"/>
+            <a:off x="731520" y="5266943"/>
             <a:ext cx="8686800" cy="256032"/>
           </a:xfrm>
           <a:prstGeom prst="rect">
@@ -31629,7 +31629,7 @@
         </p:nvSpPr>
         <p:spPr>
           <a:xfrm>
-            <a:off x="822960" y="6464808"/>
+            <a:off x="822960" y="5294375"/>
             <a:ext cx="8503920" cy="201168"/>
           </a:xfrm>
           <a:prstGeom prst="rect">
@@ -31665,8 +31665,8 @@
         </p:nvSpPr>
         <p:spPr>
           <a:xfrm>
-            <a:off x="822960" y="6784848"/>
-            <a:ext cx="109728" cy="146304"/>
+            <a:off x="822960" y="5541263"/>
+            <a:ext cx="109728" cy="128016"/>
           </a:xfrm>
           <a:prstGeom prst="rect">
             <a:avLst/>
@@ -31701,8 +31701,8 @@
         </p:nvSpPr>
         <p:spPr>
           <a:xfrm>
-            <a:off x="960120" y="6784848"/>
-            <a:ext cx="8366760" cy="146304"/>
+            <a:off x="960120" y="5541263"/>
+            <a:ext cx="8366760" cy="128016"/>
           </a:xfrm>
           <a:prstGeom prst="rect">
             <a:avLst/>
@@ -31737,8 +31737,8 @@
         </p:nvSpPr>
         <p:spPr>
           <a:xfrm>
-            <a:off x="822960" y="6958584"/>
-            <a:ext cx="109728" cy="146304"/>
+            <a:off x="822960" y="5669279"/>
+            <a:ext cx="109728" cy="128016"/>
           </a:xfrm>
           <a:prstGeom prst="rect">
             <a:avLst/>
@@ -31773,8 +31773,8 @@
         </p:nvSpPr>
         <p:spPr>
           <a:xfrm>
-            <a:off x="960120" y="6958584"/>
-            <a:ext cx="8366760" cy="146304"/>
+            <a:off x="960120" y="5669279"/>
+            <a:ext cx="8366760" cy="128016"/>
           </a:xfrm>
           <a:prstGeom prst="rect">
             <a:avLst/>
@@ -31809,8 +31809,8 @@
         </p:nvSpPr>
         <p:spPr>
           <a:xfrm>
-            <a:off x="822960" y="7132320"/>
-            <a:ext cx="109728" cy="146304"/>
+            <a:off x="822960" y="5797295"/>
+            <a:ext cx="109728" cy="128016"/>
           </a:xfrm>
           <a:prstGeom prst="rect">
             <a:avLst/>
@@ -31845,8 +31845,8 @@
         </p:nvSpPr>
         <p:spPr>
           <a:xfrm>
-            <a:off x="960120" y="7132320"/>
-            <a:ext cx="8366760" cy="146304"/>
+            <a:off x="960120" y="5797295"/>
+            <a:ext cx="8366760" cy="128016"/>
           </a:xfrm>
           <a:prstGeom prst="rect">
             <a:avLst/>
@@ -31881,8 +31881,8 @@
         </p:nvSpPr>
         <p:spPr>
           <a:xfrm>
-            <a:off x="822960" y="7306056"/>
-            <a:ext cx="109728" cy="146304"/>
+            <a:off x="822960" y="5925311"/>
+            <a:ext cx="109728" cy="128016"/>
           </a:xfrm>
           <a:prstGeom prst="rect">
             <a:avLst/>
@@ -31917,8 +31917,8 @@
         </p:nvSpPr>
         <p:spPr>
           <a:xfrm>
-            <a:off x="960120" y="7306056"/>
-            <a:ext cx="8366760" cy="146304"/>
+            <a:off x="960120" y="5925311"/>
+            <a:ext cx="8366760" cy="128016"/>
           </a:xfrm>
           <a:prstGeom prst="rect">
             <a:avLst/>
@@ -32160,8 +32160,8 @@
         </p:nvSpPr>
         <p:spPr>
           <a:xfrm>
-            <a:off x="822960" y="2176272"/>
-            <a:ext cx="109728" cy="146304"/>
+            <a:off x="822960" y="2103120"/>
+            <a:ext cx="109728" cy="128016"/>
           </a:xfrm>
           <a:prstGeom prst="rect">
             <a:avLst/>
@@ -32196,8 +32196,8 @@
         </p:nvSpPr>
         <p:spPr>
           <a:xfrm>
-            <a:off x="960120" y="2176272"/>
-            <a:ext cx="8366760" cy="146304"/>
+            <a:off x="960120" y="2103120"/>
+            <a:ext cx="8366760" cy="128016"/>
           </a:xfrm>
           <a:prstGeom prst="rect">
             <a:avLst/>
@@ -32232,8 +32232,8 @@
         </p:nvSpPr>
         <p:spPr>
           <a:xfrm>
-            <a:off x="822960" y="2350008"/>
-            <a:ext cx="109728" cy="146304"/>
+            <a:off x="822960" y="2231136"/>
+            <a:ext cx="109728" cy="128016"/>
           </a:xfrm>
           <a:prstGeom prst="rect">
             <a:avLst/>
@@ -32268,8 +32268,8 @@
         </p:nvSpPr>
         <p:spPr>
           <a:xfrm>
-            <a:off x="960120" y="2350008"/>
-            <a:ext cx="8366760" cy="146304"/>
+            <a:off x="960120" y="2231136"/>
+            <a:ext cx="8366760" cy="128016"/>
           </a:xfrm>
           <a:prstGeom prst="rect">
             <a:avLst/>
@@ -32304,8 +32304,8 @@
         </p:nvSpPr>
         <p:spPr>
           <a:xfrm>
-            <a:off x="822960" y="2523744"/>
-            <a:ext cx="109728" cy="146304"/>
+            <a:off x="822960" y="2359152"/>
+            <a:ext cx="109728" cy="128016"/>
           </a:xfrm>
           <a:prstGeom prst="rect">
             <a:avLst/>
@@ -32340,8 +32340,8 @@
         </p:nvSpPr>
         <p:spPr>
           <a:xfrm>
-            <a:off x="960120" y="2523744"/>
-            <a:ext cx="8366760" cy="146304"/>
+            <a:off x="960120" y="2359152"/>
+            <a:ext cx="8366760" cy="128016"/>
           </a:xfrm>
           <a:prstGeom prst="rect">
             <a:avLst/>
@@ -32376,8 +32376,8 @@
         </p:nvSpPr>
         <p:spPr>
           <a:xfrm>
-            <a:off x="822960" y="2697479"/>
-            <a:ext cx="109728" cy="146304"/>
+            <a:off x="822960" y="2487168"/>
+            <a:ext cx="109728" cy="128016"/>
           </a:xfrm>
           <a:prstGeom prst="rect">
             <a:avLst/>
@@ -32412,8 +32412,8 @@
         </p:nvSpPr>
         <p:spPr>
           <a:xfrm>
-            <a:off x="960120" y="2697479"/>
-            <a:ext cx="8366760" cy="146304"/>
+            <a:off x="960120" y="2487168"/>
+            <a:ext cx="8366760" cy="128016"/>
           </a:xfrm>
           <a:prstGeom prst="rect">
             <a:avLst/>
@@ -32448,7 +32448,7 @@
         </p:nvSpPr>
         <p:spPr>
           <a:xfrm>
-            <a:off x="731520" y="2980944"/>
+            <a:off x="731520" y="2688336"/>
             <a:ext cx="8686800" cy="256032"/>
           </a:xfrm>
           <a:prstGeom prst="rect">
@@ -32493,7 +32493,7 @@
         </p:nvSpPr>
         <p:spPr>
           <a:xfrm>
-            <a:off x="822960" y="3008375"/>
+            <a:off x="822960" y="2715768"/>
             <a:ext cx="8503920" cy="201168"/>
           </a:xfrm>
           <a:prstGeom prst="rect">
@@ -32529,8 +32529,8 @@
         </p:nvSpPr>
         <p:spPr>
           <a:xfrm>
-            <a:off x="822960" y="3328415"/>
-            <a:ext cx="109728" cy="146304"/>
+            <a:off x="822960" y="2962656"/>
+            <a:ext cx="109728" cy="128016"/>
           </a:xfrm>
           <a:prstGeom prst="rect">
             <a:avLst/>
@@ -32565,8 +32565,8 @@
         </p:nvSpPr>
         <p:spPr>
           <a:xfrm>
-            <a:off x="960120" y="3328415"/>
-            <a:ext cx="8366760" cy="146304"/>
+            <a:off x="960120" y="2962656"/>
+            <a:ext cx="8366760" cy="128016"/>
           </a:xfrm>
           <a:prstGeom prst="rect">
             <a:avLst/>
@@ -32601,8 +32601,8 @@
         </p:nvSpPr>
         <p:spPr>
           <a:xfrm>
-            <a:off x="822960" y="3502151"/>
-            <a:ext cx="109728" cy="146304"/>
+            <a:off x="822960" y="3090672"/>
+            <a:ext cx="109728" cy="128016"/>
           </a:xfrm>
           <a:prstGeom prst="rect">
             <a:avLst/>
@@ -32637,8 +32637,8 @@
         </p:nvSpPr>
         <p:spPr>
           <a:xfrm>
-            <a:off x="960120" y="3502151"/>
-            <a:ext cx="8366760" cy="146304"/>
+            <a:off x="960120" y="3090672"/>
+            <a:ext cx="8366760" cy="128016"/>
           </a:xfrm>
           <a:prstGeom prst="rect">
             <a:avLst/>
@@ -32673,8 +32673,8 @@
         </p:nvSpPr>
         <p:spPr>
           <a:xfrm>
-            <a:off x="822960" y="3675887"/>
-            <a:ext cx="109728" cy="146304"/>
+            <a:off x="822960" y="3218688"/>
+            <a:ext cx="109728" cy="128016"/>
           </a:xfrm>
           <a:prstGeom prst="rect">
             <a:avLst/>
@@ -32709,8 +32709,8 @@
         </p:nvSpPr>
         <p:spPr>
           <a:xfrm>
-            <a:off x="960120" y="3675887"/>
-            <a:ext cx="8366760" cy="146304"/>
+            <a:off x="960120" y="3218688"/>
+            <a:ext cx="8366760" cy="128016"/>
           </a:xfrm>
           <a:prstGeom prst="rect">
             <a:avLst/>
@@ -32745,8 +32745,8 @@
         </p:nvSpPr>
         <p:spPr>
           <a:xfrm>
-            <a:off x="822960" y="3849624"/>
-            <a:ext cx="109728" cy="146304"/>
+            <a:off x="822960" y="3346704"/>
+            <a:ext cx="109728" cy="128016"/>
           </a:xfrm>
           <a:prstGeom prst="rect">
             <a:avLst/>
@@ -32781,8 +32781,8 @@
         </p:nvSpPr>
         <p:spPr>
           <a:xfrm>
-            <a:off x="960120" y="3849624"/>
-            <a:ext cx="8366760" cy="146304"/>
+            <a:off x="960120" y="3346704"/>
+            <a:ext cx="8366760" cy="128016"/>
           </a:xfrm>
           <a:prstGeom prst="rect">
             <a:avLst/>
@@ -32817,8 +32817,8 @@
         </p:nvSpPr>
         <p:spPr>
           <a:xfrm>
-            <a:off x="822960" y="4023360"/>
-            <a:ext cx="109728" cy="146304"/>
+            <a:off x="822960" y="3474720"/>
+            <a:ext cx="109728" cy="128016"/>
           </a:xfrm>
           <a:prstGeom prst="rect">
             <a:avLst/>
@@ -32853,8 +32853,8 @@
         </p:nvSpPr>
         <p:spPr>
           <a:xfrm>
-            <a:off x="960120" y="4023360"/>
-            <a:ext cx="8366760" cy="146304"/>
+            <a:off x="960120" y="3474720"/>
+            <a:ext cx="8366760" cy="128016"/>
           </a:xfrm>
           <a:prstGeom prst="rect">
             <a:avLst/>
@@ -32889,7 +32889,7 @@
         </p:nvSpPr>
         <p:spPr>
           <a:xfrm>
-            <a:off x="731520" y="4306824"/>
+            <a:off x="731520" y="3675888"/>
             <a:ext cx="8686800" cy="256032"/>
           </a:xfrm>
           <a:prstGeom prst="rect">
@@ -32934,7 +32934,7 @@
         </p:nvSpPr>
         <p:spPr>
           <a:xfrm>
-            <a:off x="822960" y="4334256"/>
+            <a:off x="822960" y="3703320"/>
             <a:ext cx="8503920" cy="201168"/>
           </a:xfrm>
           <a:prstGeom prst="rect">
@@ -32970,8 +32970,8 @@
         </p:nvSpPr>
         <p:spPr>
           <a:xfrm>
-            <a:off x="822960" y="4654296"/>
-            <a:ext cx="109728" cy="146304"/>
+            <a:off x="822960" y="3950208"/>
+            <a:ext cx="109728" cy="128016"/>
           </a:xfrm>
           <a:prstGeom prst="rect">
             <a:avLst/>
@@ -33006,8 +33006,8 @@
         </p:nvSpPr>
         <p:spPr>
           <a:xfrm>
-            <a:off x="960120" y="4654296"/>
-            <a:ext cx="8366760" cy="146304"/>
+            <a:off x="960120" y="3950208"/>
+            <a:ext cx="8366760" cy="128016"/>
           </a:xfrm>
           <a:prstGeom prst="rect">
             <a:avLst/>
@@ -33042,8 +33042,8 @@
         </p:nvSpPr>
         <p:spPr>
           <a:xfrm>
-            <a:off x="822960" y="4828032"/>
-            <a:ext cx="109728" cy="146304"/>
+            <a:off x="822960" y="4078224"/>
+            <a:ext cx="109728" cy="128016"/>
           </a:xfrm>
           <a:prstGeom prst="rect">
             <a:avLst/>
@@ -33078,8 +33078,8 @@
         </p:nvSpPr>
         <p:spPr>
           <a:xfrm>
-            <a:off x="960120" y="4828032"/>
-            <a:ext cx="8366760" cy="146304"/>
+            <a:off x="960120" y="4078224"/>
+            <a:ext cx="8366760" cy="128016"/>
           </a:xfrm>
           <a:prstGeom prst="rect">
             <a:avLst/>
@@ -33114,8 +33114,8 @@
         </p:nvSpPr>
         <p:spPr>
           <a:xfrm>
-            <a:off x="822960" y="5001768"/>
-            <a:ext cx="109728" cy="146304"/>
+            <a:off x="822960" y="4206240"/>
+            <a:ext cx="109728" cy="128016"/>
           </a:xfrm>
           <a:prstGeom prst="rect">
             <a:avLst/>
@@ -33150,8 +33150,8 @@
         </p:nvSpPr>
         <p:spPr>
           <a:xfrm>
-            <a:off x="960120" y="5001768"/>
-            <a:ext cx="8366760" cy="146304"/>
+            <a:off x="960120" y="4206240"/>
+            <a:ext cx="8366760" cy="128016"/>
           </a:xfrm>
           <a:prstGeom prst="rect">
             <a:avLst/>
@@ -33186,8 +33186,8 @@
         </p:nvSpPr>
         <p:spPr>
           <a:xfrm>
-            <a:off x="822960" y="5175504"/>
-            <a:ext cx="109728" cy="146304"/>
+            <a:off x="822960" y="4334255"/>
+            <a:ext cx="109728" cy="128016"/>
           </a:xfrm>
           <a:prstGeom prst="rect">
             <a:avLst/>
@@ -33222,8 +33222,8 @@
         </p:nvSpPr>
         <p:spPr>
           <a:xfrm>
-            <a:off x="960120" y="5175504"/>
-            <a:ext cx="8366760" cy="146304"/>
+            <a:off x="960120" y="4334255"/>
+            <a:ext cx="8366760" cy="128016"/>
           </a:xfrm>
           <a:prstGeom prst="rect">
             <a:avLst/>
@@ -33465,8 +33465,8 @@
         </p:nvSpPr>
         <p:spPr>
           <a:xfrm>
-            <a:off x="822960" y="2176272"/>
-            <a:ext cx="109728" cy="146304"/>
+            <a:off x="822960" y="2103120"/>
+            <a:ext cx="109728" cy="128016"/>
           </a:xfrm>
           <a:prstGeom prst="rect">
             <a:avLst/>
@@ -33501,8 +33501,8 @@
         </p:nvSpPr>
         <p:spPr>
           <a:xfrm>
-            <a:off x="960120" y="2176272"/>
-            <a:ext cx="8366760" cy="146304"/>
+            <a:off x="960120" y="2103120"/>
+            <a:ext cx="8366760" cy="128016"/>
           </a:xfrm>
           <a:prstGeom prst="rect">
             <a:avLst/>
@@ -33537,8 +33537,8 @@
         </p:nvSpPr>
         <p:spPr>
           <a:xfrm>
-            <a:off x="822960" y="2350008"/>
-            <a:ext cx="109728" cy="146304"/>
+            <a:off x="822960" y="2231136"/>
+            <a:ext cx="109728" cy="128016"/>
           </a:xfrm>
           <a:prstGeom prst="rect">
             <a:avLst/>
@@ -33573,8 +33573,8 @@
         </p:nvSpPr>
         <p:spPr>
           <a:xfrm>
-            <a:off x="960120" y="2350008"/>
-            <a:ext cx="8366760" cy="146304"/>
+            <a:off x="960120" y="2231136"/>
+            <a:ext cx="8366760" cy="128016"/>
           </a:xfrm>
           <a:prstGeom prst="rect">
             <a:avLst/>
@@ -33609,8 +33609,8 @@
         </p:nvSpPr>
         <p:spPr>
           <a:xfrm>
-            <a:off x="822960" y="2523744"/>
-            <a:ext cx="109728" cy="146304"/>
+            <a:off x="822960" y="2359152"/>
+            <a:ext cx="109728" cy="128016"/>
           </a:xfrm>
           <a:prstGeom prst="rect">
             <a:avLst/>
@@ -33645,8 +33645,8 @@
         </p:nvSpPr>
         <p:spPr>
           <a:xfrm>
-            <a:off x="960120" y="2523744"/>
-            <a:ext cx="8366760" cy="146304"/>
+            <a:off x="960120" y="2359152"/>
+            <a:ext cx="8366760" cy="128016"/>
           </a:xfrm>
           <a:prstGeom prst="rect">
             <a:avLst/>
@@ -33681,8 +33681,8 @@
         </p:nvSpPr>
         <p:spPr>
           <a:xfrm>
-            <a:off x="822960" y="2697479"/>
-            <a:ext cx="109728" cy="146304"/>
+            <a:off x="822960" y="2487168"/>
+            <a:ext cx="109728" cy="128016"/>
           </a:xfrm>
           <a:prstGeom prst="rect">
             <a:avLst/>
@@ -33717,8 +33717,8 @@
         </p:nvSpPr>
         <p:spPr>
           <a:xfrm>
-            <a:off x="960120" y="2697479"/>
-            <a:ext cx="8366760" cy="146304"/>
+            <a:off x="960120" y="2487168"/>
+            <a:ext cx="8366760" cy="128016"/>
           </a:xfrm>
           <a:prstGeom prst="rect">
             <a:avLst/>
@@ -33753,7 +33753,7 @@
         </p:nvSpPr>
         <p:spPr>
           <a:xfrm>
-            <a:off x="731520" y="2980944"/>
+            <a:off x="731520" y="2688336"/>
             <a:ext cx="8686800" cy="256032"/>
           </a:xfrm>
           <a:prstGeom prst="rect">
@@ -33798,7 +33798,7 @@
         </p:nvSpPr>
         <p:spPr>
           <a:xfrm>
-            <a:off x="822960" y="3008375"/>
+            <a:off x="822960" y="2715768"/>
             <a:ext cx="8503920" cy="201168"/>
           </a:xfrm>
           <a:prstGeom prst="rect">
@@ -33834,8 +33834,8 @@
         </p:nvSpPr>
         <p:spPr>
           <a:xfrm>
-            <a:off x="822960" y="3328415"/>
-            <a:ext cx="109728" cy="146304"/>
+            <a:off x="822960" y="2962656"/>
+            <a:ext cx="109728" cy="128016"/>
           </a:xfrm>
           <a:prstGeom prst="rect">
             <a:avLst/>
@@ -33870,8 +33870,8 @@
         </p:nvSpPr>
         <p:spPr>
           <a:xfrm>
-            <a:off x="960120" y="3328415"/>
-            <a:ext cx="8366760" cy="146304"/>
+            <a:off x="960120" y="2962656"/>
+            <a:ext cx="8366760" cy="128016"/>
           </a:xfrm>
           <a:prstGeom prst="rect">
             <a:avLst/>
@@ -33906,8 +33906,8 @@
         </p:nvSpPr>
         <p:spPr>
           <a:xfrm>
-            <a:off x="822960" y="3502151"/>
-            <a:ext cx="109728" cy="146304"/>
+            <a:off x="822960" y="3090672"/>
+            <a:ext cx="109728" cy="128016"/>
           </a:xfrm>
           <a:prstGeom prst="rect">
             <a:avLst/>
@@ -33942,8 +33942,8 @@
         </p:nvSpPr>
         <p:spPr>
           <a:xfrm>
-            <a:off x="960120" y="3502151"/>
-            <a:ext cx="8366760" cy="146304"/>
+            <a:off x="960120" y="3090672"/>
+            <a:ext cx="8366760" cy="128016"/>
           </a:xfrm>
           <a:prstGeom prst="rect">
             <a:avLst/>
@@ -33978,8 +33978,8 @@
         </p:nvSpPr>
         <p:spPr>
           <a:xfrm>
-            <a:off x="822960" y="3675887"/>
-            <a:ext cx="109728" cy="146304"/>
+            <a:off x="822960" y="3218688"/>
+            <a:ext cx="109728" cy="128016"/>
           </a:xfrm>
           <a:prstGeom prst="rect">
             <a:avLst/>
@@ -34014,8 +34014,8 @@
         </p:nvSpPr>
         <p:spPr>
           <a:xfrm>
-            <a:off x="960120" y="3675887"/>
-            <a:ext cx="8366760" cy="146304"/>
+            <a:off x="960120" y="3218688"/>
+            <a:ext cx="8366760" cy="128016"/>
           </a:xfrm>
           <a:prstGeom prst="rect">
             <a:avLst/>
@@ -34050,8 +34050,8 @@
         </p:nvSpPr>
         <p:spPr>
           <a:xfrm>
-            <a:off x="822960" y="3849624"/>
-            <a:ext cx="109728" cy="146304"/>
+            <a:off x="822960" y="3346704"/>
+            <a:ext cx="109728" cy="128016"/>
           </a:xfrm>
           <a:prstGeom prst="rect">
             <a:avLst/>
@@ -34086,8 +34086,8 @@
         </p:nvSpPr>
         <p:spPr>
           <a:xfrm>
-            <a:off x="960120" y="3849624"/>
-            <a:ext cx="8366760" cy="146304"/>
+            <a:off x="960120" y="3346704"/>
+            <a:ext cx="8366760" cy="128016"/>
           </a:xfrm>
           <a:prstGeom prst="rect">
             <a:avLst/>
@@ -34122,7 +34122,7 @@
         </p:nvSpPr>
         <p:spPr>
           <a:xfrm>
-            <a:off x="731520" y="4133088"/>
+            <a:off x="731520" y="3547872"/>
             <a:ext cx="8686800" cy="256032"/>
           </a:xfrm>
           <a:prstGeom prst="rect">
@@ -34167,7 +34167,7 @@
         </p:nvSpPr>
         <p:spPr>
           <a:xfrm>
-            <a:off x="822960" y="4160520"/>
+            <a:off x="822960" y="3575304"/>
             <a:ext cx="8503920" cy="201168"/>
           </a:xfrm>
           <a:prstGeom prst="rect">
@@ -34203,8 +34203,8 @@
         </p:nvSpPr>
         <p:spPr>
           <a:xfrm>
-            <a:off x="822960" y="4480560"/>
-            <a:ext cx="109728" cy="146304"/>
+            <a:off x="822960" y="3822192"/>
+            <a:ext cx="109728" cy="128016"/>
           </a:xfrm>
           <a:prstGeom prst="rect">
             <a:avLst/>
@@ -34239,8 +34239,8 @@
         </p:nvSpPr>
         <p:spPr>
           <a:xfrm>
-            <a:off x="960120" y="4480560"/>
-            <a:ext cx="8366760" cy="146304"/>
+            <a:off x="960120" y="3822192"/>
+            <a:ext cx="8366760" cy="128016"/>
           </a:xfrm>
           <a:prstGeom prst="rect">
             <a:avLst/>
@@ -34275,8 +34275,8 @@
         </p:nvSpPr>
         <p:spPr>
           <a:xfrm>
-            <a:off x="822960" y="4654296"/>
-            <a:ext cx="109728" cy="146304"/>
+            <a:off x="822960" y="3950208"/>
+            <a:ext cx="109728" cy="128016"/>
           </a:xfrm>
           <a:prstGeom prst="rect">
             <a:avLst/>
@@ -34311,8 +34311,8 @@
         </p:nvSpPr>
         <p:spPr>
           <a:xfrm>
-            <a:off x="960120" y="4654296"/>
-            <a:ext cx="8366760" cy="146304"/>
+            <a:off x="960120" y="3950208"/>
+            <a:ext cx="8366760" cy="128016"/>
           </a:xfrm>
           <a:prstGeom prst="rect">
             <a:avLst/>
@@ -34347,8 +34347,8 @@
         </p:nvSpPr>
         <p:spPr>
           <a:xfrm>
-            <a:off x="822960" y="4828032"/>
-            <a:ext cx="109728" cy="146304"/>
+            <a:off x="822960" y="4078224"/>
+            <a:ext cx="109728" cy="128016"/>
           </a:xfrm>
           <a:prstGeom prst="rect">
             <a:avLst/>
@@ -34383,8 +34383,8 @@
         </p:nvSpPr>
         <p:spPr>
           <a:xfrm>
-            <a:off x="960120" y="4828032"/>
-            <a:ext cx="8366760" cy="146304"/>
+            <a:off x="960120" y="4078224"/>
+            <a:ext cx="8366760" cy="128016"/>
           </a:xfrm>
           <a:prstGeom prst="rect">
             <a:avLst/>
@@ -34419,8 +34419,8 @@
         </p:nvSpPr>
         <p:spPr>
           <a:xfrm>
-            <a:off x="822960" y="5001768"/>
-            <a:ext cx="109728" cy="146304"/>
+            <a:off x="822960" y="4206240"/>
+            <a:ext cx="109728" cy="128016"/>
           </a:xfrm>
           <a:prstGeom prst="rect">
             <a:avLst/>
@@ -34455,8 +34455,8 @@
         </p:nvSpPr>
         <p:spPr>
           <a:xfrm>
-            <a:off x="960120" y="5001768"/>
-            <a:ext cx="8366760" cy="146304"/>
+            <a:off x="960120" y="4206240"/>
+            <a:ext cx="8366760" cy="128016"/>
           </a:xfrm>
           <a:prstGeom prst="rect">
             <a:avLst/>
@@ -34491,8 +34491,8 @@
         </p:nvSpPr>
         <p:spPr>
           <a:xfrm>
-            <a:off x="822960" y="5175504"/>
-            <a:ext cx="109728" cy="146304"/>
+            <a:off x="822960" y="4334255"/>
+            <a:ext cx="109728" cy="128016"/>
           </a:xfrm>
           <a:prstGeom prst="rect">
             <a:avLst/>
@@ -34527,8 +34527,8 @@
         </p:nvSpPr>
         <p:spPr>
           <a:xfrm>
-            <a:off x="960120" y="5175504"/>
-            <a:ext cx="8366760" cy="146304"/>
+            <a:off x="960120" y="4334255"/>
+            <a:ext cx="8366760" cy="128016"/>
           </a:xfrm>
           <a:prstGeom prst="rect">
             <a:avLst/>
@@ -34770,8 +34770,8 @@
         </p:nvSpPr>
         <p:spPr>
           <a:xfrm>
-            <a:off x="822960" y="2176272"/>
-            <a:ext cx="109728" cy="146304"/>
+            <a:off x="822960" y="2103120"/>
+            <a:ext cx="109728" cy="128016"/>
           </a:xfrm>
           <a:prstGeom prst="rect">
             <a:avLst/>
@@ -34806,8 +34806,8 @@
         </p:nvSpPr>
         <p:spPr>
           <a:xfrm>
-            <a:off x="960120" y="2176272"/>
-            <a:ext cx="8366760" cy="146304"/>
+            <a:off x="960120" y="2103120"/>
+            <a:ext cx="8366760" cy="128016"/>
           </a:xfrm>
           <a:prstGeom prst="rect">
             <a:avLst/>
@@ -34842,8 +34842,8 @@
         </p:nvSpPr>
         <p:spPr>
           <a:xfrm>
-            <a:off x="822960" y="2350008"/>
-            <a:ext cx="109728" cy="146304"/>
+            <a:off x="822960" y="2231136"/>
+            <a:ext cx="109728" cy="128016"/>
           </a:xfrm>
           <a:prstGeom prst="rect">
             <a:avLst/>
@@ -34878,8 +34878,8 @@
         </p:nvSpPr>
         <p:spPr>
           <a:xfrm>
-            <a:off x="960120" y="2350008"/>
-            <a:ext cx="8366760" cy="146304"/>
+            <a:off x="960120" y="2231136"/>
+            <a:ext cx="8366760" cy="128016"/>
           </a:xfrm>
           <a:prstGeom prst="rect">
             <a:avLst/>
@@ -34914,8 +34914,8 @@
         </p:nvSpPr>
         <p:spPr>
           <a:xfrm>
-            <a:off x="822960" y="2523744"/>
-            <a:ext cx="109728" cy="146304"/>
+            <a:off x="822960" y="2359152"/>
+            <a:ext cx="109728" cy="128016"/>
           </a:xfrm>
           <a:prstGeom prst="rect">
             <a:avLst/>
@@ -34950,8 +34950,8 @@
         </p:nvSpPr>
         <p:spPr>
           <a:xfrm>
-            <a:off x="960120" y="2523744"/>
-            <a:ext cx="8366760" cy="146304"/>
+            <a:off x="960120" y="2359152"/>
+            <a:ext cx="8366760" cy="128016"/>
           </a:xfrm>
           <a:prstGeom prst="rect">
             <a:avLst/>
@@ -34986,8 +34986,8 @@
         </p:nvSpPr>
         <p:spPr>
           <a:xfrm>
-            <a:off x="822960" y="2697479"/>
-            <a:ext cx="109728" cy="146304"/>
+            <a:off x="822960" y="2487168"/>
+            <a:ext cx="109728" cy="128016"/>
           </a:xfrm>
           <a:prstGeom prst="rect">
             <a:avLst/>
@@ -35022,8 +35022,8 @@
         </p:nvSpPr>
         <p:spPr>
           <a:xfrm>
-            <a:off x="960120" y="2697479"/>
-            <a:ext cx="8366760" cy="146304"/>
+            <a:off x="960120" y="2487168"/>
+            <a:ext cx="8366760" cy="128016"/>
           </a:xfrm>
           <a:prstGeom prst="rect">
             <a:avLst/>
@@ -35058,7 +35058,7 @@
         </p:nvSpPr>
         <p:spPr>
           <a:xfrm>
-            <a:off x="731520" y="2980944"/>
+            <a:off x="731520" y="2688336"/>
             <a:ext cx="8686800" cy="256032"/>
           </a:xfrm>
           <a:prstGeom prst="rect">
@@ -35103,7 +35103,7 @@
         </p:nvSpPr>
         <p:spPr>
           <a:xfrm>
-            <a:off x="822960" y="3008375"/>
+            <a:off x="822960" y="2715768"/>
             <a:ext cx="8503920" cy="201168"/>
           </a:xfrm>
           <a:prstGeom prst="rect">
@@ -35139,8 +35139,8 @@
         </p:nvSpPr>
         <p:spPr>
           <a:xfrm>
-            <a:off x="822960" y="3328415"/>
-            <a:ext cx="109728" cy="146304"/>
+            <a:off x="822960" y="2962656"/>
+            <a:ext cx="109728" cy="128016"/>
           </a:xfrm>
           <a:prstGeom prst="rect">
             <a:avLst/>
@@ -35175,8 +35175,8 @@
         </p:nvSpPr>
         <p:spPr>
           <a:xfrm>
-            <a:off x="960120" y="3328415"/>
-            <a:ext cx="8366760" cy="146304"/>
+            <a:off x="960120" y="2962656"/>
+            <a:ext cx="8366760" cy="128016"/>
           </a:xfrm>
           <a:prstGeom prst="rect">
             <a:avLst/>
@@ -35211,8 +35211,8 @@
         </p:nvSpPr>
         <p:spPr>
           <a:xfrm>
-            <a:off x="822960" y="3502151"/>
-            <a:ext cx="109728" cy="146304"/>
+            <a:off x="822960" y="3090672"/>
+            <a:ext cx="109728" cy="128016"/>
           </a:xfrm>
           <a:prstGeom prst="rect">
             <a:avLst/>
@@ -35247,8 +35247,8 @@
         </p:nvSpPr>
         <p:spPr>
           <a:xfrm>
-            <a:off x="960120" y="3502151"/>
-            <a:ext cx="8366760" cy="146304"/>
+            <a:off x="960120" y="3090672"/>
+            <a:ext cx="8366760" cy="128016"/>
           </a:xfrm>
           <a:prstGeom prst="rect">
             <a:avLst/>
@@ -35283,8 +35283,8 @@
         </p:nvSpPr>
         <p:spPr>
           <a:xfrm>
-            <a:off x="822960" y="3675887"/>
-            <a:ext cx="109728" cy="146304"/>
+            <a:off x="822960" y="3218688"/>
+            <a:ext cx="109728" cy="128016"/>
           </a:xfrm>
           <a:prstGeom prst="rect">
             <a:avLst/>
@@ -35319,8 +35319,8 @@
         </p:nvSpPr>
         <p:spPr>
           <a:xfrm>
-            <a:off x="960120" y="3675887"/>
-            <a:ext cx="8366760" cy="146304"/>
+            <a:off x="960120" y="3218688"/>
+            <a:ext cx="8366760" cy="128016"/>
           </a:xfrm>
           <a:prstGeom prst="rect">
             <a:avLst/>
@@ -35355,8 +35355,8 @@
         </p:nvSpPr>
         <p:spPr>
           <a:xfrm>
-            <a:off x="822960" y="3849624"/>
-            <a:ext cx="109728" cy="146304"/>
+            <a:off x="822960" y="3346704"/>
+            <a:ext cx="109728" cy="128016"/>
           </a:xfrm>
           <a:prstGeom prst="rect">
             <a:avLst/>
@@ -35391,8 +35391,8 @@
         </p:nvSpPr>
         <p:spPr>
           <a:xfrm>
-            <a:off x="960120" y="3849624"/>
-            <a:ext cx="8366760" cy="146304"/>
+            <a:off x="960120" y="3346704"/>
+            <a:ext cx="8366760" cy="128016"/>
           </a:xfrm>
           <a:prstGeom prst="rect">
             <a:avLst/>
@@ -35427,7 +35427,7 @@
         </p:nvSpPr>
         <p:spPr>
           <a:xfrm>
-            <a:off x="731520" y="4133088"/>
+            <a:off x="731520" y="3547872"/>
             <a:ext cx="8686800" cy="256032"/>
           </a:xfrm>
           <a:prstGeom prst="rect">
@@ -35472,7 +35472,7 @@
         </p:nvSpPr>
         <p:spPr>
           <a:xfrm>
-            <a:off x="822960" y="4160520"/>
+            <a:off x="822960" y="3575304"/>
             <a:ext cx="8503920" cy="201168"/>
           </a:xfrm>
           <a:prstGeom prst="rect">
@@ -35508,8 +35508,8 @@
         </p:nvSpPr>
         <p:spPr>
           <a:xfrm>
-            <a:off x="822960" y="4480560"/>
-            <a:ext cx="109728" cy="146304"/>
+            <a:off x="822960" y="3822192"/>
+            <a:ext cx="109728" cy="128016"/>
           </a:xfrm>
           <a:prstGeom prst="rect">
             <a:avLst/>
@@ -35544,8 +35544,8 @@
         </p:nvSpPr>
         <p:spPr>
           <a:xfrm>
-            <a:off x="960120" y="4480560"/>
-            <a:ext cx="8366760" cy="146304"/>
+            <a:off x="960120" y="3822192"/>
+            <a:ext cx="8366760" cy="128016"/>
           </a:xfrm>
           <a:prstGeom prst="rect">
             <a:avLst/>
@@ -35580,8 +35580,8 @@
         </p:nvSpPr>
         <p:spPr>
           <a:xfrm>
-            <a:off x="822960" y="4654296"/>
-            <a:ext cx="109728" cy="146304"/>
+            <a:off x="822960" y="3950208"/>
+            <a:ext cx="109728" cy="128016"/>
           </a:xfrm>
           <a:prstGeom prst="rect">
             <a:avLst/>
@@ -35616,8 +35616,8 @@
         </p:nvSpPr>
         <p:spPr>
           <a:xfrm>
-            <a:off x="960120" y="4654296"/>
-            <a:ext cx="8366760" cy="146304"/>
+            <a:off x="960120" y="3950208"/>
+            <a:ext cx="8366760" cy="128016"/>
           </a:xfrm>
           <a:prstGeom prst="rect">
             <a:avLst/>
@@ -35652,8 +35652,8 @@
         </p:nvSpPr>
         <p:spPr>
           <a:xfrm>
-            <a:off x="822960" y="4828032"/>
-            <a:ext cx="109728" cy="146304"/>
+            <a:off x="822960" y="4078224"/>
+            <a:ext cx="109728" cy="128016"/>
           </a:xfrm>
           <a:prstGeom prst="rect">
             <a:avLst/>
@@ -35688,8 +35688,8 @@
         </p:nvSpPr>
         <p:spPr>
           <a:xfrm>
-            <a:off x="960120" y="4828032"/>
-            <a:ext cx="8366760" cy="146304"/>
+            <a:off x="960120" y="4078224"/>
+            <a:ext cx="8366760" cy="128016"/>
           </a:xfrm>
           <a:prstGeom prst="rect">
             <a:avLst/>
@@ -35724,8 +35724,8 @@
         </p:nvSpPr>
         <p:spPr>
           <a:xfrm>
-            <a:off x="822960" y="5001768"/>
-            <a:ext cx="109728" cy="146304"/>
+            <a:off x="822960" y="4206240"/>
+            <a:ext cx="109728" cy="128016"/>
           </a:xfrm>
           <a:prstGeom prst="rect">
             <a:avLst/>
@@ -35760,8 +35760,8 @@
         </p:nvSpPr>
         <p:spPr>
           <a:xfrm>
-            <a:off x="960120" y="5001768"/>
-            <a:ext cx="8366760" cy="146304"/>
+            <a:off x="960120" y="4206240"/>
+            <a:ext cx="8366760" cy="128016"/>
           </a:xfrm>
           <a:prstGeom prst="rect">
             <a:avLst/>
@@ -35796,7 +35796,7 @@
         </p:nvSpPr>
         <p:spPr>
           <a:xfrm>
-            <a:off x="731520" y="5285232"/>
+            <a:off x="731520" y="4407407"/>
             <a:ext cx="8686800" cy="256032"/>
           </a:xfrm>
           <a:prstGeom prst="rect">
@@ -35841,7 +35841,7 @@
         </p:nvSpPr>
         <p:spPr>
           <a:xfrm>
-            <a:off x="822960" y="5312664"/>
+            <a:off x="822960" y="4434840"/>
             <a:ext cx="8503920" cy="201168"/>
           </a:xfrm>
           <a:prstGeom prst="rect">
@@ -35877,8 +35877,8 @@
         </p:nvSpPr>
         <p:spPr>
           <a:xfrm>
-            <a:off x="822960" y="5632704"/>
-            <a:ext cx="109728" cy="146304"/>
+            <a:off x="822960" y="4681727"/>
+            <a:ext cx="109728" cy="128016"/>
           </a:xfrm>
           <a:prstGeom prst="rect">
             <a:avLst/>
@@ -35913,8 +35913,8 @@
         </p:nvSpPr>
         <p:spPr>
           <a:xfrm>
-            <a:off x="960120" y="5632704"/>
-            <a:ext cx="8366760" cy="146304"/>
+            <a:off x="960120" y="4681727"/>
+            <a:ext cx="8366760" cy="128016"/>
           </a:xfrm>
           <a:prstGeom prst="rect">
             <a:avLst/>
@@ -35949,8 +35949,8 @@
         </p:nvSpPr>
         <p:spPr>
           <a:xfrm>
-            <a:off x="822960" y="5806440"/>
-            <a:ext cx="109728" cy="146304"/>
+            <a:off x="822960" y="4809743"/>
+            <a:ext cx="109728" cy="128016"/>
           </a:xfrm>
           <a:prstGeom prst="rect">
             <a:avLst/>
@@ -35985,8 +35985,8 @@
         </p:nvSpPr>
         <p:spPr>
           <a:xfrm>
-            <a:off x="960120" y="5806440"/>
-            <a:ext cx="8366760" cy="146304"/>
+            <a:off x="960120" y="4809743"/>
+            <a:ext cx="8366760" cy="128016"/>
           </a:xfrm>
           <a:prstGeom prst="rect">
             <a:avLst/>
@@ -36021,8 +36021,8 @@
         </p:nvSpPr>
         <p:spPr>
           <a:xfrm>
-            <a:off x="822960" y="5980176"/>
-            <a:ext cx="109728" cy="146304"/>
+            <a:off x="822960" y="4937759"/>
+            <a:ext cx="109728" cy="128016"/>
           </a:xfrm>
           <a:prstGeom prst="rect">
             <a:avLst/>
@@ -36057,8 +36057,8 @@
         </p:nvSpPr>
         <p:spPr>
           <a:xfrm>
-            <a:off x="960120" y="5980176"/>
-            <a:ext cx="8366760" cy="146304"/>
+            <a:off x="960120" y="4937759"/>
+            <a:ext cx="8366760" cy="128016"/>
           </a:xfrm>
           <a:prstGeom prst="rect">
             <a:avLst/>
@@ -36093,8 +36093,8 @@
         </p:nvSpPr>
         <p:spPr>
           <a:xfrm>
-            <a:off x="822960" y="6153912"/>
-            <a:ext cx="109728" cy="146304"/>
+            <a:off x="822960" y="5065775"/>
+            <a:ext cx="109728" cy="128016"/>
           </a:xfrm>
           <a:prstGeom prst="rect">
             <a:avLst/>
@@ -36129,8 +36129,8 @@
         </p:nvSpPr>
         <p:spPr>
           <a:xfrm>
-            <a:off x="960120" y="6153912"/>
-            <a:ext cx="8366760" cy="146304"/>
+            <a:off x="960120" y="5065775"/>
+            <a:ext cx="8366760" cy="128016"/>
           </a:xfrm>
           <a:prstGeom prst="rect">
             <a:avLst/>
@@ -36372,8 +36372,8 @@
         </p:nvSpPr>
         <p:spPr>
           <a:xfrm>
-            <a:off x="822960" y="2176272"/>
-            <a:ext cx="109728" cy="146304"/>
+            <a:off x="822960" y="2103120"/>
+            <a:ext cx="109728" cy="128016"/>
           </a:xfrm>
           <a:prstGeom prst="rect">
             <a:avLst/>
@@ -36408,8 +36408,8 @@
         </p:nvSpPr>
         <p:spPr>
           <a:xfrm>
-            <a:off x="960120" y="2176272"/>
-            <a:ext cx="8366760" cy="146304"/>
+            <a:off x="960120" y="2103120"/>
+            <a:ext cx="8366760" cy="128016"/>
           </a:xfrm>
           <a:prstGeom prst="rect">
             <a:avLst/>
@@ -36444,8 +36444,8 @@
         </p:nvSpPr>
         <p:spPr>
           <a:xfrm>
-            <a:off x="822960" y="2350008"/>
-            <a:ext cx="109728" cy="146304"/>
+            <a:off x="822960" y="2231136"/>
+            <a:ext cx="109728" cy="128016"/>
           </a:xfrm>
           <a:prstGeom prst="rect">
             <a:avLst/>
@@ -36480,8 +36480,8 @@
         </p:nvSpPr>
         <p:spPr>
           <a:xfrm>
-            <a:off x="960120" y="2350008"/>
-            <a:ext cx="8366760" cy="146304"/>
+            <a:off x="960120" y="2231136"/>
+            <a:ext cx="8366760" cy="128016"/>
           </a:xfrm>
           <a:prstGeom prst="rect">
             <a:avLst/>
@@ -36516,8 +36516,8 @@
         </p:nvSpPr>
         <p:spPr>
           <a:xfrm>
-            <a:off x="822960" y="2523744"/>
-            <a:ext cx="109728" cy="146304"/>
+            <a:off x="822960" y="2359152"/>
+            <a:ext cx="109728" cy="128016"/>
           </a:xfrm>
           <a:prstGeom prst="rect">
             <a:avLst/>
@@ -36552,8 +36552,8 @@
         </p:nvSpPr>
         <p:spPr>
           <a:xfrm>
-            <a:off x="960120" y="2523744"/>
-            <a:ext cx="8366760" cy="146304"/>
+            <a:off x="960120" y="2359152"/>
+            <a:ext cx="8366760" cy="128016"/>
           </a:xfrm>
           <a:prstGeom prst="rect">
             <a:avLst/>
@@ -36588,7 +36588,7 @@
         </p:nvSpPr>
         <p:spPr>
           <a:xfrm>
-            <a:off x="731520" y="2807208"/>
+            <a:off x="731520" y="2560320"/>
             <a:ext cx="8686800" cy="256032"/>
           </a:xfrm>
           <a:prstGeom prst="rect">
@@ -36633,7 +36633,7 @@
         </p:nvSpPr>
         <p:spPr>
           <a:xfrm>
-            <a:off x="822960" y="2834639"/>
+            <a:off x="822960" y="2587752"/>
             <a:ext cx="8503920" cy="201168"/>
           </a:xfrm>
           <a:prstGeom prst="rect">
@@ -36669,8 +36669,8 @@
         </p:nvSpPr>
         <p:spPr>
           <a:xfrm>
-            <a:off x="822960" y="3154679"/>
-            <a:ext cx="109728" cy="146304"/>
+            <a:off x="822960" y="2834640"/>
+            <a:ext cx="109728" cy="128016"/>
           </a:xfrm>
           <a:prstGeom prst="rect">
             <a:avLst/>
@@ -36705,8 +36705,8 @@
         </p:nvSpPr>
         <p:spPr>
           <a:xfrm>
-            <a:off x="960120" y="3154679"/>
-            <a:ext cx="8366760" cy="146304"/>
+            <a:off x="960120" y="2834640"/>
+            <a:ext cx="8366760" cy="128016"/>
           </a:xfrm>
           <a:prstGeom prst="rect">
             <a:avLst/>
@@ -36741,8 +36741,8 @@
         </p:nvSpPr>
         <p:spPr>
           <a:xfrm>
-            <a:off x="822960" y="3328415"/>
-            <a:ext cx="109728" cy="146304"/>
+            <a:off x="822960" y="2962656"/>
+            <a:ext cx="109728" cy="128016"/>
           </a:xfrm>
           <a:prstGeom prst="rect">
             <a:avLst/>
@@ -36777,8 +36777,8 @@
         </p:nvSpPr>
         <p:spPr>
           <a:xfrm>
-            <a:off x="960120" y="3328415"/>
-            <a:ext cx="8366760" cy="146304"/>
+            <a:off x="960120" y="2962656"/>
+            <a:ext cx="8366760" cy="128016"/>
           </a:xfrm>
           <a:prstGeom prst="rect">
             <a:avLst/>
@@ -36813,8 +36813,8 @@
         </p:nvSpPr>
         <p:spPr>
           <a:xfrm>
-            <a:off x="822960" y="3502151"/>
-            <a:ext cx="109728" cy="146304"/>
+            <a:off x="822960" y="3090672"/>
+            <a:ext cx="109728" cy="128016"/>
           </a:xfrm>
           <a:prstGeom prst="rect">
             <a:avLst/>
@@ -36849,8 +36849,8 @@
         </p:nvSpPr>
         <p:spPr>
           <a:xfrm>
-            <a:off x="960120" y="3502151"/>
-            <a:ext cx="8366760" cy="146304"/>
+            <a:off x="960120" y="3090672"/>
+            <a:ext cx="8366760" cy="128016"/>
           </a:xfrm>
           <a:prstGeom prst="rect">
             <a:avLst/>
@@ -36885,8 +36885,8 @@
         </p:nvSpPr>
         <p:spPr>
           <a:xfrm>
-            <a:off x="822960" y="3675887"/>
-            <a:ext cx="109728" cy="146304"/>
+            <a:off x="822960" y="3218688"/>
+            <a:ext cx="109728" cy="128016"/>
           </a:xfrm>
           <a:prstGeom prst="rect">
             <a:avLst/>
@@ -36921,8 +36921,8 @@
         </p:nvSpPr>
         <p:spPr>
           <a:xfrm>
-            <a:off x="960120" y="3675887"/>
-            <a:ext cx="8366760" cy="146304"/>
+            <a:off x="960120" y="3218688"/>
+            <a:ext cx="8366760" cy="128016"/>
           </a:xfrm>
           <a:prstGeom prst="rect">
             <a:avLst/>
@@ -36957,7 +36957,7 @@
         </p:nvSpPr>
         <p:spPr>
           <a:xfrm>
-            <a:off x="731520" y="3959352"/>
+            <a:off x="731520" y="3419856"/>
             <a:ext cx="8686800" cy="256032"/>
           </a:xfrm>
           <a:prstGeom prst="rect">
@@ -37002,7 +37002,7 @@
         </p:nvSpPr>
         <p:spPr>
           <a:xfrm>
-            <a:off x="822960" y="3986784"/>
+            <a:off x="822960" y="3447288"/>
             <a:ext cx="8503920" cy="201168"/>
           </a:xfrm>
           <a:prstGeom prst="rect">
@@ -37038,8 +37038,8 @@
         </p:nvSpPr>
         <p:spPr>
           <a:xfrm>
-            <a:off x="822960" y="4306824"/>
-            <a:ext cx="109728" cy="146304"/>
+            <a:off x="822960" y="3694176"/>
+            <a:ext cx="109728" cy="128016"/>
           </a:xfrm>
           <a:prstGeom prst="rect">
             <a:avLst/>
@@ -37074,8 +37074,8 @@
         </p:nvSpPr>
         <p:spPr>
           <a:xfrm>
-            <a:off x="960120" y="4306824"/>
-            <a:ext cx="8366760" cy="146304"/>
+            <a:off x="960120" y="3694176"/>
+            <a:ext cx="8366760" cy="128016"/>
           </a:xfrm>
           <a:prstGeom prst="rect">
             <a:avLst/>
@@ -37110,8 +37110,8 @@
         </p:nvSpPr>
         <p:spPr>
           <a:xfrm>
-            <a:off x="822960" y="4480560"/>
-            <a:ext cx="109728" cy="146304"/>
+            <a:off x="822960" y="3822192"/>
+            <a:ext cx="109728" cy="128016"/>
           </a:xfrm>
           <a:prstGeom prst="rect">
             <a:avLst/>
@@ -37146,8 +37146,8 @@
         </p:nvSpPr>
         <p:spPr>
           <a:xfrm>
-            <a:off x="960120" y="4480560"/>
-            <a:ext cx="8366760" cy="146304"/>
+            <a:off x="960120" y="3822192"/>
+            <a:ext cx="8366760" cy="128016"/>
           </a:xfrm>
           <a:prstGeom prst="rect">
             <a:avLst/>
@@ -37182,7 +37182,7 @@
         </p:nvSpPr>
         <p:spPr>
           <a:xfrm>
-            <a:off x="731520" y="4764024"/>
+            <a:off x="731520" y="4023360"/>
             <a:ext cx="8686800" cy="256032"/>
           </a:xfrm>
           <a:prstGeom prst="rect">
@@ -37227,7 +37227,7 @@
         </p:nvSpPr>
         <p:spPr>
           <a:xfrm>
-            <a:off x="822960" y="4791456"/>
+            <a:off x="822960" y="4050792"/>
             <a:ext cx="8503920" cy="201168"/>
           </a:xfrm>
           <a:prstGeom prst="rect">
@@ -37263,8 +37263,8 @@
         </p:nvSpPr>
         <p:spPr>
           <a:xfrm>
-            <a:off x="822960" y="5111496"/>
-            <a:ext cx="109728" cy="146304"/>
+            <a:off x="822960" y="4297680"/>
+            <a:ext cx="109728" cy="128016"/>
           </a:xfrm>
           <a:prstGeom prst="rect">
             <a:avLst/>
@@ -37299,8 +37299,8 @@
         </p:nvSpPr>
         <p:spPr>
           <a:xfrm>
-            <a:off x="960120" y="5111496"/>
-            <a:ext cx="8366760" cy="146304"/>
+            <a:off x="960120" y="4297680"/>
+            <a:ext cx="8366760" cy="128016"/>
           </a:xfrm>
           <a:prstGeom prst="rect">
             <a:avLst/>
@@ -37335,8 +37335,8 @@
         </p:nvSpPr>
         <p:spPr>
           <a:xfrm>
-            <a:off x="822960" y="5285232"/>
-            <a:ext cx="109728" cy="146304"/>
+            <a:off x="822960" y="4425696"/>
+            <a:ext cx="109728" cy="128016"/>
           </a:xfrm>
           <a:prstGeom prst="rect">
             <a:avLst/>
@@ -37371,8 +37371,8 @@
         </p:nvSpPr>
         <p:spPr>
           <a:xfrm>
-            <a:off x="960120" y="5285232"/>
-            <a:ext cx="8366760" cy="146304"/>
+            <a:off x="960120" y="4425696"/>
+            <a:ext cx="8366760" cy="128016"/>
           </a:xfrm>
           <a:prstGeom prst="rect">
             <a:avLst/>
@@ -37407,8 +37407,8 @@
         </p:nvSpPr>
         <p:spPr>
           <a:xfrm>
-            <a:off x="822960" y="5458968"/>
-            <a:ext cx="109728" cy="146304"/>
+            <a:off x="822960" y="4553712"/>
+            <a:ext cx="109728" cy="128016"/>
           </a:xfrm>
           <a:prstGeom prst="rect">
             <a:avLst/>
@@ -37443,8 +37443,8 @@
         </p:nvSpPr>
         <p:spPr>
           <a:xfrm>
-            <a:off x="960120" y="5458968"/>
-            <a:ext cx="8366760" cy="146304"/>
+            <a:off x="960120" y="4553712"/>
+            <a:ext cx="8366760" cy="128016"/>
           </a:xfrm>
           <a:prstGeom prst="rect">
             <a:avLst/>
@@ -37479,8 +37479,8 @@
         </p:nvSpPr>
         <p:spPr>
           <a:xfrm>
-            <a:off x="822960" y="5632704"/>
-            <a:ext cx="109728" cy="146304"/>
+            <a:off x="822960" y="4681727"/>
+            <a:ext cx="109728" cy="128016"/>
           </a:xfrm>
           <a:prstGeom prst="rect">
             <a:avLst/>
@@ -37515,8 +37515,8 @@
         </p:nvSpPr>
         <p:spPr>
           <a:xfrm>
-            <a:off x="960120" y="5632704"/>
-            <a:ext cx="8366760" cy="146304"/>
+            <a:off x="960120" y="4681727"/>
+            <a:ext cx="8366760" cy="128016"/>
           </a:xfrm>
           <a:prstGeom prst="rect">
             <a:avLst/>
@@ -47802,7 +47802,7 @@
         <p:spPr>
           <a:xfrm>
             <a:off x="822960" y="5943600"/>
-            <a:ext cx="2240280" cy="548640"/>
+            <a:ext cx="2103120" cy="548640"/>
           </a:xfrm>
           <a:prstGeom prst="rect">
             <a:avLst/>
@@ -47847,7 +47847,7 @@
         <p:spPr>
           <a:xfrm>
             <a:off x="868680" y="5989320"/>
-            <a:ext cx="2148840" cy="164592"/>
+            <a:ext cx="2011679" cy="164592"/>
           </a:xfrm>
           <a:prstGeom prst="rect">
             <a:avLst/>
@@ -47883,7 +47883,7 @@
         <p:spPr>
           <a:xfrm>
             <a:off x="868680" y="6199632"/>
-            <a:ext cx="2148840" cy="256032"/>
+            <a:ext cx="2011679" cy="256032"/>
           </a:xfrm>
           <a:prstGeom prst="rect">
             <a:avLst/>
@@ -47922,8 +47922,8 @@
         </p:nvSpPr>
         <p:spPr>
           <a:xfrm>
-            <a:off x="3154680" y="5943600"/>
-            <a:ext cx="2240280" cy="548640"/>
+            <a:off x="3017520" y="5943600"/>
+            <a:ext cx="2103120" cy="548640"/>
           </a:xfrm>
           <a:prstGeom prst="rect">
             <a:avLst/>
@@ -47967,8 +47967,8 @@
         </p:nvSpPr>
         <p:spPr>
           <a:xfrm>
-            <a:off x="3200400" y="5989320"/>
-            <a:ext cx="2148840" cy="164592"/>
+            <a:off x="3063239" y="5989320"/>
+            <a:ext cx="2011679" cy="164592"/>
           </a:xfrm>
           <a:prstGeom prst="rect">
             <a:avLst/>
@@ -48003,8 +48003,8 @@
         </p:nvSpPr>
         <p:spPr>
           <a:xfrm>
-            <a:off x="3200400" y="6199632"/>
-            <a:ext cx="2148840" cy="256032"/>
+            <a:off x="3063239" y="6199632"/>
+            <a:ext cx="2011679" cy="256032"/>
           </a:xfrm>
           <a:prstGeom prst="rect">
             <a:avLst/>
@@ -48043,8 +48043,8 @@
         </p:nvSpPr>
         <p:spPr>
           <a:xfrm>
-            <a:off x="5486400" y="5943600"/>
-            <a:ext cx="2240280" cy="548640"/>
+            <a:off x="5212080" y="5943600"/>
+            <a:ext cx="2103120" cy="548640"/>
           </a:xfrm>
           <a:prstGeom prst="rect">
             <a:avLst/>
@@ -48088,8 +48088,8 @@
         </p:nvSpPr>
         <p:spPr>
           <a:xfrm>
-            <a:off x="5532120" y="5989320"/>
-            <a:ext cx="2148840" cy="164592"/>
+            <a:off x="5257800" y="5989320"/>
+            <a:ext cx="2011679" cy="164592"/>
           </a:xfrm>
           <a:prstGeom prst="rect">
             <a:avLst/>
@@ -48124,8 +48124,8 @@
         </p:nvSpPr>
         <p:spPr>
           <a:xfrm>
-            <a:off x="5532120" y="6199632"/>
-            <a:ext cx="2148840" cy="256032"/>
+            <a:off x="5257800" y="6199632"/>
+            <a:ext cx="2011679" cy="256032"/>
           </a:xfrm>
           <a:prstGeom prst="rect">
             <a:avLst/>
@@ -48164,8 +48164,8 @@
         </p:nvSpPr>
         <p:spPr>
           <a:xfrm>
-            <a:off x="7818120" y="5943600"/>
-            <a:ext cx="2240280" cy="548640"/>
+            <a:off x="7406640" y="5943600"/>
+            <a:ext cx="2103120" cy="548640"/>
           </a:xfrm>
           <a:prstGeom prst="rect">
             <a:avLst/>
@@ -48209,8 +48209,8 @@
         </p:nvSpPr>
         <p:spPr>
           <a:xfrm>
-            <a:off x="7863840" y="5989320"/>
-            <a:ext cx="2148840" cy="164592"/>
+            <a:off x="7452360" y="5989320"/>
+            <a:ext cx="2011679" cy="164592"/>
           </a:xfrm>
           <a:prstGeom prst="rect">
             <a:avLst/>
@@ -48245,8 +48245,8 @@
         </p:nvSpPr>
         <p:spPr>
           <a:xfrm>
-            <a:off x="7863840" y="6199632"/>
-            <a:ext cx="2148840" cy="256032"/>
+            <a:off x="7452360" y="6199632"/>
+            <a:ext cx="2011679" cy="256032"/>
           </a:xfrm>
           <a:prstGeom prst="rect">
             <a:avLst/>
@@ -48582,7 +48582,7 @@
         <p:spPr>
           <a:xfrm>
             <a:off x="91440" y="2331720"/>
-            <a:ext cx="548640" cy="502920"/>
+            <a:ext cx="548640" cy="438912"/>
           </a:xfrm>
           <a:prstGeom prst="rect">
             <a:avLst/>
@@ -48663,7 +48663,7 @@
         <p:spPr>
           <a:xfrm>
             <a:off x="731520" y="2331720"/>
-            <a:ext cx="4114800" cy="502920"/>
+            <a:ext cx="4114800" cy="438912"/>
           </a:xfrm>
           <a:prstGeom prst="rect">
             <a:avLst/>
@@ -48707,7 +48707,7 @@
         </p:nvSpPr>
         <p:spPr>
           <a:xfrm>
-            <a:off x="804672" y="2377439"/>
+            <a:off x="804672" y="2359151"/>
             <a:ext cx="109728" cy="128016"/>
           </a:xfrm>
           <a:prstGeom prst="rect">
@@ -48743,7 +48743,7 @@
         </p:nvSpPr>
         <p:spPr>
           <a:xfrm>
-            <a:off x="932688" y="2377439"/>
+            <a:off x="932688" y="2359151"/>
             <a:ext cx="3840480" cy="128016"/>
           </a:xfrm>
           <a:prstGeom prst="rect">
@@ -48779,7 +48779,7 @@
         </p:nvSpPr>
         <p:spPr>
           <a:xfrm>
-            <a:off x="804672" y="2523744"/>
+            <a:off x="804672" y="2487168"/>
             <a:ext cx="109728" cy="128016"/>
           </a:xfrm>
           <a:prstGeom prst="rect">
@@ -48815,7 +48815,7 @@
         </p:nvSpPr>
         <p:spPr>
           <a:xfrm>
-            <a:off x="932688" y="2523744"/>
+            <a:off x="932688" y="2487168"/>
             <a:ext cx="3840480" cy="128016"/>
           </a:xfrm>
           <a:prstGeom prst="rect">
@@ -48851,7 +48851,7 @@
         </p:nvSpPr>
         <p:spPr>
           <a:xfrm>
-            <a:off x="804672" y="2670048"/>
+            <a:off x="804672" y="2615184"/>
             <a:ext cx="109728" cy="128016"/>
           </a:xfrm>
           <a:prstGeom prst="rect">
@@ -48887,7 +48887,7 @@
         </p:nvSpPr>
         <p:spPr>
           <a:xfrm>
-            <a:off x="932688" y="2670048"/>
+            <a:off x="932688" y="2615184"/>
             <a:ext cx="3840480" cy="128016"/>
           </a:xfrm>
           <a:prstGeom prst="rect">
@@ -48924,7 +48924,7 @@
         <p:spPr>
           <a:xfrm>
             <a:off x="4983480" y="2331720"/>
-            <a:ext cx="4114800" cy="502920"/>
+            <a:ext cx="4114800" cy="438912"/>
           </a:xfrm>
           <a:prstGeom prst="rect">
             <a:avLst/>
@@ -48968,7 +48968,7 @@
         </p:nvSpPr>
         <p:spPr>
           <a:xfrm>
-            <a:off x="5056632" y="2377439"/>
+            <a:off x="5056632" y="2359151"/>
             <a:ext cx="109728" cy="128016"/>
           </a:xfrm>
           <a:prstGeom prst="rect">
@@ -49004,7 +49004,7 @@
         </p:nvSpPr>
         <p:spPr>
           <a:xfrm>
-            <a:off x="5184648" y="2377439"/>
+            <a:off x="5184648" y="2359151"/>
             <a:ext cx="3840480" cy="128016"/>
           </a:xfrm>
           <a:prstGeom prst="rect">
@@ -49040,7 +49040,7 @@
         </p:nvSpPr>
         <p:spPr>
           <a:xfrm>
-            <a:off x="5056632" y="2523744"/>
+            <a:off x="5056632" y="2487168"/>
             <a:ext cx="109728" cy="128016"/>
           </a:xfrm>
           <a:prstGeom prst="rect">
@@ -49076,7 +49076,7 @@
         </p:nvSpPr>
         <p:spPr>
           <a:xfrm>
-            <a:off x="5184648" y="2523744"/>
+            <a:off x="5184648" y="2487168"/>
             <a:ext cx="3840480" cy="128016"/>
           </a:xfrm>
           <a:prstGeom prst="rect">
@@ -49112,7 +49112,7 @@
         </p:nvSpPr>
         <p:spPr>
           <a:xfrm>
-            <a:off x="5056632" y="2670048"/>
+            <a:off x="5056632" y="2615184"/>
             <a:ext cx="109728" cy="128016"/>
           </a:xfrm>
           <a:prstGeom prst="rect">
@@ -49148,7 +49148,7 @@
         </p:nvSpPr>
         <p:spPr>
           <a:xfrm>
-            <a:off x="5184648" y="2670048"/>
+            <a:off x="5184648" y="2615184"/>
             <a:ext cx="3840480" cy="128016"/>
           </a:xfrm>
           <a:prstGeom prst="rect">
@@ -49184,8 +49184,8 @@
         </p:nvSpPr>
         <p:spPr>
           <a:xfrm>
-            <a:off x="91440" y="2852928"/>
-            <a:ext cx="548640" cy="502920"/>
+            <a:off x="91440" y="2788920"/>
+            <a:ext cx="548640" cy="438912"/>
           </a:xfrm>
           <a:prstGeom prst="rect">
             <a:avLst/>
@@ -49229,7 +49229,7 @@
         </p:nvSpPr>
         <p:spPr>
           <a:xfrm>
-            <a:off x="109728" y="2990088"/>
+            <a:off x="109728" y="2926079"/>
             <a:ext cx="512064" cy="228600"/>
           </a:xfrm>
           <a:prstGeom prst="rect">
@@ -49265,8 +49265,8 @@
         </p:nvSpPr>
         <p:spPr>
           <a:xfrm>
-            <a:off x="731520" y="2852928"/>
-            <a:ext cx="4114800" cy="502920"/>
+            <a:off x="731520" y="2788920"/>
+            <a:ext cx="4114800" cy="438912"/>
           </a:xfrm>
           <a:prstGeom prst="rect">
             <a:avLst/>
@@ -49310,7 +49310,7 @@
         </p:nvSpPr>
         <p:spPr>
           <a:xfrm>
-            <a:off x="804672" y="2898648"/>
+            <a:off x="804672" y="2816351"/>
             <a:ext cx="109728" cy="128016"/>
           </a:xfrm>
           <a:prstGeom prst="rect">
@@ -49346,7 +49346,7 @@
         </p:nvSpPr>
         <p:spPr>
           <a:xfrm>
-            <a:off x="932688" y="2898648"/>
+            <a:off x="932688" y="2816351"/>
             <a:ext cx="3840480" cy="128016"/>
           </a:xfrm>
           <a:prstGeom prst="rect">
@@ -49382,7 +49382,7 @@
         </p:nvSpPr>
         <p:spPr>
           <a:xfrm>
-            <a:off x="804672" y="3044952"/>
+            <a:off x="804672" y="2944368"/>
             <a:ext cx="109728" cy="128016"/>
           </a:xfrm>
           <a:prstGeom prst="rect">
@@ -49418,7 +49418,7 @@
         </p:nvSpPr>
         <p:spPr>
           <a:xfrm>
-            <a:off x="932688" y="3044952"/>
+            <a:off x="932688" y="2944368"/>
             <a:ext cx="3840480" cy="128016"/>
           </a:xfrm>
           <a:prstGeom prst="rect">
@@ -49454,7 +49454,7 @@
         </p:nvSpPr>
         <p:spPr>
           <a:xfrm>
-            <a:off x="804672" y="3191256"/>
+            <a:off x="804672" y="3072384"/>
             <a:ext cx="109728" cy="128016"/>
           </a:xfrm>
           <a:prstGeom prst="rect">
@@ -49490,7 +49490,7 @@
         </p:nvSpPr>
         <p:spPr>
           <a:xfrm>
-            <a:off x="932688" y="3191256"/>
+            <a:off x="932688" y="3072384"/>
             <a:ext cx="3840480" cy="128016"/>
           </a:xfrm>
           <a:prstGeom prst="rect">
@@ -49526,8 +49526,8 @@
         </p:nvSpPr>
         <p:spPr>
           <a:xfrm>
-            <a:off x="4983480" y="2852928"/>
-            <a:ext cx="4114800" cy="502920"/>
+            <a:off x="4983480" y="2788920"/>
+            <a:ext cx="4114800" cy="438912"/>
           </a:xfrm>
           <a:prstGeom prst="rect">
             <a:avLst/>
@@ -49571,7 +49571,7 @@
         </p:nvSpPr>
         <p:spPr>
           <a:xfrm>
-            <a:off x="5056632" y="2898648"/>
+            <a:off x="5056632" y="2816351"/>
             <a:ext cx="109728" cy="128016"/>
           </a:xfrm>
           <a:prstGeom prst="rect">
@@ -49607,7 +49607,7 @@
         </p:nvSpPr>
         <p:spPr>
           <a:xfrm>
-            <a:off x="5184648" y="2898648"/>
+            <a:off x="5184648" y="2816351"/>
             <a:ext cx="3840480" cy="128016"/>
           </a:xfrm>
           <a:prstGeom prst="rect">
@@ -49643,7 +49643,7 @@
         </p:nvSpPr>
         <p:spPr>
           <a:xfrm>
-            <a:off x="5056632" y="3044952"/>
+            <a:off x="5056632" y="2944368"/>
             <a:ext cx="109728" cy="128016"/>
           </a:xfrm>
           <a:prstGeom prst="rect">
@@ -49679,7 +49679,7 @@
         </p:nvSpPr>
         <p:spPr>
           <a:xfrm>
-            <a:off x="5184648" y="3044952"/>
+            <a:off x="5184648" y="2944368"/>
             <a:ext cx="3840480" cy="128016"/>
           </a:xfrm>
           <a:prstGeom prst="rect">
@@ -49715,7 +49715,7 @@
         </p:nvSpPr>
         <p:spPr>
           <a:xfrm>
-            <a:off x="5056632" y="3191256"/>
+            <a:off x="5056632" y="3072384"/>
             <a:ext cx="109728" cy="128016"/>
           </a:xfrm>
           <a:prstGeom prst="rect">
@@ -49751,7 +49751,7 @@
         </p:nvSpPr>
         <p:spPr>
           <a:xfrm>
-            <a:off x="5184648" y="3191256"/>
+            <a:off x="5184648" y="3072384"/>
             <a:ext cx="3840480" cy="128016"/>
           </a:xfrm>
           <a:prstGeom prst="rect">
@@ -49787,8 +49787,8 @@
         </p:nvSpPr>
         <p:spPr>
           <a:xfrm>
-            <a:off x="91440" y="3374136"/>
-            <a:ext cx="548640" cy="502920"/>
+            <a:off x="91440" y="3246120"/>
+            <a:ext cx="548640" cy="438912"/>
           </a:xfrm>
           <a:prstGeom prst="rect">
             <a:avLst/>
@@ -49832,7 +49832,7 @@
         </p:nvSpPr>
         <p:spPr>
           <a:xfrm>
-            <a:off x="109728" y="3511296"/>
+            <a:off x="109728" y="3383279"/>
             <a:ext cx="512064" cy="228600"/>
           </a:xfrm>
           <a:prstGeom prst="rect">
@@ -49868,8 +49868,8 @@
         </p:nvSpPr>
         <p:spPr>
           <a:xfrm>
-            <a:off x="731520" y="3374136"/>
-            <a:ext cx="4114800" cy="502920"/>
+            <a:off x="731520" y="3246120"/>
+            <a:ext cx="4114800" cy="438912"/>
           </a:xfrm>
           <a:prstGeom prst="rect">
             <a:avLst/>
@@ -49913,7 +49913,7 @@
         </p:nvSpPr>
         <p:spPr>
           <a:xfrm>
-            <a:off x="804672" y="3419856"/>
+            <a:off x="804672" y="3273551"/>
             <a:ext cx="109728" cy="128016"/>
           </a:xfrm>
           <a:prstGeom prst="rect">
@@ -49949,7 +49949,7 @@
         </p:nvSpPr>
         <p:spPr>
           <a:xfrm>
-            <a:off x="932688" y="3419856"/>
+            <a:off x="932688" y="3273551"/>
             <a:ext cx="3840480" cy="128016"/>
           </a:xfrm>
           <a:prstGeom prst="rect">
@@ -49985,7 +49985,7 @@
         </p:nvSpPr>
         <p:spPr>
           <a:xfrm>
-            <a:off x="804672" y="3566160"/>
+            <a:off x="804672" y="3401568"/>
             <a:ext cx="109728" cy="128016"/>
           </a:xfrm>
           <a:prstGeom prst="rect">
@@ -50021,7 +50021,7 @@
         </p:nvSpPr>
         <p:spPr>
           <a:xfrm>
-            <a:off x="932688" y="3566160"/>
+            <a:off x="932688" y="3401568"/>
             <a:ext cx="3840480" cy="128016"/>
           </a:xfrm>
           <a:prstGeom prst="rect">
@@ -50057,7 +50057,7 @@
         </p:nvSpPr>
         <p:spPr>
           <a:xfrm>
-            <a:off x="804672" y="3712464"/>
+            <a:off x="804672" y="3529584"/>
             <a:ext cx="109728" cy="128016"/>
           </a:xfrm>
           <a:prstGeom prst="rect">
@@ -50093,7 +50093,7 @@
         </p:nvSpPr>
         <p:spPr>
           <a:xfrm>
-            <a:off x="932688" y="3712464"/>
+            <a:off x="932688" y="3529584"/>
             <a:ext cx="3840480" cy="128016"/>
           </a:xfrm>
           <a:prstGeom prst="rect">
@@ -50129,8 +50129,8 @@
         </p:nvSpPr>
         <p:spPr>
           <a:xfrm>
-            <a:off x="4983480" y="3374136"/>
-            <a:ext cx="4114800" cy="502920"/>
+            <a:off x="4983480" y="3246120"/>
+            <a:ext cx="4114800" cy="438912"/>
           </a:xfrm>
           <a:prstGeom prst="rect">
             <a:avLst/>
@@ -50174,7 +50174,7 @@
         </p:nvSpPr>
         <p:spPr>
           <a:xfrm>
-            <a:off x="5056632" y="3419856"/>
+            <a:off x="5056632" y="3273551"/>
             <a:ext cx="109728" cy="128016"/>
           </a:xfrm>
           <a:prstGeom prst="rect">
@@ -50210,7 +50210,7 @@
         </p:nvSpPr>
         <p:spPr>
           <a:xfrm>
-            <a:off x="5184648" y="3419856"/>
+            <a:off x="5184648" y="3273551"/>
             <a:ext cx="3840480" cy="128016"/>
           </a:xfrm>
           <a:prstGeom prst="rect">
@@ -50246,7 +50246,7 @@
         </p:nvSpPr>
         <p:spPr>
           <a:xfrm>
-            <a:off x="5056632" y="3566160"/>
+            <a:off x="5056632" y="3401568"/>
             <a:ext cx="109728" cy="128016"/>
           </a:xfrm>
           <a:prstGeom prst="rect">
@@ -50282,7 +50282,7 @@
         </p:nvSpPr>
         <p:spPr>
           <a:xfrm>
-            <a:off x="5184648" y="3566160"/>
+            <a:off x="5184648" y="3401568"/>
             <a:ext cx="3840480" cy="128016"/>
           </a:xfrm>
           <a:prstGeom prst="rect">
@@ -50318,7 +50318,7 @@
         </p:nvSpPr>
         <p:spPr>
           <a:xfrm>
-            <a:off x="5056632" y="3712464"/>
+            <a:off x="5056632" y="3529584"/>
             <a:ext cx="109728" cy="128016"/>
           </a:xfrm>
           <a:prstGeom prst="rect">
@@ -50354,7 +50354,7 @@
         </p:nvSpPr>
         <p:spPr>
           <a:xfrm>
-            <a:off x="5184648" y="3712464"/>
+            <a:off x="5184648" y="3529584"/>
             <a:ext cx="3840480" cy="128016"/>
           </a:xfrm>
           <a:prstGeom prst="rect">
@@ -50390,8 +50390,8 @@
         </p:nvSpPr>
         <p:spPr>
           <a:xfrm>
-            <a:off x="91440" y="3895344"/>
-            <a:ext cx="548640" cy="502920"/>
+            <a:off x="91440" y="3703320"/>
+            <a:ext cx="548640" cy="438912"/>
           </a:xfrm>
           <a:prstGeom prst="rect">
             <a:avLst/>
@@ -50435,7 +50435,7 @@
         </p:nvSpPr>
         <p:spPr>
           <a:xfrm>
-            <a:off x="109728" y="4032504"/>
+            <a:off x="109728" y="3840480"/>
             <a:ext cx="512064" cy="228600"/>
           </a:xfrm>
           <a:prstGeom prst="rect">
@@ -50471,8 +50471,8 @@
         </p:nvSpPr>
         <p:spPr>
           <a:xfrm>
-            <a:off x="731520" y="3895344"/>
-            <a:ext cx="4114800" cy="502920"/>
+            <a:off x="731520" y="3703320"/>
+            <a:ext cx="4114800" cy="438912"/>
           </a:xfrm>
           <a:prstGeom prst="rect">
             <a:avLst/>
@@ -50516,7 +50516,7 @@
         </p:nvSpPr>
         <p:spPr>
           <a:xfrm>
-            <a:off x="804672" y="3941064"/>
+            <a:off x="804672" y="3730752"/>
             <a:ext cx="109728" cy="128016"/>
           </a:xfrm>
           <a:prstGeom prst="rect">
@@ -50552,7 +50552,7 @@
         </p:nvSpPr>
         <p:spPr>
           <a:xfrm>
-            <a:off x="932688" y="3941064"/>
+            <a:off x="932688" y="3730752"/>
             <a:ext cx="3840480" cy="128016"/>
           </a:xfrm>
           <a:prstGeom prst="rect">
@@ -50588,7 +50588,7 @@
         </p:nvSpPr>
         <p:spPr>
           <a:xfrm>
-            <a:off x="804672" y="4087368"/>
+            <a:off x="804672" y="3858768"/>
             <a:ext cx="109728" cy="128016"/>
           </a:xfrm>
           <a:prstGeom prst="rect">
@@ -50624,7 +50624,7 @@
         </p:nvSpPr>
         <p:spPr>
           <a:xfrm>
-            <a:off x="932688" y="4087368"/>
+            <a:off x="932688" y="3858768"/>
             <a:ext cx="3840480" cy="128016"/>
           </a:xfrm>
           <a:prstGeom prst="rect">
@@ -50660,7 +50660,7 @@
         </p:nvSpPr>
         <p:spPr>
           <a:xfrm>
-            <a:off x="804672" y="4233672"/>
+            <a:off x="804672" y="3986783"/>
             <a:ext cx="109728" cy="128016"/>
           </a:xfrm>
           <a:prstGeom prst="rect">
@@ -50696,7 +50696,7 @@
         </p:nvSpPr>
         <p:spPr>
           <a:xfrm>
-            <a:off x="932688" y="4233672"/>
+            <a:off x="932688" y="3986783"/>
             <a:ext cx="3840480" cy="128016"/>
           </a:xfrm>
           <a:prstGeom prst="rect">
@@ -50732,8 +50732,8 @@
         </p:nvSpPr>
         <p:spPr>
           <a:xfrm>
-            <a:off x="4983480" y="3895344"/>
-            <a:ext cx="4114800" cy="502920"/>
+            <a:off x="4983480" y="3703320"/>
+            <a:ext cx="4114800" cy="438912"/>
           </a:xfrm>
           <a:prstGeom prst="rect">
             <a:avLst/>
@@ -50777,7 +50777,7 @@
         </p:nvSpPr>
         <p:spPr>
           <a:xfrm>
-            <a:off x="5056632" y="3941064"/>
+            <a:off x="5056632" y="3730752"/>
             <a:ext cx="109728" cy="128016"/>
           </a:xfrm>
           <a:prstGeom prst="rect">
@@ -50813,7 +50813,7 @@
         </p:nvSpPr>
         <p:spPr>
           <a:xfrm>
-            <a:off x="5184648" y="3941064"/>
+            <a:off x="5184648" y="3730752"/>
             <a:ext cx="3840480" cy="128016"/>
           </a:xfrm>
           <a:prstGeom prst="rect">
@@ -50849,7 +50849,7 @@
         </p:nvSpPr>
         <p:spPr>
           <a:xfrm>
-            <a:off x="5056632" y="4087368"/>
+            <a:off x="5056632" y="3858768"/>
             <a:ext cx="109728" cy="128016"/>
           </a:xfrm>
           <a:prstGeom prst="rect">
@@ -50885,7 +50885,7 @@
         </p:nvSpPr>
         <p:spPr>
           <a:xfrm>
-            <a:off x="5184648" y="4087368"/>
+            <a:off x="5184648" y="3858768"/>
             <a:ext cx="3840480" cy="128016"/>
           </a:xfrm>
           <a:prstGeom prst="rect">
@@ -50921,7 +50921,7 @@
         </p:nvSpPr>
         <p:spPr>
           <a:xfrm>
-            <a:off x="5056632" y="4233672"/>
+            <a:off x="5056632" y="3986783"/>
             <a:ext cx="109728" cy="128016"/>
           </a:xfrm>
           <a:prstGeom prst="rect">
@@ -50957,7 +50957,7 @@
         </p:nvSpPr>
         <p:spPr>
           <a:xfrm>
-            <a:off x="5184648" y="4233672"/>
+            <a:off x="5184648" y="3986783"/>
             <a:ext cx="3840480" cy="128016"/>
           </a:xfrm>
           <a:prstGeom prst="rect">
@@ -50993,8 +50993,8 @@
         </p:nvSpPr>
         <p:spPr>
           <a:xfrm>
-            <a:off x="91440" y="4416552"/>
-            <a:ext cx="548640" cy="502920"/>
+            <a:off x="91440" y="4160520"/>
+            <a:ext cx="548640" cy="438912"/>
           </a:xfrm>
           <a:prstGeom prst="rect">
             <a:avLst/>
@@ -51038,7 +51038,7 @@
         </p:nvSpPr>
         <p:spPr>
           <a:xfrm>
-            <a:off x="109728" y="4553712"/>
+            <a:off x="109728" y="4297680"/>
             <a:ext cx="512064" cy="228600"/>
           </a:xfrm>
           <a:prstGeom prst="rect">
@@ -51074,8 +51074,8 @@
         </p:nvSpPr>
         <p:spPr>
           <a:xfrm>
-            <a:off x="731520" y="4416552"/>
-            <a:ext cx="4114800" cy="502920"/>
+            <a:off x="731520" y="4160520"/>
+            <a:ext cx="4114800" cy="438912"/>
           </a:xfrm>
           <a:prstGeom prst="rect">
             <a:avLst/>
@@ -51119,7 +51119,7 @@
         </p:nvSpPr>
         <p:spPr>
           <a:xfrm>
-            <a:off x="804672" y="4462272"/>
+            <a:off x="804672" y="4187952"/>
             <a:ext cx="109728" cy="128016"/>
           </a:xfrm>
           <a:prstGeom prst="rect">
@@ -51155,7 +51155,7 @@
         </p:nvSpPr>
         <p:spPr>
           <a:xfrm>
-            <a:off x="932688" y="4462272"/>
+            <a:off x="932688" y="4187952"/>
             <a:ext cx="3840480" cy="128016"/>
           </a:xfrm>
           <a:prstGeom prst="rect">
@@ -51191,7 +51191,7 @@
         </p:nvSpPr>
         <p:spPr>
           <a:xfrm>
-            <a:off x="804672" y="4608576"/>
+            <a:off x="804672" y="4315968"/>
             <a:ext cx="109728" cy="128016"/>
           </a:xfrm>
           <a:prstGeom prst="rect">
@@ -51227,7 +51227,7 @@
         </p:nvSpPr>
         <p:spPr>
           <a:xfrm>
-            <a:off x="932688" y="4608576"/>
+            <a:off x="932688" y="4315968"/>
             <a:ext cx="3840480" cy="128016"/>
           </a:xfrm>
           <a:prstGeom prst="rect">
@@ -51263,7 +51263,7 @@
         </p:nvSpPr>
         <p:spPr>
           <a:xfrm>
-            <a:off x="804672" y="4754880"/>
+            <a:off x="804672" y="4443983"/>
             <a:ext cx="109728" cy="128016"/>
           </a:xfrm>
           <a:prstGeom prst="rect">
@@ -51299,7 +51299,7 @@
         </p:nvSpPr>
         <p:spPr>
           <a:xfrm>
-            <a:off x="932688" y="4754880"/>
+            <a:off x="932688" y="4443983"/>
             <a:ext cx="3840480" cy="128016"/>
           </a:xfrm>
           <a:prstGeom prst="rect">
@@ -51335,8 +51335,8 @@
         </p:nvSpPr>
         <p:spPr>
           <a:xfrm>
-            <a:off x="4983480" y="4416552"/>
-            <a:ext cx="4114800" cy="502920"/>
+            <a:off x="4983480" y="4160520"/>
+            <a:ext cx="4114800" cy="438912"/>
           </a:xfrm>
           <a:prstGeom prst="rect">
             <a:avLst/>
@@ -51380,7 +51380,7 @@
         </p:nvSpPr>
         <p:spPr>
           <a:xfrm>
-            <a:off x="5056632" y="4462272"/>
+            <a:off x="5056632" y="4187952"/>
             <a:ext cx="109728" cy="128016"/>
           </a:xfrm>
           <a:prstGeom prst="rect">
@@ -51416,7 +51416,7 @@
         </p:nvSpPr>
         <p:spPr>
           <a:xfrm>
-            <a:off x="5184648" y="4462272"/>
+            <a:off x="5184648" y="4187952"/>
             <a:ext cx="3840480" cy="128016"/>
           </a:xfrm>
           <a:prstGeom prst="rect">
@@ -51452,7 +51452,7 @@
         </p:nvSpPr>
         <p:spPr>
           <a:xfrm>
-            <a:off x="5056632" y="4608576"/>
+            <a:off x="5056632" y="4315968"/>
             <a:ext cx="109728" cy="128016"/>
           </a:xfrm>
           <a:prstGeom prst="rect">
@@ -51488,7 +51488,7 @@
         </p:nvSpPr>
         <p:spPr>
           <a:xfrm>
-            <a:off x="5184648" y="4608576"/>
+            <a:off x="5184648" y="4315968"/>
             <a:ext cx="3840480" cy="128016"/>
           </a:xfrm>
           <a:prstGeom prst="rect">
@@ -51524,7 +51524,7 @@
         </p:nvSpPr>
         <p:spPr>
           <a:xfrm>
-            <a:off x="5056632" y="4754880"/>
+            <a:off x="5056632" y="4443983"/>
             <a:ext cx="109728" cy="128016"/>
           </a:xfrm>
           <a:prstGeom prst="rect">
@@ -51560,7 +51560,7 @@
         </p:nvSpPr>
         <p:spPr>
           <a:xfrm>
-            <a:off x="5184648" y="4754880"/>
+            <a:off x="5184648" y="4443983"/>
             <a:ext cx="3840480" cy="128016"/>
           </a:xfrm>
           <a:prstGeom prst="rect">
@@ -51596,8 +51596,8 @@
         </p:nvSpPr>
         <p:spPr>
           <a:xfrm>
-            <a:off x="91440" y="4937760"/>
-            <a:ext cx="548640" cy="502920"/>
+            <a:off x="91440" y="4617720"/>
+            <a:ext cx="548640" cy="438912"/>
           </a:xfrm>
           <a:prstGeom prst="rect">
             <a:avLst/>
@@ -51641,7 +51641,7 @@
         </p:nvSpPr>
         <p:spPr>
           <a:xfrm>
-            <a:off x="109728" y="5074920"/>
+            <a:off x="109728" y="4754880"/>
             <a:ext cx="512064" cy="228600"/>
           </a:xfrm>
           <a:prstGeom prst="rect">
@@ -51677,8 +51677,8 @@
         </p:nvSpPr>
         <p:spPr>
           <a:xfrm>
-            <a:off x="731520" y="4937760"/>
-            <a:ext cx="4114800" cy="502920"/>
+            <a:off x="731520" y="4617720"/>
+            <a:ext cx="4114800" cy="438912"/>
           </a:xfrm>
           <a:prstGeom prst="rect">
             <a:avLst/>
@@ -51722,7 +51722,7 @@
         </p:nvSpPr>
         <p:spPr>
           <a:xfrm>
-            <a:off x="804672" y="4983480"/>
+            <a:off x="804672" y="4645152"/>
             <a:ext cx="109728" cy="128016"/>
           </a:xfrm>
           <a:prstGeom prst="rect">
@@ -51758,7 +51758,7 @@
         </p:nvSpPr>
         <p:spPr>
           <a:xfrm>
-            <a:off x="932688" y="4983480"/>
+            <a:off x="932688" y="4645152"/>
             <a:ext cx="3840480" cy="128016"/>
           </a:xfrm>
           <a:prstGeom prst="rect">
@@ -51794,7 +51794,7 @@
         </p:nvSpPr>
         <p:spPr>
           <a:xfrm>
-            <a:off x="804672" y="5129784"/>
+            <a:off x="804672" y="4773168"/>
             <a:ext cx="109728" cy="128016"/>
           </a:xfrm>
           <a:prstGeom prst="rect">
@@ -51830,7 +51830,7 @@
         </p:nvSpPr>
         <p:spPr>
           <a:xfrm>
-            <a:off x="932688" y="5129784"/>
+            <a:off x="932688" y="4773168"/>
             <a:ext cx="3840480" cy="128016"/>
           </a:xfrm>
           <a:prstGeom prst="rect">
@@ -51866,7 +51866,7 @@
         </p:nvSpPr>
         <p:spPr>
           <a:xfrm>
-            <a:off x="804672" y="5276088"/>
+            <a:off x="804672" y="4901183"/>
             <a:ext cx="109728" cy="128016"/>
           </a:xfrm>
           <a:prstGeom prst="rect">
@@ -51902,7 +51902,7 @@
         </p:nvSpPr>
         <p:spPr>
           <a:xfrm>
-            <a:off x="932688" y="5276088"/>
+            <a:off x="932688" y="4901183"/>
             <a:ext cx="3840480" cy="128016"/>
           </a:xfrm>
           <a:prstGeom prst="rect">
@@ -51938,8 +51938,8 @@
         </p:nvSpPr>
         <p:spPr>
           <a:xfrm>
-            <a:off x="4983480" y="4937760"/>
-            <a:ext cx="4114800" cy="502920"/>
+            <a:off x="4983480" y="4617720"/>
+            <a:ext cx="4114800" cy="438912"/>
           </a:xfrm>
           <a:prstGeom prst="rect">
             <a:avLst/>
@@ -51983,7 +51983,7 @@
         </p:nvSpPr>
         <p:spPr>
           <a:xfrm>
-            <a:off x="5056632" y="4983480"/>
+            <a:off x="5056632" y="4645152"/>
             <a:ext cx="109728" cy="128016"/>
           </a:xfrm>
           <a:prstGeom prst="rect">
@@ -52019,7 +52019,7 @@
         </p:nvSpPr>
         <p:spPr>
           <a:xfrm>
-            <a:off x="5184648" y="4983480"/>
+            <a:off x="5184648" y="4645152"/>
             <a:ext cx="3840480" cy="128016"/>
           </a:xfrm>
           <a:prstGeom prst="rect">
@@ -52055,7 +52055,7 @@
         </p:nvSpPr>
         <p:spPr>
           <a:xfrm>
-            <a:off x="5056632" y="5129784"/>
+            <a:off x="5056632" y="4773168"/>
             <a:ext cx="109728" cy="128016"/>
           </a:xfrm>
           <a:prstGeom prst="rect">
@@ -52091,7 +52091,7 @@
         </p:nvSpPr>
         <p:spPr>
           <a:xfrm>
-            <a:off x="5184648" y="5129784"/>
+            <a:off x="5184648" y="4773168"/>
             <a:ext cx="3840480" cy="128016"/>
           </a:xfrm>
           <a:prstGeom prst="rect">
@@ -52127,7 +52127,7 @@
         </p:nvSpPr>
         <p:spPr>
           <a:xfrm>
-            <a:off x="5056632" y="5276088"/>
+            <a:off x="5056632" y="4901183"/>
             <a:ext cx="109728" cy="128016"/>
           </a:xfrm>
           <a:prstGeom prst="rect">
@@ -52163,7 +52163,7 @@
         </p:nvSpPr>
         <p:spPr>
           <a:xfrm>
-            <a:off x="5184648" y="5276088"/>
+            <a:off x="5184648" y="4901183"/>
             <a:ext cx="3840480" cy="128016"/>
           </a:xfrm>
           <a:prstGeom prst="rect">
@@ -52199,8 +52199,8 @@
         </p:nvSpPr>
         <p:spPr>
           <a:xfrm>
-            <a:off x="91440" y="5458968"/>
-            <a:ext cx="548640" cy="502920"/>
+            <a:off x="91440" y="5074920"/>
+            <a:ext cx="548640" cy="438912"/>
           </a:xfrm>
           <a:prstGeom prst="rect">
             <a:avLst/>
@@ -52244,7 +52244,7 @@
         </p:nvSpPr>
         <p:spPr>
           <a:xfrm>
-            <a:off x="109728" y="5596128"/>
+            <a:off x="109728" y="5212080"/>
             <a:ext cx="512064" cy="228600"/>
           </a:xfrm>
           <a:prstGeom prst="rect">
@@ -52280,8 +52280,8 @@
         </p:nvSpPr>
         <p:spPr>
           <a:xfrm>
-            <a:off x="731520" y="5458968"/>
-            <a:ext cx="4114800" cy="502920"/>
+            <a:off x="731520" y="5074920"/>
+            <a:ext cx="4114800" cy="438912"/>
           </a:xfrm>
           <a:prstGeom prst="rect">
             <a:avLst/>
@@ -52325,7 +52325,7 @@
         </p:nvSpPr>
         <p:spPr>
           <a:xfrm>
-            <a:off x="804672" y="5504688"/>
+            <a:off x="804672" y="5102352"/>
             <a:ext cx="109728" cy="128016"/>
           </a:xfrm>
           <a:prstGeom prst="rect">
@@ -52361,7 +52361,7 @@
         </p:nvSpPr>
         <p:spPr>
           <a:xfrm>
-            <a:off x="932688" y="5504688"/>
+            <a:off x="932688" y="5102352"/>
             <a:ext cx="3840480" cy="128016"/>
           </a:xfrm>
           <a:prstGeom prst="rect">
@@ -52397,7 +52397,7 @@
         </p:nvSpPr>
         <p:spPr>
           <a:xfrm>
-            <a:off x="804672" y="5650992"/>
+            <a:off x="804672" y="5230368"/>
             <a:ext cx="109728" cy="128016"/>
           </a:xfrm>
           <a:prstGeom prst="rect">
@@ -52433,7 +52433,7 @@
         </p:nvSpPr>
         <p:spPr>
           <a:xfrm>
-            <a:off x="932688" y="5650992"/>
+            <a:off x="932688" y="5230368"/>
             <a:ext cx="3840480" cy="128016"/>
           </a:xfrm>
           <a:prstGeom prst="rect">
@@ -52469,7 +52469,7 @@
         </p:nvSpPr>
         <p:spPr>
           <a:xfrm>
-            <a:off x="804672" y="5797296"/>
+            <a:off x="804672" y="5358383"/>
             <a:ext cx="109728" cy="128016"/>
           </a:xfrm>
           <a:prstGeom prst="rect">
@@ -52505,7 +52505,7 @@
         </p:nvSpPr>
         <p:spPr>
           <a:xfrm>
-            <a:off x="932688" y="5797296"/>
+            <a:off x="932688" y="5358383"/>
             <a:ext cx="3840480" cy="128016"/>
           </a:xfrm>
           <a:prstGeom prst="rect">
@@ -52541,8 +52541,8 @@
         </p:nvSpPr>
         <p:spPr>
           <a:xfrm>
-            <a:off x="4983480" y="5458968"/>
-            <a:ext cx="4114800" cy="502920"/>
+            <a:off x="4983480" y="5074920"/>
+            <a:ext cx="4114800" cy="438912"/>
           </a:xfrm>
           <a:prstGeom prst="rect">
             <a:avLst/>
@@ -52586,7 +52586,7 @@
         </p:nvSpPr>
         <p:spPr>
           <a:xfrm>
-            <a:off x="5056632" y="5504688"/>
+            <a:off x="5056632" y="5102352"/>
             <a:ext cx="109728" cy="128016"/>
           </a:xfrm>
           <a:prstGeom prst="rect">
@@ -52622,7 +52622,7 @@
         </p:nvSpPr>
         <p:spPr>
           <a:xfrm>
-            <a:off x="5184648" y="5504688"/>
+            <a:off x="5184648" y="5102352"/>
             <a:ext cx="3840480" cy="128016"/>
           </a:xfrm>
           <a:prstGeom prst="rect">
@@ -52658,7 +52658,7 @@
         </p:nvSpPr>
         <p:spPr>
           <a:xfrm>
-            <a:off x="5056632" y="5650992"/>
+            <a:off x="5056632" y="5230368"/>
             <a:ext cx="109728" cy="128016"/>
           </a:xfrm>
           <a:prstGeom prst="rect">
@@ -52694,7 +52694,7 @@
         </p:nvSpPr>
         <p:spPr>
           <a:xfrm>
-            <a:off x="5184648" y="5650992"/>
+            <a:off x="5184648" y="5230368"/>
             <a:ext cx="3840480" cy="128016"/>
           </a:xfrm>
           <a:prstGeom prst="rect">
@@ -52730,7 +52730,7 @@
         </p:nvSpPr>
         <p:spPr>
           <a:xfrm>
-            <a:off x="5056632" y="5797296"/>
+            <a:off x="5056632" y="5358383"/>
             <a:ext cx="109728" cy="128016"/>
           </a:xfrm>
           <a:prstGeom prst="rect">
@@ -52766,7 +52766,7 @@
         </p:nvSpPr>
         <p:spPr>
           <a:xfrm>
-            <a:off x="5184648" y="5797296"/>
+            <a:off x="5184648" y="5358383"/>
             <a:ext cx="3840480" cy="128016"/>
           </a:xfrm>
           <a:prstGeom prst="rect">
@@ -52802,8 +52802,8 @@
         </p:nvSpPr>
         <p:spPr>
           <a:xfrm>
-            <a:off x="91440" y="5980176"/>
-            <a:ext cx="548640" cy="502920"/>
+            <a:off x="91440" y="5532120"/>
+            <a:ext cx="548640" cy="438912"/>
           </a:xfrm>
           <a:prstGeom prst="rect">
             <a:avLst/>
@@ -52847,7 +52847,7 @@
         </p:nvSpPr>
         <p:spPr>
           <a:xfrm>
-            <a:off x="109728" y="6117336"/>
+            <a:off x="109728" y="5669280"/>
             <a:ext cx="512064" cy="228600"/>
           </a:xfrm>
           <a:prstGeom prst="rect">
@@ -52883,8 +52883,8 @@
         </p:nvSpPr>
         <p:spPr>
           <a:xfrm>
-            <a:off x="731520" y="5980176"/>
-            <a:ext cx="4114800" cy="502920"/>
+            <a:off x="731520" y="5532120"/>
+            <a:ext cx="4114800" cy="438912"/>
           </a:xfrm>
           <a:prstGeom prst="rect">
             <a:avLst/>
@@ -52928,7 +52928,7 @@
         </p:nvSpPr>
         <p:spPr>
           <a:xfrm>
-            <a:off x="804672" y="6025896"/>
+            <a:off x="804672" y="5559552"/>
             <a:ext cx="109728" cy="128016"/>
           </a:xfrm>
           <a:prstGeom prst="rect">
@@ -52964,7 +52964,7 @@
         </p:nvSpPr>
         <p:spPr>
           <a:xfrm>
-            <a:off x="932688" y="6025896"/>
+            <a:off x="932688" y="5559552"/>
             <a:ext cx="3840480" cy="128016"/>
           </a:xfrm>
           <a:prstGeom prst="rect">
@@ -53000,7 +53000,7 @@
         </p:nvSpPr>
         <p:spPr>
           <a:xfrm>
-            <a:off x="804672" y="6172200"/>
+            <a:off x="804672" y="5687568"/>
             <a:ext cx="109728" cy="128016"/>
           </a:xfrm>
           <a:prstGeom prst="rect">
@@ -53036,7 +53036,7 @@
         </p:nvSpPr>
         <p:spPr>
           <a:xfrm>
-            <a:off x="932688" y="6172200"/>
+            <a:off x="932688" y="5687568"/>
             <a:ext cx="3840480" cy="128016"/>
           </a:xfrm>
           <a:prstGeom prst="rect">
@@ -53072,7 +53072,7 @@
         </p:nvSpPr>
         <p:spPr>
           <a:xfrm>
-            <a:off x="804672" y="6318504"/>
+            <a:off x="804672" y="5815583"/>
             <a:ext cx="109728" cy="128016"/>
           </a:xfrm>
           <a:prstGeom prst="rect">
@@ -53108,7 +53108,7 @@
         </p:nvSpPr>
         <p:spPr>
           <a:xfrm>
-            <a:off x="932688" y="6318504"/>
+            <a:off x="932688" y="5815583"/>
             <a:ext cx="3840480" cy="128016"/>
           </a:xfrm>
           <a:prstGeom prst="rect">
@@ -53144,8 +53144,8 @@
         </p:nvSpPr>
         <p:spPr>
           <a:xfrm>
-            <a:off x="4983480" y="5980176"/>
-            <a:ext cx="4114800" cy="502920"/>
+            <a:off x="4983480" y="5532120"/>
+            <a:ext cx="4114800" cy="438912"/>
           </a:xfrm>
           <a:prstGeom prst="rect">
             <a:avLst/>
@@ -53189,7 +53189,7 @@
         </p:nvSpPr>
         <p:spPr>
           <a:xfrm>
-            <a:off x="5056632" y="6025896"/>
+            <a:off x="5056632" y="5559552"/>
             <a:ext cx="109728" cy="128016"/>
           </a:xfrm>
           <a:prstGeom prst="rect">
@@ -53225,7 +53225,7 @@
         </p:nvSpPr>
         <p:spPr>
           <a:xfrm>
-            <a:off x="5184648" y="6025896"/>
+            <a:off x="5184648" y="5559552"/>
             <a:ext cx="3840480" cy="128016"/>
           </a:xfrm>
           <a:prstGeom prst="rect">
@@ -53261,7 +53261,7 @@
         </p:nvSpPr>
         <p:spPr>
           <a:xfrm>
-            <a:off x="5056632" y="6172200"/>
+            <a:off x="5056632" y="5687568"/>
             <a:ext cx="109728" cy="128016"/>
           </a:xfrm>
           <a:prstGeom prst="rect">
@@ -53297,7 +53297,7 @@
         </p:nvSpPr>
         <p:spPr>
           <a:xfrm>
-            <a:off x="5184648" y="6172200"/>
+            <a:off x="5184648" y="5687568"/>
             <a:ext cx="3840480" cy="128016"/>
           </a:xfrm>
           <a:prstGeom prst="rect">
@@ -53333,7 +53333,7 @@
         </p:nvSpPr>
         <p:spPr>
           <a:xfrm>
-            <a:off x="5056632" y="6318504"/>
+            <a:off x="5056632" y="5815583"/>
             <a:ext cx="109728" cy="128016"/>
           </a:xfrm>
           <a:prstGeom prst="rect">
@@ -53369,7 +53369,7 @@
         </p:nvSpPr>
         <p:spPr>
           <a:xfrm>
-            <a:off x="5184648" y="6318504"/>
+            <a:off x="5184648" y="5815583"/>
             <a:ext cx="3840480" cy="128016"/>
           </a:xfrm>
           <a:prstGeom prst="rect">
@@ -53405,8 +53405,8 @@
         </p:nvSpPr>
         <p:spPr>
           <a:xfrm>
-            <a:off x="91440" y="6501384"/>
-            <a:ext cx="548640" cy="502920"/>
+            <a:off x="91440" y="5989320"/>
+            <a:ext cx="548640" cy="438912"/>
           </a:xfrm>
           <a:prstGeom prst="rect">
             <a:avLst/>
@@ -53450,7 +53450,7 @@
         </p:nvSpPr>
         <p:spPr>
           <a:xfrm>
-            <a:off x="109728" y="6638544"/>
+            <a:off x="109728" y="6126480"/>
             <a:ext cx="512064" cy="228600"/>
           </a:xfrm>
           <a:prstGeom prst="rect">
@@ -53486,8 +53486,8 @@
         </p:nvSpPr>
         <p:spPr>
           <a:xfrm>
-            <a:off x="731520" y="6501384"/>
-            <a:ext cx="4114800" cy="502920"/>
+            <a:off x="731520" y="5989320"/>
+            <a:ext cx="4114800" cy="438912"/>
           </a:xfrm>
           <a:prstGeom prst="rect">
             <a:avLst/>
@@ -53531,7 +53531,7 @@
         </p:nvSpPr>
         <p:spPr>
           <a:xfrm>
-            <a:off x="804672" y="6547104"/>
+            <a:off x="804672" y="6016752"/>
             <a:ext cx="109728" cy="128016"/>
           </a:xfrm>
           <a:prstGeom prst="rect">
@@ -53567,7 +53567,7 @@
         </p:nvSpPr>
         <p:spPr>
           <a:xfrm>
-            <a:off x="932688" y="6547104"/>
+            <a:off x="932688" y="6016752"/>
             <a:ext cx="3840480" cy="128016"/>
           </a:xfrm>
           <a:prstGeom prst="rect">
@@ -53603,7 +53603,7 @@
         </p:nvSpPr>
         <p:spPr>
           <a:xfrm>
-            <a:off x="804672" y="6693408"/>
+            <a:off x="804672" y="6144768"/>
             <a:ext cx="109728" cy="128016"/>
           </a:xfrm>
           <a:prstGeom prst="rect">
@@ -53639,7 +53639,7 @@
         </p:nvSpPr>
         <p:spPr>
           <a:xfrm>
-            <a:off x="932688" y="6693408"/>
+            <a:off x="932688" y="6144768"/>
             <a:ext cx="3840480" cy="128016"/>
           </a:xfrm>
           <a:prstGeom prst="rect">
@@ -53675,7 +53675,7 @@
         </p:nvSpPr>
         <p:spPr>
           <a:xfrm>
-            <a:off x="804672" y="6839712"/>
+            <a:off x="804672" y="6272783"/>
             <a:ext cx="109728" cy="128016"/>
           </a:xfrm>
           <a:prstGeom prst="rect">
@@ -53711,7 +53711,7 @@
         </p:nvSpPr>
         <p:spPr>
           <a:xfrm>
-            <a:off x="932688" y="6839712"/>
+            <a:off x="932688" y="6272783"/>
             <a:ext cx="3840480" cy="128016"/>
           </a:xfrm>
           <a:prstGeom prst="rect">
@@ -53747,8 +53747,8 @@
         </p:nvSpPr>
         <p:spPr>
           <a:xfrm>
-            <a:off x="4983480" y="6501384"/>
-            <a:ext cx="4114800" cy="502920"/>
+            <a:off x="4983480" y="5989320"/>
+            <a:ext cx="4114800" cy="438912"/>
           </a:xfrm>
           <a:prstGeom prst="rect">
             <a:avLst/>
@@ -53792,7 +53792,7 @@
         </p:nvSpPr>
         <p:spPr>
           <a:xfrm>
-            <a:off x="5056632" y="6547104"/>
+            <a:off x="5056632" y="6016752"/>
             <a:ext cx="109728" cy="128016"/>
           </a:xfrm>
           <a:prstGeom prst="rect">
@@ -53828,7 +53828,7 @@
         </p:nvSpPr>
         <p:spPr>
           <a:xfrm>
-            <a:off x="5184648" y="6547104"/>
+            <a:off x="5184648" y="6016752"/>
             <a:ext cx="3840480" cy="128016"/>
           </a:xfrm>
           <a:prstGeom prst="rect">
@@ -53864,7 +53864,7 @@
         </p:nvSpPr>
         <p:spPr>
           <a:xfrm>
-            <a:off x="5056632" y="6693408"/>
+            <a:off x="5056632" y="6144768"/>
             <a:ext cx="109728" cy="128016"/>
           </a:xfrm>
           <a:prstGeom prst="rect">
@@ -53900,7 +53900,7 @@
         </p:nvSpPr>
         <p:spPr>
           <a:xfrm>
-            <a:off x="5184648" y="6693408"/>
+            <a:off x="5184648" y="6144768"/>
             <a:ext cx="3840480" cy="128016"/>
           </a:xfrm>
           <a:prstGeom prst="rect">
@@ -53936,7 +53936,7 @@
         </p:nvSpPr>
         <p:spPr>
           <a:xfrm>
-            <a:off x="5056632" y="6839712"/>
+            <a:off x="5056632" y="6272783"/>
             <a:ext cx="109728" cy="128016"/>
           </a:xfrm>
           <a:prstGeom prst="rect">
@@ -53972,7 +53972,7 @@
         </p:nvSpPr>
         <p:spPr>
           <a:xfrm>
-            <a:off x="5184648" y="6839712"/>
+            <a:off x="5184648" y="6272783"/>
             <a:ext cx="3840480" cy="128016"/>
           </a:xfrm>
           <a:prstGeom prst="rect">

--- a/PPTX_RESULT/Part1_Session1_StrategicInventory.pptx
+++ b/PPTX_RESULT/Part1_Session1_StrategicInventory.pptx
@@ -6956,7 +6956,7 @@
               </a:defRPr>
             </a:pPr>
             <a:r>
-              <a:t>2.3 Kraljic Matrix</a:t>
+              <a:t>2.3 📊 Kraljic Matrix</a:t>
             </a:r>
           </a:p>
         </p:txBody>
@@ -7189,7 +7189,7 @@
               </a:defRPr>
             </a:pPr>
             <a:r>
-              <a:t>전략자재 (Strategic)</a:t>
+              <a:t>💎 전략자재 (Strategic)</a:t>
             </a:r>
           </a:p>
         </p:txBody>
@@ -8458,7 +8458,7 @@
               </a:defRPr>
             </a:pPr>
             <a:r>
-              <a:t>병목자재 (Bottleneck)</a:t>
+              <a:t>⚠️ 병목자재 (Bottleneck)</a:t>
             </a:r>
           </a:p>
         </p:txBody>
@@ -9727,7 +9727,7 @@
               </a:defRPr>
             </a:pPr>
             <a:r>
-              <a:t>레버리지자재 (Leverage)</a:t>
+              <a:t>💰 레버리지자재 (Leverage)</a:t>
             </a:r>
           </a:p>
         </p:txBody>
@@ -10996,7 +10996,7 @@
               </a:defRPr>
             </a:pPr>
             <a:r>
-              <a:t>일상자재 (Routine)</a:t>
+              <a:t>📦 일상자재 (Routine)</a:t>
             </a:r>
           </a:p>
         </p:txBody>
@@ -12787,7 +12787,7 @@
               </a:defRPr>
             </a:pPr>
             <a:r>
-              <a:t>2.4 병목자재 (Bottleneck)</a:t>
+              <a:t>2.4 ⚠️ 병목자재 (Bottleneck)</a:t>
             </a:r>
           </a:p>
         </p:txBody>
@@ -15892,7 +15892,7 @@
               </a:defRPr>
             </a:pPr>
             <a:r>
-              <a:t>2.5 레버리지자재 (Leverage)</a:t>
+              <a:t>2.5 💰 레버리지자재 (Leverage)</a:t>
             </a:r>
           </a:p>
         </p:txBody>
@@ -18997,7 +18997,7 @@
               </a:defRPr>
             </a:pPr>
             <a:r>
-              <a:t>2.6 전략자재 (Strategic)</a:t>
+              <a:t>2.6 💎 전략자재 (Strategic)</a:t>
             </a:r>
           </a:p>
         </p:txBody>
@@ -22102,7 +22102,7 @@
               </a:defRPr>
             </a:pPr>
             <a:r>
-              <a:t>2.7 일상자재 (Routine)</a:t>
+              <a:t>2.7 📦 일상자재 (Routine)</a:t>
             </a:r>
           </a:p>
         </p:txBody>
@@ -29078,7 +29078,7 @@
               </a:defRPr>
             </a:pPr>
             <a:r>
-              <a:t>목차</a:t>
+              <a:t>📚 목차</a:t>
             </a:r>
           </a:p>
         </p:txBody>
@@ -29267,7 +29267,7 @@
               </a:defRPr>
             </a:pPr>
             <a:r>
-              <a:t>JIT → JIC 패러다임 전환</a:t>
+              <a:t>🔄 JIT → JIC 패러다임 전환</a:t>
             </a:r>
           </a:p>
         </p:txBody>
@@ -29384,7 +29384,7 @@
               </a:defRPr>
             </a:pPr>
             <a:r>
-              <a:t>Kraljic Matrix 프레임워크</a:t>
+              <a:t>📊 Kraljic Matrix 프레임워크</a:t>
             </a:r>
           </a:p>
         </p:txBody>
@@ -29501,7 +29501,7 @@
               </a:defRPr>
             </a:pPr>
             <a:r>
-              <a:t>차별화 전략</a:t>
+              <a:t>🎯 차별화 전략</a:t>
             </a:r>
           </a:p>
         </p:txBody>
@@ -29618,7 +29618,7 @@
               </a:defRPr>
             </a:pPr>
             <a:r>
-              <a:t>계획 방법론</a:t>
+              <a:t>📋 계획 방법론</a:t>
             </a:r>
           </a:p>
         </p:txBody>
@@ -29735,7 +29735,7 @@
               </a:defRPr>
             </a:pPr>
             <a:r>
-              <a:t>통합 KPI 프레임워크</a:t>
+              <a:t>📈 통합 KPI 프레임워크</a:t>
             </a:r>
           </a:p>
         </p:txBody>
@@ -29852,7 +29852,7 @@
               </a:defRPr>
             </a:pPr>
             <a:r>
-              <a:t>산업별 적용 사례</a:t>
+              <a:t>🏭 산업별 적용 사례</a:t>
             </a:r>
           </a:p>
         </p:txBody>
@@ -29969,7 +29969,7 @@
               </a:defRPr>
             </a:pPr>
             <a:r>
-              <a:t>9회차 학습 여정</a:t>
+              <a:t>🚀 9회차 학습 여정</a:t>
             </a:r>
           </a:p>
         </p:txBody>
@@ -39291,7 +39291,7 @@
               </a:defRPr>
             </a:pPr>
             <a:r>
-              <a:t>1.1 JIT의 영광과 몰락</a:t>
+              <a:t>1.1 📅 JIT의 영광과 몰락</a:t>
             </a:r>
           </a:p>
         </p:txBody>
@@ -43647,7 +43647,7 @@
               </a:defRPr>
             </a:pPr>
             <a:r>
-              <a:t>1.2 팬데믹이 드러낸 JIT의 약점</a:t>
+              <a:t>1.2 ⚠️ 팬데믹이 드러낸 JIT의 약점</a:t>
             </a:r>
           </a:p>
         </p:txBody>
@@ -48326,7 +48326,7 @@
               </a:defRPr>
             </a:pPr>
             <a:r>
-              <a:t>1.3 JIT vs JIC 비교</a:t>
+              <a:t>1.3 ⚡ JIT vs 🛡️ JIC 비교</a:t>
             </a:r>
           </a:p>
         </p:txBody>
@@ -58708,7 +58708,7 @@
               </a:defRPr>
             </a:pPr>
             <a:r>
-              <a:t>2.1 Kraljic Matrix 탄생</a:t>
+              <a:t>2.1 💡 Kraljic Matrix 탄생</a:t>
             </a:r>
           </a:p>
         </p:txBody>
